--- a/FLASH_HW2/HW2.pptx
+++ b/FLASH_HW2/HW2.pptx
@@ -5,10 +5,17 @@
     <p:sldMasterId id="2147483648" r:id="rId1"/>
   </p:sldMasterIdLst>
   <p:sldIdLst>
-    <p:sldId id="257" r:id="rId2"/>
-    <p:sldId id="256" r:id="rId3"/>
-    <p:sldId id="258" r:id="rId4"/>
-    <p:sldId id="259" r:id="rId5"/>
+    <p:sldId id="259" r:id="rId2"/>
+    <p:sldId id="260" r:id="rId3"/>
+    <p:sldId id="261" r:id="rId4"/>
+    <p:sldId id="256" r:id="rId5"/>
+    <p:sldId id="258" r:id="rId6"/>
+    <p:sldId id="262" r:id="rId7"/>
+    <p:sldId id="263" r:id="rId8"/>
+    <p:sldId id="264" r:id="rId9"/>
+    <p:sldId id="265" r:id="rId10"/>
+    <p:sldId id="267" r:id="rId11"/>
+    <p:sldId id="266" r:id="rId12"/>
   </p:sldIdLst>
   <p:sldSz cx="12192000" cy="6858000"/>
   <p:notesSz cx="6858000" cy="9144000"/>
@@ -3313,6 +3320,624 @@
 </file>
 
 <file path=ppt/slides/slide1.xml><?xml version="1.0" encoding="utf-8"?>
+<p:sld xmlns:a="http://schemas.openxmlformats.org/drawingml/2006/main" xmlns:r="http://schemas.openxmlformats.org/officeDocument/2006/relationships" xmlns:p="http://schemas.openxmlformats.org/presentationml/2006/main" show="0">
+  <p:cSld>
+    <p:spTree>
+      <p:nvGrpSpPr>
+        <p:cNvPr id="1" name=""/>
+        <p:cNvGrpSpPr/>
+        <p:nvPr/>
+      </p:nvGrpSpPr>
+      <p:grpSpPr>
+        <a:xfrm>
+          <a:off x="0" y="0"/>
+          <a:ext cx="0" cy="0"/>
+          <a:chOff x="0" y="0"/>
+          <a:chExt cx="0" cy="0"/>
+        </a:xfrm>
+      </p:grpSpPr>
+      <p:sp>
+        <p:nvSpPr>
+          <p:cNvPr id="2" name="矩形 1">
+            <a:extLst>
+              <a:ext uri="{FF2B5EF4-FFF2-40B4-BE49-F238E27FC236}">
+                <a16:creationId xmlns:a16="http://schemas.microsoft.com/office/drawing/2014/main" id="{52367C54-39CB-49F9-8267-817935114240}"/>
+              </a:ext>
+            </a:extLst>
+          </p:cNvPr>
+          <p:cNvSpPr/>
+          <p:nvPr/>
+        </p:nvSpPr>
+        <p:spPr>
+          <a:xfrm>
+            <a:off x="115613" y="194470"/>
+            <a:ext cx="8418786" cy="369332"/>
+          </a:xfrm>
+          <a:prstGeom prst="rect">
+            <a:avLst/>
+          </a:prstGeom>
+        </p:spPr>
+        <p:txBody>
+          <a:bodyPr wrap="square">
+            <a:spAutoFit/>
+          </a:bodyPr>
+          <a:lstStyle/>
+          <a:p>
+            <a:r>
+              <a:rPr lang="zh-TW" altLang="en-US" dirty="0"/>
+              <a:t>https://carpentries-incubator.github.io/SDC-BIDS-sMRI/aio/index.html</a:t>
+            </a:r>
+          </a:p>
+        </p:txBody>
+      </p:sp>
+      <p:sp>
+        <p:nvSpPr>
+          <p:cNvPr id="4" name="Rectangle 2">
+            <a:extLst>
+              <a:ext uri="{FF2B5EF4-FFF2-40B4-BE49-F238E27FC236}">
+                <a16:creationId xmlns:a16="http://schemas.microsoft.com/office/drawing/2014/main" id="{785A83E9-90E7-41D6-A8E8-8CDFC7BD3690}"/>
+              </a:ext>
+            </a:extLst>
+          </p:cNvPr>
+          <p:cNvSpPr>
+            <a:spLocks noChangeArrowheads="1"/>
+          </p:cNvSpPr>
+          <p:nvPr/>
+        </p:nvSpPr>
+        <p:spPr bwMode="auto">
+          <a:xfrm>
+            <a:off x="189187" y="1103876"/>
+            <a:ext cx="1724831" cy="624786"/>
+          </a:xfrm>
+          <a:prstGeom prst="rect">
+            <a:avLst/>
+          </a:prstGeom>
+          <a:solidFill>
+            <a:srgbClr val="F8F8F8"/>
+          </a:solidFill>
+          <a:ln>
+            <a:noFill/>
+          </a:ln>
+          <a:effectLst/>
+          <a:extLst>
+            <a:ext uri="{91240B29-F687-4F45-9708-019B960494DF}">
+              <a14:hiddenLine xmlns:a14="http://schemas.microsoft.com/office/drawing/2010/main" w="9525">
+                <a:solidFill>
+                  <a:schemeClr val="tx1"/>
+                </a:solidFill>
+                <a:miter lim="800000"/>
+                <a:headEnd/>
+                <a:tailEnd/>
+              </a14:hiddenLine>
+            </a:ext>
+            <a:ext uri="{AF507438-7753-43E0-B8FC-AC1667EBCBE1}">
+              <a14:hiddenEffects xmlns:a14="http://schemas.microsoft.com/office/drawing/2010/main">
+                <a:effectLst>
+                  <a:outerShdw dist="35921" dir="2700000" algn="ctr" rotWithShape="0">
+                    <a:schemeClr val="bg2"/>
+                  </a:outerShdw>
+                </a:effectLst>
+              </a14:hiddenEffects>
+            </a:ext>
+          </a:extLst>
+        </p:spPr>
+        <p:txBody>
+          <a:bodyPr vert="horz" wrap="none" lIns="0" tIns="0" rIns="0" bIns="0" numCol="1" anchor="ctr" anchorCtr="0" compatLnSpc="1">
+            <a:prstTxWarp prst="textNoShape">
+              <a:avLst/>
+            </a:prstTxWarp>
+            <a:spAutoFit/>
+          </a:bodyPr>
+          <a:lstStyle/>
+          <a:p>
+            <a:pPr marL="0" marR="0" lvl="0" indent="0" algn="l" defTabSz="914400" rtl="0" eaLnBrk="0" fontAlgn="base" latinLnBrk="0" hangingPunct="0">
+              <a:lnSpc>
+                <a:spcPct val="100000"/>
+              </a:lnSpc>
+              <a:spcBef>
+                <a:spcPct val="30000"/>
+              </a:spcBef>
+              <a:spcAft>
+                <a:spcPct val="0"/>
+              </a:spcAft>
+              <a:buClrTx/>
+              <a:buSzTx/>
+              <a:buFontTx/>
+              <a:buNone/>
+              <a:tabLst/>
+            </a:pPr>
+            <a:r>
+              <a:rPr kumimoji="0" lang="zh-TW" altLang="zh-TW" sz="1000" b="1" i="0" u="none" strike="noStrike" cap="none" normalizeH="0" baseline="0" dirty="0">
+                <a:ln>
+                  <a:noFill/>
+                </a:ln>
+                <a:solidFill>
+                  <a:srgbClr val="008000"/>
+                </a:solidFill>
+                <a:effectLst/>
+                <a:latin typeface="Arial Unicode MS"/>
+                <a:ea typeface="Menlo"/>
+              </a:rPr>
+              <a:t>import</a:t>
+            </a:r>
+            <a:r>
+              <a:rPr kumimoji="0" lang="zh-TW" altLang="zh-TW" sz="1000" b="0" i="0" u="none" strike="noStrike" cap="none" normalizeH="0" baseline="0" dirty="0">
+                <a:ln>
+                  <a:noFill/>
+                </a:ln>
+                <a:solidFill>
+                  <a:srgbClr val="333333"/>
+                </a:solidFill>
+                <a:effectLst/>
+                <a:latin typeface="Arial Unicode MS"/>
+                <a:ea typeface="Menlo"/>
+              </a:rPr>
+              <a:t> </a:t>
+            </a:r>
+            <a:r>
+              <a:rPr kumimoji="0" lang="zh-TW" altLang="zh-TW" sz="1000" b="1" i="0" u="none" strike="noStrike" cap="none" normalizeH="0" baseline="0" dirty="0">
+                <a:ln>
+                  <a:noFill/>
+                </a:ln>
+                <a:solidFill>
+                  <a:srgbClr val="0000FF"/>
+                </a:solidFill>
+                <a:effectLst/>
+                <a:latin typeface="Arial Unicode MS"/>
+                <a:ea typeface="Menlo"/>
+              </a:rPr>
+              <a:t>nibabel</a:t>
+            </a:r>
+            <a:r>
+              <a:rPr kumimoji="0" lang="zh-TW" altLang="zh-TW" sz="1000" b="0" i="0" u="none" strike="noStrike" cap="none" normalizeH="0" baseline="0" dirty="0">
+                <a:ln>
+                  <a:noFill/>
+                </a:ln>
+                <a:solidFill>
+                  <a:srgbClr val="333333"/>
+                </a:solidFill>
+                <a:effectLst/>
+                <a:latin typeface="Arial Unicode MS"/>
+                <a:ea typeface="Menlo"/>
+              </a:rPr>
+              <a:t> </a:t>
+            </a:r>
+            <a:r>
+              <a:rPr kumimoji="0" lang="zh-TW" altLang="zh-TW" sz="1000" b="1" i="0" u="none" strike="noStrike" cap="none" normalizeH="0" baseline="0" dirty="0">
+                <a:ln>
+                  <a:noFill/>
+                </a:ln>
+                <a:solidFill>
+                  <a:srgbClr val="008000"/>
+                </a:solidFill>
+                <a:effectLst/>
+                <a:latin typeface="Arial Unicode MS"/>
+                <a:ea typeface="Menlo"/>
+              </a:rPr>
+              <a:t>as</a:t>
+            </a:r>
+            <a:r>
+              <a:rPr kumimoji="0" lang="zh-TW" altLang="zh-TW" sz="1000" b="0" i="0" u="none" strike="noStrike" cap="none" normalizeH="0" baseline="0" dirty="0">
+                <a:ln>
+                  <a:noFill/>
+                </a:ln>
+                <a:solidFill>
+                  <a:srgbClr val="333333"/>
+                </a:solidFill>
+                <a:effectLst/>
+                <a:latin typeface="Arial Unicode MS"/>
+                <a:ea typeface="Menlo"/>
+              </a:rPr>
+              <a:t> </a:t>
+            </a:r>
+            <a:r>
+              <a:rPr kumimoji="0" lang="zh-TW" altLang="zh-TW" sz="1200" b="0" i="0" u="none" strike="noStrike" cap="none" normalizeH="0" baseline="0" dirty="0">
+                <a:ln>
+                  <a:noFill/>
+                </a:ln>
+                <a:solidFill>
+                  <a:schemeClr val="tx1"/>
+                </a:solidFill>
+                <a:effectLst/>
+                <a:latin typeface="Arial" panose="020B0604020202020204" pitchFamily="34" charset="0"/>
+              </a:rPr>
+              <a:t>nib</a:t>
+            </a:r>
+            <a:r>
+              <a:rPr kumimoji="0" lang="zh-TW" altLang="zh-TW" sz="1000" b="0" i="0" u="none" strike="noStrike" cap="none" normalizeH="0" baseline="0" dirty="0">
+                <a:ln>
+                  <a:noFill/>
+                </a:ln>
+                <a:solidFill>
+                  <a:srgbClr val="333333"/>
+                </a:solidFill>
+                <a:effectLst/>
+                <a:latin typeface="Arial Unicode MS"/>
+                <a:ea typeface="Menlo"/>
+              </a:rPr>
+              <a:t> </a:t>
+            </a:r>
+            <a:endParaRPr kumimoji="0" lang="en-US" altLang="zh-TW" sz="1000" b="0" i="0" u="none" strike="noStrike" cap="none" normalizeH="0" baseline="0" dirty="0">
+              <a:ln>
+                <a:noFill/>
+              </a:ln>
+              <a:solidFill>
+                <a:srgbClr val="333333"/>
+              </a:solidFill>
+              <a:effectLst/>
+              <a:latin typeface="Arial Unicode MS"/>
+              <a:ea typeface="Menlo"/>
+            </a:endParaRPr>
+          </a:p>
+          <a:p>
+            <a:pPr marL="0" marR="0" lvl="0" indent="0" algn="l" defTabSz="914400" rtl="0" eaLnBrk="0" fontAlgn="base" latinLnBrk="0" hangingPunct="0">
+              <a:lnSpc>
+                <a:spcPct val="100000"/>
+              </a:lnSpc>
+              <a:spcBef>
+                <a:spcPct val="30000"/>
+              </a:spcBef>
+              <a:spcAft>
+                <a:spcPct val="0"/>
+              </a:spcAft>
+              <a:buClrTx/>
+              <a:buSzTx/>
+              <a:buFontTx/>
+              <a:buNone/>
+              <a:tabLst/>
+            </a:pPr>
+            <a:r>
+              <a:rPr kumimoji="0" lang="zh-TW" altLang="zh-TW" sz="1000" b="1" i="0" u="none" strike="noStrike" cap="none" normalizeH="0" baseline="0" dirty="0">
+                <a:ln>
+                  <a:noFill/>
+                </a:ln>
+                <a:solidFill>
+                  <a:srgbClr val="008000"/>
+                </a:solidFill>
+                <a:effectLst/>
+                <a:latin typeface="Arial Unicode MS"/>
+                <a:ea typeface="Menlo"/>
+              </a:rPr>
+              <a:t>import</a:t>
+            </a:r>
+            <a:r>
+              <a:rPr kumimoji="0" lang="zh-TW" altLang="zh-TW" sz="1000" b="0" i="0" u="none" strike="noStrike" cap="none" normalizeH="0" baseline="0" dirty="0">
+                <a:ln>
+                  <a:noFill/>
+                </a:ln>
+                <a:solidFill>
+                  <a:srgbClr val="333333"/>
+                </a:solidFill>
+                <a:effectLst/>
+                <a:latin typeface="Arial Unicode MS"/>
+                <a:ea typeface="Menlo"/>
+              </a:rPr>
+              <a:t> </a:t>
+            </a:r>
+            <a:r>
+              <a:rPr kumimoji="0" lang="zh-TW" altLang="zh-TW" sz="1000" b="1" i="0" u="none" strike="noStrike" cap="none" normalizeH="0" baseline="0" dirty="0">
+                <a:ln>
+                  <a:noFill/>
+                </a:ln>
+                <a:solidFill>
+                  <a:srgbClr val="0000FF"/>
+                </a:solidFill>
+                <a:effectLst/>
+                <a:latin typeface="Arial Unicode MS"/>
+                <a:ea typeface="Menlo"/>
+              </a:rPr>
+              <a:t>nilearn</a:t>
+            </a:r>
+            <a:r>
+              <a:rPr kumimoji="0" lang="zh-TW" altLang="zh-TW" sz="1000" b="0" i="0" u="none" strike="noStrike" cap="none" normalizeH="0" baseline="0" dirty="0">
+                <a:ln>
+                  <a:noFill/>
+                </a:ln>
+                <a:solidFill>
+                  <a:srgbClr val="333333"/>
+                </a:solidFill>
+                <a:effectLst/>
+                <a:latin typeface="Arial Unicode MS"/>
+                <a:ea typeface="Menlo"/>
+              </a:rPr>
+              <a:t> </a:t>
+            </a:r>
+            <a:endParaRPr kumimoji="0" lang="en-US" altLang="zh-TW" sz="1000" b="0" i="0" u="none" strike="noStrike" cap="none" normalizeH="0" baseline="0" dirty="0">
+              <a:ln>
+                <a:noFill/>
+              </a:ln>
+              <a:solidFill>
+                <a:srgbClr val="333333"/>
+              </a:solidFill>
+              <a:effectLst/>
+              <a:latin typeface="Arial Unicode MS"/>
+              <a:ea typeface="Menlo"/>
+            </a:endParaRPr>
+          </a:p>
+          <a:p>
+            <a:pPr marL="0" marR="0" lvl="0" indent="0" algn="l" defTabSz="914400" rtl="0" eaLnBrk="0" fontAlgn="base" latinLnBrk="0" hangingPunct="0">
+              <a:lnSpc>
+                <a:spcPct val="100000"/>
+              </a:lnSpc>
+              <a:spcBef>
+                <a:spcPct val="30000"/>
+              </a:spcBef>
+              <a:spcAft>
+                <a:spcPct val="0"/>
+              </a:spcAft>
+              <a:buClrTx/>
+              <a:buSzTx/>
+              <a:buFontTx/>
+              <a:buNone/>
+              <a:tabLst/>
+            </a:pPr>
+            <a:r>
+              <a:rPr kumimoji="0" lang="zh-TW" altLang="zh-TW" sz="1000" b="1" i="0" u="none" strike="noStrike" cap="none" normalizeH="0" baseline="0" dirty="0">
+                <a:ln>
+                  <a:noFill/>
+                </a:ln>
+                <a:solidFill>
+                  <a:srgbClr val="008000"/>
+                </a:solidFill>
+                <a:effectLst/>
+                <a:latin typeface="Arial Unicode MS"/>
+                <a:ea typeface="Menlo"/>
+              </a:rPr>
+              <a:t>from</a:t>
+            </a:r>
+            <a:r>
+              <a:rPr kumimoji="0" lang="zh-TW" altLang="zh-TW" sz="1000" b="0" i="0" u="none" strike="noStrike" cap="none" normalizeH="0" baseline="0" dirty="0">
+                <a:ln>
+                  <a:noFill/>
+                </a:ln>
+                <a:solidFill>
+                  <a:srgbClr val="333333"/>
+                </a:solidFill>
+                <a:effectLst/>
+                <a:latin typeface="Arial Unicode MS"/>
+                <a:ea typeface="Menlo"/>
+              </a:rPr>
+              <a:t> </a:t>
+            </a:r>
+            <a:r>
+              <a:rPr kumimoji="0" lang="zh-TW" altLang="zh-TW" sz="1000" b="1" i="0" u="none" strike="noStrike" cap="none" normalizeH="0" baseline="0" dirty="0">
+                <a:ln>
+                  <a:noFill/>
+                </a:ln>
+                <a:solidFill>
+                  <a:srgbClr val="0000FF"/>
+                </a:solidFill>
+                <a:effectLst/>
+                <a:latin typeface="Arial Unicode MS"/>
+                <a:ea typeface="Menlo"/>
+              </a:rPr>
+              <a:t>nilearn</a:t>
+            </a:r>
+            <a:r>
+              <a:rPr kumimoji="0" lang="zh-TW" altLang="zh-TW" sz="1000" b="0" i="0" u="none" strike="noStrike" cap="none" normalizeH="0" baseline="0" dirty="0">
+                <a:ln>
+                  <a:noFill/>
+                </a:ln>
+                <a:solidFill>
+                  <a:srgbClr val="333333"/>
+                </a:solidFill>
+                <a:effectLst/>
+                <a:latin typeface="Arial Unicode MS"/>
+                <a:ea typeface="Menlo"/>
+              </a:rPr>
+              <a:t> </a:t>
+            </a:r>
+            <a:r>
+              <a:rPr kumimoji="0" lang="zh-TW" altLang="zh-TW" sz="1000" b="1" i="0" u="none" strike="noStrike" cap="none" normalizeH="0" baseline="0" dirty="0">
+                <a:ln>
+                  <a:noFill/>
+                </a:ln>
+                <a:solidFill>
+                  <a:srgbClr val="008000"/>
+                </a:solidFill>
+                <a:effectLst/>
+                <a:latin typeface="Arial Unicode MS"/>
+                <a:ea typeface="Menlo"/>
+              </a:rPr>
+              <a:t>import</a:t>
+            </a:r>
+            <a:r>
+              <a:rPr kumimoji="0" lang="zh-TW" altLang="zh-TW" sz="1000" b="0" i="0" u="none" strike="noStrike" cap="none" normalizeH="0" baseline="0" dirty="0">
+                <a:ln>
+                  <a:noFill/>
+                </a:ln>
+                <a:solidFill>
+                  <a:srgbClr val="333333"/>
+                </a:solidFill>
+                <a:effectLst/>
+                <a:latin typeface="Arial Unicode MS"/>
+                <a:ea typeface="Menlo"/>
+              </a:rPr>
+              <a:t> </a:t>
+            </a:r>
+            <a:r>
+              <a:rPr kumimoji="0" lang="zh-TW" altLang="zh-TW" sz="1200" b="0" i="0" u="none" strike="noStrike" cap="none" normalizeH="0" baseline="0" dirty="0">
+                <a:ln>
+                  <a:noFill/>
+                </a:ln>
+                <a:solidFill>
+                  <a:schemeClr val="tx1"/>
+                </a:solidFill>
+                <a:effectLst/>
+                <a:latin typeface="Arial" panose="020B0604020202020204" pitchFamily="34" charset="0"/>
+              </a:rPr>
+              <a:t>plotting</a:t>
+            </a:r>
+            <a:r>
+              <a:rPr kumimoji="0" lang="zh-TW" altLang="zh-TW" sz="800" b="0" i="0" u="none" strike="noStrike" cap="none" normalizeH="0" baseline="0" dirty="0">
+                <a:ln>
+                  <a:noFill/>
+                </a:ln>
+                <a:solidFill>
+                  <a:schemeClr val="tx1"/>
+                </a:solidFill>
+                <a:effectLst/>
+              </a:rPr>
+              <a:t> </a:t>
+            </a:r>
+            <a:endParaRPr kumimoji="0" lang="zh-TW" altLang="zh-TW" sz="1800" b="0" i="0" u="none" strike="noStrike" cap="none" normalizeH="0" baseline="0" dirty="0">
+              <a:ln>
+                <a:noFill/>
+              </a:ln>
+              <a:solidFill>
+                <a:schemeClr val="tx1"/>
+              </a:solidFill>
+              <a:effectLst/>
+              <a:latin typeface="Arial" panose="020B0604020202020204" pitchFamily="34" charset="0"/>
+            </a:endParaRPr>
+          </a:p>
+        </p:txBody>
+      </p:sp>
+      <p:sp>
+        <p:nvSpPr>
+          <p:cNvPr id="6" name="矩形 5">
+            <a:extLst>
+              <a:ext uri="{FF2B5EF4-FFF2-40B4-BE49-F238E27FC236}">
+                <a16:creationId xmlns:a16="http://schemas.microsoft.com/office/drawing/2014/main" id="{FAEE7A00-2BD2-45C8-A608-E61776106D1C}"/>
+              </a:ext>
+            </a:extLst>
+          </p:cNvPr>
+          <p:cNvSpPr/>
+          <p:nvPr/>
+        </p:nvSpPr>
+        <p:spPr>
+          <a:xfrm>
+            <a:off x="2791759" y="1046937"/>
+            <a:ext cx="2545312" cy="646331"/>
+          </a:xfrm>
+          <a:prstGeom prst="rect">
+            <a:avLst/>
+          </a:prstGeom>
+        </p:spPr>
+        <p:txBody>
+          <a:bodyPr wrap="none">
+            <a:spAutoFit/>
+          </a:bodyPr>
+          <a:lstStyle/>
+          <a:p>
+            <a:r>
+              <a:rPr lang="en-US" altLang="zh-TW" dirty="0"/>
+              <a:t>pip install </a:t>
+            </a:r>
+            <a:r>
+              <a:rPr lang="en-US" altLang="zh-TW" dirty="0" err="1"/>
+              <a:t>nibabel</a:t>
+            </a:r>
+            <a:r>
+              <a:rPr lang="zh-TW" altLang="en-US" dirty="0"/>
+              <a:t> </a:t>
+            </a:r>
+            <a:r>
+              <a:rPr lang="en-US" altLang="zh-TW" dirty="0" err="1"/>
+              <a:t>nilearn</a:t>
+            </a:r>
+            <a:endParaRPr lang="en-US" altLang="zh-TW" dirty="0"/>
+          </a:p>
+          <a:p>
+            <a:endParaRPr lang="zh-TW" altLang="en-US" dirty="0"/>
+          </a:p>
+        </p:txBody>
+      </p:sp>
+      <p:pic>
+        <p:nvPicPr>
+          <p:cNvPr id="1031" name="Picture 7" descr="https://ggseg.github.io/ggsegExtra/articles/figures/aseg2_second.png">
+            <a:extLst>
+              <a:ext uri="{FF2B5EF4-FFF2-40B4-BE49-F238E27FC236}">
+                <a16:creationId xmlns:a16="http://schemas.microsoft.com/office/drawing/2014/main" id="{373BF125-DB7B-40A0-B4B7-0ED30612435A}"/>
+              </a:ext>
+            </a:extLst>
+          </p:cNvPr>
+          <p:cNvPicPr>
+            <a:picLocks noChangeAspect="1" noChangeArrowheads="1"/>
+          </p:cNvPicPr>
+          <p:nvPr/>
+        </p:nvPicPr>
+        <p:blipFill>
+          <a:blip r:embed="rId2">
+            <a:extLst>
+              <a:ext uri="{28A0092B-C50C-407E-A947-70E740481C1C}">
+                <a14:useLocalDpi xmlns:a14="http://schemas.microsoft.com/office/drawing/2010/main" val="0"/>
+              </a:ext>
+            </a:extLst>
+          </a:blip>
+          <a:srcRect/>
+          <a:stretch>
+            <a:fillRect/>
+          </a:stretch>
+        </p:blipFill>
+        <p:spPr bwMode="auto">
+          <a:xfrm>
+            <a:off x="4904389" y="3074176"/>
+            <a:ext cx="7260020" cy="3783824"/>
+          </a:xfrm>
+          <a:prstGeom prst="rect">
+            <a:avLst/>
+          </a:prstGeom>
+          <a:noFill/>
+          <a:extLst>
+            <a:ext uri="{909E8E84-426E-40DD-AFC4-6F175D3DCCD1}">
+              <a14:hiddenFill xmlns:a14="http://schemas.microsoft.com/office/drawing/2010/main">
+                <a:solidFill>
+                  <a:srgbClr val="FFFFFF"/>
+                </a:solidFill>
+              </a14:hiddenFill>
+            </a:ext>
+          </a:extLst>
+        </p:spPr>
+      </p:pic>
+      <p:sp>
+        <p:nvSpPr>
+          <p:cNvPr id="10" name="矩形 9">
+            <a:extLst>
+              <a:ext uri="{FF2B5EF4-FFF2-40B4-BE49-F238E27FC236}">
+                <a16:creationId xmlns:a16="http://schemas.microsoft.com/office/drawing/2014/main" id="{E2AFB88F-3A5B-43B5-9FF6-CDAA4A66D53A}"/>
+              </a:ext>
+            </a:extLst>
+          </p:cNvPr>
+          <p:cNvSpPr/>
+          <p:nvPr/>
+        </p:nvSpPr>
+        <p:spPr>
+          <a:xfrm>
+            <a:off x="115613" y="583817"/>
+            <a:ext cx="8050924" cy="369332"/>
+          </a:xfrm>
+          <a:prstGeom prst="rect">
+            <a:avLst/>
+          </a:prstGeom>
+        </p:spPr>
+        <p:txBody>
+          <a:bodyPr wrap="square">
+            <a:spAutoFit/>
+          </a:bodyPr>
+          <a:lstStyle/>
+          <a:p>
+            <a:r>
+              <a:rPr lang="zh-TW" altLang="en-US" dirty="0"/>
+              <a:t>https://github.com/ggseg/python-ggseg/blob/main/doc/ggseg.ipynb</a:t>
+            </a:r>
+          </a:p>
+        </p:txBody>
+      </p:sp>
+    </p:spTree>
+    <p:extLst>
+      <p:ext uri="{BB962C8B-B14F-4D97-AF65-F5344CB8AC3E}">
+        <p14:creationId xmlns:p14="http://schemas.microsoft.com/office/powerpoint/2010/main" val="1601192226"/>
+      </p:ext>
+    </p:extLst>
+  </p:cSld>
+  <p:clrMapOvr>
+    <a:masterClrMapping/>
+  </p:clrMapOvr>
+</p:sld>
+</file>
+
+<file path=ppt/slides/slide10.xml><?xml version="1.0" encoding="utf-8"?>
 <p:sld xmlns:a="http://schemas.openxmlformats.org/drawingml/2006/main" xmlns:r="http://schemas.openxmlformats.org/officeDocument/2006/relationships" xmlns:p="http://schemas.openxmlformats.org/presentationml/2006/main">
   <p:cSld>
     <p:spTree>
@@ -3331,123 +3956,607 @@
       </p:grpSpPr>
       <p:sp>
         <p:nvSpPr>
-          <p:cNvPr id="2" name="矩形 1">
-            <a:extLst>
-              <a:ext uri="{FF2B5EF4-FFF2-40B4-BE49-F238E27FC236}">
-                <a16:creationId xmlns:a16="http://schemas.microsoft.com/office/drawing/2014/main" id="{8438EE87-9493-487D-AC41-CF5D4E657182}"/>
-              </a:ext>
-            </a:extLst>
-          </p:cNvPr>
-          <p:cNvSpPr/>
+          <p:cNvPr id="4" name="文字方塊 3">
+            <a:extLst>
+              <a:ext uri="{FF2B5EF4-FFF2-40B4-BE49-F238E27FC236}">
+                <a16:creationId xmlns:a16="http://schemas.microsoft.com/office/drawing/2014/main" id="{6C764490-066C-4E28-AB74-4D267CBB7B20}"/>
+              </a:ext>
+            </a:extLst>
+          </p:cNvPr>
+          <p:cNvSpPr txBox="1"/>
           <p:nvPr/>
         </p:nvSpPr>
         <p:spPr>
           <a:xfrm>
-            <a:off x="402322" y="1660419"/>
-            <a:ext cx="6096000" cy="2031325"/>
+            <a:off x="341722" y="418649"/>
+            <a:ext cx="6094428" cy="523220"/>
+          </a:xfrm>
+          <a:prstGeom prst="rect">
+            <a:avLst/>
+          </a:prstGeom>
+          <a:noFill/>
+        </p:spPr>
+        <p:txBody>
+          <a:bodyPr wrap="square">
+            <a:spAutoFit/>
+          </a:bodyPr>
+          <a:lstStyle/>
+          <a:p>
+            <a:r>
+              <a:rPr lang="en-US" altLang="zh-TW" sz="2800" dirty="0"/>
+              <a:t>Differences and Approximate Derivatives</a:t>
+            </a:r>
+            <a:endParaRPr lang="zh-TW" altLang="en-US" sz="2800" dirty="0"/>
+          </a:p>
+        </p:txBody>
+      </p:sp>
+      <p:sp>
+        <p:nvSpPr>
+          <p:cNvPr id="6" name="文字方塊 5">
+            <a:extLst>
+              <a:ext uri="{FF2B5EF4-FFF2-40B4-BE49-F238E27FC236}">
+                <a16:creationId xmlns:a16="http://schemas.microsoft.com/office/drawing/2014/main" id="{BC3B6890-902C-4B60-B446-109AABC7CCEE}"/>
+              </a:ext>
+            </a:extLst>
+          </p:cNvPr>
+          <p:cNvSpPr txBox="1"/>
+          <p:nvPr/>
+        </p:nvSpPr>
+        <p:spPr>
+          <a:xfrm>
+            <a:off x="341722" y="1265624"/>
+            <a:ext cx="6094428" cy="2031325"/>
+          </a:xfrm>
+          <a:prstGeom prst="rect">
+            <a:avLst/>
+          </a:prstGeom>
+          <a:noFill/>
+        </p:spPr>
+        <p:txBody>
+          <a:bodyPr wrap="square">
+            <a:spAutoFit/>
+          </a:bodyPr>
+          <a:lstStyle/>
+          <a:p>
+            <a:r>
+              <a:rPr lang="en-US" altLang="zh-TW" b="0" i="0" u="none" strike="noStrike" dirty="0">
+                <a:solidFill>
+                  <a:srgbClr val="008013"/>
+                </a:solidFill>
+                <a:effectLst/>
+                <a:latin typeface="Menlo"/>
+              </a:rPr>
+              <a:t>% Setting initial values</a:t>
+            </a:r>
+            <a:endParaRPr lang="en-US" altLang="zh-TW" b="0" i="0" dirty="0">
+              <a:solidFill>
+                <a:srgbClr val="212121"/>
+              </a:solidFill>
+              <a:effectLst/>
+              <a:latin typeface="Menlo"/>
+            </a:endParaRPr>
+          </a:p>
+          <a:p>
+            <a:r>
+              <a:rPr lang="en-US" altLang="zh-TW" b="0" i="0" dirty="0" err="1">
+                <a:solidFill>
+                  <a:srgbClr val="212121"/>
+                </a:solidFill>
+                <a:effectLst/>
+                <a:latin typeface="Menlo"/>
+              </a:rPr>
+              <a:t>clear;clc</a:t>
+            </a:r>
+            <a:r>
+              <a:rPr lang="en-US" altLang="zh-TW" b="0" i="0" dirty="0">
+                <a:solidFill>
+                  <a:srgbClr val="212121"/>
+                </a:solidFill>
+                <a:effectLst/>
+                <a:latin typeface="Menlo"/>
+              </a:rPr>
+              <a:t>;</a:t>
+            </a:r>
+          </a:p>
+          <a:p>
+            <a:r>
+              <a:rPr lang="en-US" altLang="zh-TW" b="0" i="0" dirty="0">
+                <a:solidFill>
+                  <a:srgbClr val="212121"/>
+                </a:solidFill>
+                <a:effectLst/>
+                <a:latin typeface="Menlo"/>
+              </a:rPr>
+              <a:t>TR = 100;</a:t>
+            </a:r>
+          </a:p>
+          <a:p>
+            <a:r>
+              <a:rPr lang="en-US" altLang="zh-TW" b="0" i="0" dirty="0">
+                <a:solidFill>
+                  <a:srgbClr val="212121"/>
+                </a:solidFill>
+                <a:effectLst/>
+                <a:latin typeface="Menlo"/>
+              </a:rPr>
+              <a:t>T2_dephasing = 50;</a:t>
+            </a:r>
+          </a:p>
+          <a:p>
+            <a:r>
+              <a:rPr lang="en-US" altLang="zh-TW" b="0" i="0" dirty="0">
+                <a:solidFill>
+                  <a:srgbClr val="212121"/>
+                </a:solidFill>
+                <a:effectLst/>
+                <a:latin typeface="Menlo"/>
+              </a:rPr>
+              <a:t>n=91;</a:t>
+            </a:r>
+          </a:p>
+          <a:p>
+            <a:r>
+              <a:rPr lang="en-US" altLang="zh-TW" b="0" i="0" dirty="0">
+                <a:solidFill>
+                  <a:srgbClr val="212121"/>
+                </a:solidFill>
+                <a:effectLst/>
+                <a:latin typeface="Menlo"/>
+              </a:rPr>
+              <a:t>TE = 5;</a:t>
+            </a:r>
+          </a:p>
+          <a:p>
+            <a:r>
+              <a:rPr lang="en-US" altLang="zh-TW" b="0" i="0" dirty="0">
+                <a:solidFill>
+                  <a:srgbClr val="212121"/>
+                </a:solidFill>
+                <a:effectLst/>
+                <a:latin typeface="Menlo"/>
+              </a:rPr>
+              <a:t>Alpha = </a:t>
+            </a:r>
+            <a:r>
+              <a:rPr lang="en-US" altLang="zh-TW" b="0" i="0" dirty="0" err="1">
+                <a:solidFill>
+                  <a:srgbClr val="212121"/>
+                </a:solidFill>
+                <a:effectLst/>
+                <a:latin typeface="Menlo"/>
+              </a:rPr>
+              <a:t>linspace</a:t>
+            </a:r>
+            <a:r>
+              <a:rPr lang="en-US" altLang="zh-TW" b="0" i="0" dirty="0">
+                <a:solidFill>
+                  <a:srgbClr val="212121"/>
+                </a:solidFill>
+                <a:effectLst/>
+                <a:latin typeface="Menlo"/>
+              </a:rPr>
+              <a:t>(0,pi/2,n);</a:t>
+            </a:r>
+          </a:p>
+        </p:txBody>
+      </p:sp>
+      <p:sp>
+        <p:nvSpPr>
+          <p:cNvPr id="8" name="文字方塊 7">
+            <a:extLst>
+              <a:ext uri="{FF2B5EF4-FFF2-40B4-BE49-F238E27FC236}">
+                <a16:creationId xmlns:a16="http://schemas.microsoft.com/office/drawing/2014/main" id="{91FB326F-6C70-4530-9963-5E33B9C7FE7A}"/>
+              </a:ext>
+            </a:extLst>
+          </p:cNvPr>
+          <p:cNvSpPr txBox="1"/>
+          <p:nvPr/>
+        </p:nvSpPr>
+        <p:spPr>
+          <a:xfrm>
+            <a:off x="341722" y="3429000"/>
+            <a:ext cx="6094428" cy="3416320"/>
+          </a:xfrm>
+          <a:prstGeom prst="rect">
+            <a:avLst/>
+          </a:prstGeom>
+          <a:noFill/>
+        </p:spPr>
+        <p:txBody>
+          <a:bodyPr wrap="square">
+            <a:spAutoFit/>
+          </a:bodyPr>
+          <a:lstStyle/>
+          <a:p>
+            <a:r>
+              <a:rPr lang="en-US" altLang="zh-TW" b="0" i="0" u="none" strike="noStrike" dirty="0">
+                <a:solidFill>
+                  <a:srgbClr val="008013"/>
+                </a:solidFill>
+                <a:effectLst/>
+                <a:latin typeface="Menlo"/>
+              </a:rPr>
+              <a:t>% Find the curve local maximum or minimum</a:t>
+            </a:r>
+            <a:endParaRPr lang="en-US" altLang="zh-TW" b="0" i="0" dirty="0">
+              <a:solidFill>
+                <a:srgbClr val="212121"/>
+              </a:solidFill>
+              <a:effectLst/>
+              <a:latin typeface="Menlo"/>
+            </a:endParaRPr>
+          </a:p>
+          <a:p>
+            <a:r>
+              <a:rPr lang="en-US" altLang="zh-TW" b="0" i="0" u="none" strike="noStrike" dirty="0">
+                <a:solidFill>
+                  <a:srgbClr val="008013"/>
+                </a:solidFill>
+                <a:effectLst/>
+                <a:latin typeface="Menlo"/>
+              </a:rPr>
+              <a:t>% By differences and approximate derivatives</a:t>
+            </a:r>
+            <a:endParaRPr lang="en-US" altLang="zh-TW" b="0" i="0" dirty="0">
+              <a:solidFill>
+                <a:srgbClr val="212121"/>
+              </a:solidFill>
+              <a:effectLst/>
+              <a:latin typeface="Menlo"/>
+            </a:endParaRPr>
+          </a:p>
+          <a:p>
+            <a:r>
+              <a:rPr lang="en-US" altLang="zh-TW" b="0" i="0" dirty="0">
+                <a:solidFill>
+                  <a:srgbClr val="212121"/>
+                </a:solidFill>
+                <a:effectLst/>
+                <a:latin typeface="Menlo"/>
+              </a:rPr>
+              <a:t>T1 = 1000;</a:t>
+            </a:r>
+          </a:p>
+          <a:p>
+            <a:br>
+              <a:rPr lang="en-US" altLang="zh-TW" b="0" i="0" dirty="0">
+                <a:solidFill>
+                  <a:srgbClr val="212121"/>
+                </a:solidFill>
+                <a:effectLst/>
+                <a:latin typeface="Menlo"/>
+              </a:rPr>
+            </a:br>
+            <a:r>
+              <a:rPr lang="en-US" altLang="zh-TW" b="0" i="0" dirty="0" err="1">
+                <a:solidFill>
+                  <a:srgbClr val="212121"/>
+                </a:solidFill>
+                <a:effectLst/>
+                <a:latin typeface="Menlo"/>
+              </a:rPr>
+              <a:t>syms</a:t>
+            </a:r>
+            <a:r>
+              <a:rPr lang="en-US" altLang="zh-TW" b="0" i="0" dirty="0">
+                <a:solidFill>
+                  <a:srgbClr val="212121"/>
+                </a:solidFill>
+                <a:effectLst/>
+                <a:latin typeface="Menlo"/>
+              </a:rPr>
+              <a:t> </a:t>
+            </a:r>
+            <a:r>
+              <a:rPr lang="en-US" altLang="zh-TW" b="0" i="0" u="none" strike="noStrike" dirty="0">
+                <a:solidFill>
+                  <a:srgbClr val="A709F5"/>
+                </a:solidFill>
+                <a:effectLst/>
+                <a:latin typeface="Menlo"/>
+              </a:rPr>
+              <a:t>a</a:t>
+            </a:r>
+            <a:endParaRPr lang="en-US" altLang="zh-TW" b="0" i="0" dirty="0">
+              <a:solidFill>
+                <a:srgbClr val="212121"/>
+              </a:solidFill>
+              <a:effectLst/>
+              <a:latin typeface="Menlo"/>
+            </a:endParaRPr>
+          </a:p>
+          <a:p>
+            <a:r>
+              <a:rPr lang="en-US" altLang="zh-TW" b="0" i="0" dirty="0">
+                <a:solidFill>
+                  <a:srgbClr val="212121"/>
+                </a:solidFill>
+                <a:effectLst/>
+                <a:latin typeface="Menlo"/>
+              </a:rPr>
+              <a:t>f = ((1-exp(-TR/T1))*sin(a))/(1-exp(-TR/T1)*cos(a))*exp(-TE/T2_dephasing);</a:t>
+            </a:r>
+          </a:p>
+          <a:p>
+            <a:r>
+              <a:rPr lang="en-US" altLang="zh-TW" b="0" i="0" u="none" strike="noStrike" dirty="0">
+                <a:solidFill>
+                  <a:srgbClr val="008013"/>
+                </a:solidFill>
+                <a:effectLst/>
+                <a:latin typeface="Menlo"/>
+              </a:rPr>
+              <a:t>% Solve (find the maximum)</a:t>
+            </a:r>
+            <a:endParaRPr lang="en-US" altLang="zh-TW" b="0" i="0" dirty="0">
+              <a:solidFill>
+                <a:srgbClr val="212121"/>
+              </a:solidFill>
+              <a:effectLst/>
+              <a:latin typeface="Menlo"/>
+            </a:endParaRPr>
+          </a:p>
+          <a:p>
+            <a:r>
+              <a:rPr lang="en-US" altLang="zh-TW" b="0" i="0" dirty="0">
+                <a:solidFill>
+                  <a:srgbClr val="212121"/>
+                </a:solidFill>
+                <a:effectLst/>
+                <a:latin typeface="Menlo"/>
+              </a:rPr>
+              <a:t>g = diff(f);</a:t>
+            </a:r>
+          </a:p>
+          <a:p>
+            <a:r>
+              <a:rPr lang="en-US" altLang="zh-TW" b="0" i="0" dirty="0">
+                <a:solidFill>
+                  <a:srgbClr val="212121"/>
+                </a:solidFill>
+                <a:effectLst/>
+                <a:latin typeface="Menlo"/>
+              </a:rPr>
+              <a:t>s = solve(g);</a:t>
+            </a:r>
+          </a:p>
+          <a:p>
+            <a:r>
+              <a:rPr lang="en-US" altLang="zh-TW" b="0" i="0" dirty="0">
+                <a:solidFill>
+                  <a:srgbClr val="212121"/>
+                </a:solidFill>
+                <a:effectLst/>
+                <a:latin typeface="Menlo"/>
+              </a:rPr>
+              <a:t>angle = s(2)/pi*180;</a:t>
+            </a:r>
+          </a:p>
+          <a:p>
+            <a:r>
+              <a:rPr lang="en-US" altLang="zh-TW" b="0" i="0" dirty="0" err="1">
+                <a:solidFill>
+                  <a:srgbClr val="212121"/>
+                </a:solidFill>
+                <a:effectLst/>
+                <a:latin typeface="Menlo"/>
+              </a:rPr>
+              <a:t>fprintf</a:t>
+            </a:r>
+            <a:r>
+              <a:rPr lang="en-US" altLang="zh-TW" b="0" i="0" dirty="0">
+                <a:solidFill>
+                  <a:srgbClr val="212121"/>
+                </a:solidFill>
+                <a:effectLst/>
+                <a:latin typeface="Menlo"/>
+              </a:rPr>
+              <a:t>(</a:t>
+            </a:r>
+            <a:r>
+              <a:rPr lang="en-US" altLang="zh-TW" b="0" i="0" u="none" strike="noStrike" dirty="0">
+                <a:solidFill>
+                  <a:srgbClr val="A709F5"/>
+                </a:solidFill>
+                <a:effectLst/>
+                <a:latin typeface="Menlo"/>
+              </a:rPr>
+              <a:t>'Angle of max(</a:t>
+            </a:r>
+            <a:r>
+              <a:rPr lang="en-US" altLang="zh-TW" b="0" i="0" u="none" strike="noStrike" dirty="0" err="1">
+                <a:solidFill>
+                  <a:srgbClr val="A709F5"/>
+                </a:solidFill>
+                <a:effectLst/>
+                <a:latin typeface="Menlo"/>
+              </a:rPr>
+              <a:t>Mz</a:t>
+            </a:r>
+            <a:r>
+              <a:rPr lang="en-US" altLang="zh-TW" b="0" i="0" u="none" strike="noStrike" dirty="0">
+                <a:solidFill>
+                  <a:srgbClr val="A709F5"/>
+                </a:solidFill>
+                <a:effectLst/>
+                <a:latin typeface="Menlo"/>
+              </a:rPr>
+              <a:t>): %f\n\</a:t>
+            </a:r>
+            <a:r>
+              <a:rPr lang="en-US" altLang="zh-TW" b="0" i="0" u="none" strike="noStrike" dirty="0" err="1">
+                <a:solidFill>
+                  <a:srgbClr val="A709F5"/>
+                </a:solidFill>
+                <a:effectLst/>
+                <a:latin typeface="Menlo"/>
+              </a:rPr>
+              <a:t>n'</a:t>
+            </a:r>
+            <a:r>
+              <a:rPr lang="en-US" altLang="zh-TW" b="0" i="0" dirty="0" err="1">
+                <a:solidFill>
+                  <a:srgbClr val="212121"/>
+                </a:solidFill>
+                <a:effectLst/>
+                <a:latin typeface="Menlo"/>
+              </a:rPr>
+              <a:t>,angle</a:t>
+            </a:r>
+            <a:r>
+              <a:rPr lang="en-US" altLang="zh-TW" b="0" i="0" dirty="0">
+                <a:solidFill>
+                  <a:srgbClr val="212121"/>
+                </a:solidFill>
+                <a:effectLst/>
+                <a:latin typeface="Menlo"/>
+              </a:rPr>
+              <a:t>)</a:t>
+            </a:r>
+          </a:p>
+        </p:txBody>
+      </p:sp>
+      <p:pic>
+        <p:nvPicPr>
+          <p:cNvPr id="3" name="圖片 2">
+            <a:extLst>
+              <a:ext uri="{FF2B5EF4-FFF2-40B4-BE49-F238E27FC236}">
+                <a16:creationId xmlns:a16="http://schemas.microsoft.com/office/drawing/2014/main" id="{E99D709E-D416-4E67-916A-5453CD34ABF8}"/>
+              </a:ext>
+            </a:extLst>
+          </p:cNvPr>
+          <p:cNvPicPr>
+            <a:picLocks noChangeAspect="1"/>
+          </p:cNvPicPr>
+          <p:nvPr/>
+        </p:nvPicPr>
+        <p:blipFill rotWithShape="1">
+          <a:blip r:embed="rId2">
+            <a:extLst>
+              <a:ext uri="{28A0092B-C50C-407E-A947-70E740481C1C}">
+                <a14:useLocalDpi xmlns:a14="http://schemas.microsoft.com/office/drawing/2010/main" val="0"/>
+              </a:ext>
+            </a:extLst>
+          </a:blip>
+          <a:srcRect l="961" t="1737" b="-1"/>
+          <a:stretch/>
+        </p:blipFill>
+        <p:spPr>
+          <a:xfrm>
+            <a:off x="6843860" y="1265624"/>
+            <a:ext cx="5348140" cy="4404587"/>
           </a:xfrm>
           <a:prstGeom prst="rect">
             <a:avLst/>
           </a:prstGeom>
         </p:spPr>
-        <p:txBody>
-          <a:bodyPr>
-            <a:spAutoFit/>
-          </a:bodyPr>
-          <a:lstStyle/>
-          <a:p>
-            <a:r>
-              <a:rPr lang="zh-TW" altLang="en-US" dirty="0"/>
-              <a:t>The flip angle is usually at or close to 90 degrees for a spin-echo sequence but is less on gradient-echo sequences, commonly varying over a range of 10 to 80 degrees (usually denoted by α). For the basic GRE sequence FLASH, the larger flip angles give more T1 weighting to the image and the smaller flip angles give more T2, or actually T2* weighting, to the images. </a:t>
-            </a:r>
-          </a:p>
-        </p:txBody>
-      </p:sp>
-      <p:sp>
-        <p:nvSpPr>
-          <p:cNvPr id="3" name="矩形 2">
-            <a:extLst>
-              <a:ext uri="{FF2B5EF4-FFF2-40B4-BE49-F238E27FC236}">
-                <a16:creationId xmlns:a16="http://schemas.microsoft.com/office/drawing/2014/main" id="{1AF07C54-727B-4046-848B-9B1FCB3FA64B}"/>
-              </a:ext>
-            </a:extLst>
-          </p:cNvPr>
-          <p:cNvSpPr/>
+      </p:pic>
+    </p:spTree>
+    <p:extLst>
+      <p:ext uri="{BB962C8B-B14F-4D97-AF65-F5344CB8AC3E}">
+        <p14:creationId xmlns:p14="http://schemas.microsoft.com/office/powerpoint/2010/main" val="1632690392"/>
+      </p:ext>
+    </p:extLst>
+  </p:cSld>
+  <p:clrMapOvr>
+    <a:masterClrMapping/>
+  </p:clrMapOvr>
+</p:sld>
+</file>
+
+<file path=ppt/slides/slide11.xml><?xml version="1.0" encoding="utf-8"?>
+<p:sld xmlns:a="http://schemas.openxmlformats.org/drawingml/2006/main" xmlns:r="http://schemas.openxmlformats.org/officeDocument/2006/relationships" xmlns:p="http://schemas.openxmlformats.org/presentationml/2006/main">
+  <p:cSld>
+    <p:spTree>
+      <p:nvGrpSpPr>
+        <p:cNvPr id="1" name=""/>
+        <p:cNvGrpSpPr/>
+        <p:nvPr/>
+      </p:nvGrpSpPr>
+      <p:grpSpPr>
+        <a:xfrm>
+          <a:off x="0" y="0"/>
+          <a:ext cx="0" cy="0"/>
+          <a:chOff x="0" y="0"/>
+          <a:chExt cx="0" cy="0"/>
+        </a:xfrm>
+      </p:grpSpPr>
+      <p:pic>
+        <p:nvPicPr>
+          <p:cNvPr id="3" name="圖片 2">
+            <a:extLst>
+              <a:ext uri="{FF2B5EF4-FFF2-40B4-BE49-F238E27FC236}">
+                <a16:creationId xmlns:a16="http://schemas.microsoft.com/office/drawing/2014/main" id="{377540E6-DAA3-401F-8B39-B0A402196F5D}"/>
+              </a:ext>
+            </a:extLst>
+          </p:cNvPr>
+          <p:cNvPicPr>
+            <a:picLocks noChangeAspect="1"/>
+          </p:cNvPicPr>
           <p:nvPr/>
-        </p:nvSpPr>
+        </p:nvPicPr>
+        <p:blipFill>
+          <a:blip r:embed="rId2">
+            <a:extLst>
+              <a:ext uri="{28A0092B-C50C-407E-A947-70E740481C1C}">
+                <a14:useLocalDpi xmlns:a14="http://schemas.microsoft.com/office/drawing/2010/main" val="0"/>
+              </a:ext>
+            </a:extLst>
+          </a:blip>
+          <a:stretch>
+            <a:fillRect/>
+          </a:stretch>
+        </p:blipFill>
         <p:spPr>
           <a:xfrm>
-            <a:off x="402322" y="183740"/>
-            <a:ext cx="5801203" cy="369332"/>
+            <a:off x="0" y="1150217"/>
+            <a:ext cx="5400000" cy="4050000"/>
           </a:xfrm>
           <a:prstGeom prst="rect">
             <a:avLst/>
           </a:prstGeom>
         </p:spPr>
-        <p:txBody>
-          <a:bodyPr wrap="none">
-            <a:spAutoFit/>
-          </a:bodyPr>
-          <a:lstStyle/>
-          <a:p>
-            <a:r>
-              <a:rPr lang="zh-TW" altLang="en-US" dirty="0"/>
-              <a:t>https://radiopaedia.org/articles/gradient-echo-sequences-1</a:t>
-            </a:r>
-          </a:p>
-        </p:txBody>
-      </p:sp>
+      </p:pic>
       <p:pic>
         <p:nvPicPr>
-          <p:cNvPr id="1026" name="Picture 2" descr="https://prod-images-static.radiopaedia.org/images/37593338/0c547605a41a6cc7ae5ca7dd5e2f33_big_gallery.jpeg">
-            <a:extLst>
-              <a:ext uri="{FF2B5EF4-FFF2-40B4-BE49-F238E27FC236}">
-                <a16:creationId xmlns:a16="http://schemas.microsoft.com/office/drawing/2014/main" id="{997F684F-93AA-46FE-A00A-FB657FB1038B}"/>
+          <p:cNvPr id="5" name="圖片 4">
+            <a:extLst>
+              <a:ext uri="{FF2B5EF4-FFF2-40B4-BE49-F238E27FC236}">
+                <a16:creationId xmlns:a16="http://schemas.microsoft.com/office/drawing/2014/main" id="{CDAE6D84-CE28-4756-BAB0-B80A5946E810}"/>
               </a:ext>
             </a:extLst>
           </p:cNvPr>
           <p:cNvPicPr>
-            <a:picLocks noChangeAspect="1" noChangeArrowheads="1"/>
+            <a:picLocks noChangeAspect="1"/>
           </p:cNvPicPr>
           <p:nvPr/>
         </p:nvPicPr>
         <p:blipFill>
-          <a:blip r:embed="rId2">
+          <a:blip r:embed="rId3">
             <a:extLst>
               <a:ext uri="{28A0092B-C50C-407E-A947-70E740481C1C}">
                 <a14:useLocalDpi xmlns:a14="http://schemas.microsoft.com/office/drawing/2010/main" val="0"/>
               </a:ext>
             </a:extLst>
           </a:blip>
-          <a:srcRect/>
           <a:stretch>
             <a:fillRect/>
           </a:stretch>
         </p:blipFill>
-        <p:spPr bwMode="auto">
+        <p:spPr>
           <a:xfrm>
-            <a:off x="6350924" y="1660419"/>
-            <a:ext cx="4849957" cy="4849957"/>
+            <a:off x="6792000" y="1150217"/>
+            <a:ext cx="5400000" cy="4050000"/>
           </a:xfrm>
           <a:prstGeom prst="rect">
             <a:avLst/>
           </a:prstGeom>
-          <a:noFill/>
-          <a:extLst>
-            <a:ext uri="{909E8E84-426E-40DD-AFC4-6F175D3DCCD1}">
-              <a14:hiddenFill xmlns:a14="http://schemas.microsoft.com/office/drawing/2010/main">
-                <a:solidFill>
-                  <a:srgbClr val="FFFFFF"/>
-                </a:solidFill>
-              </a14:hiddenFill>
-            </a:ext>
-          </a:extLst>
         </p:spPr>
       </p:pic>
     </p:spTree>
     <p:extLst>
       <p:ext uri="{BB962C8B-B14F-4D97-AF65-F5344CB8AC3E}">
-        <p14:creationId xmlns:p14="http://schemas.microsoft.com/office/powerpoint/2010/main" val="2465349547"/>
+        <p14:creationId xmlns:p14="http://schemas.microsoft.com/office/powerpoint/2010/main" val="85321367"/>
       </p:ext>
     </p:extLst>
   </p:cSld>
@@ -3479,6 +4588,1108 @@
           <p:cNvPr id="2" name="矩形 1">
             <a:extLst>
               <a:ext uri="{FF2B5EF4-FFF2-40B4-BE49-F238E27FC236}">
+                <a16:creationId xmlns:a16="http://schemas.microsoft.com/office/drawing/2014/main" id="{384CBA1A-53B5-43BC-9947-BFA6651BEB2A}"/>
+              </a:ext>
+            </a:extLst>
+          </p:cNvPr>
+          <p:cNvSpPr/>
+          <p:nvPr/>
+        </p:nvSpPr>
+        <p:spPr>
+          <a:xfrm>
+            <a:off x="0" y="1783080"/>
+            <a:ext cx="12192000" cy="3419061"/>
+          </a:xfrm>
+          <a:prstGeom prst="rect">
+            <a:avLst/>
+          </a:prstGeom>
+          <a:solidFill>
+            <a:schemeClr val="bg2">
+              <a:lumMod val="75000"/>
+            </a:schemeClr>
+          </a:solidFill>
+          <a:ln>
+            <a:noFill/>
+          </a:ln>
+        </p:spPr>
+        <p:style>
+          <a:lnRef idx="2">
+            <a:schemeClr val="dk1">
+              <a:shade val="50000"/>
+            </a:schemeClr>
+          </a:lnRef>
+          <a:fillRef idx="1">
+            <a:schemeClr val="dk1"/>
+          </a:fillRef>
+          <a:effectRef idx="0">
+            <a:schemeClr val="dk1"/>
+          </a:effectRef>
+          <a:fontRef idx="minor">
+            <a:schemeClr val="lt1"/>
+          </a:fontRef>
+        </p:style>
+        <p:txBody>
+          <a:bodyPr rtlCol="0" anchor="ctr"/>
+          <a:lstStyle/>
+          <a:p>
+            <a:pPr algn="ctr"/>
+            <a:endParaRPr lang="zh-TW" altLang="en-US"/>
+          </a:p>
+        </p:txBody>
+      </p:sp>
+      <p:sp>
+        <p:nvSpPr>
+          <p:cNvPr id="3" name="標題 2">
+            <a:extLst>
+              <a:ext uri="{FF2B5EF4-FFF2-40B4-BE49-F238E27FC236}">
+                <a16:creationId xmlns:a16="http://schemas.microsoft.com/office/drawing/2014/main" id="{20604C07-D259-4D56-AFAD-221BC6F17B15}"/>
+              </a:ext>
+            </a:extLst>
+          </p:cNvPr>
+          <p:cNvSpPr txBox="1">
+            <a:spLocks/>
+          </p:cNvSpPr>
+          <p:nvPr/>
+        </p:nvSpPr>
+        <p:spPr>
+          <a:xfrm>
+            <a:off x="315427" y="2922211"/>
+            <a:ext cx="11580240" cy="1140798"/>
+          </a:xfrm>
+          <a:prstGeom prst="rect">
+            <a:avLst/>
+          </a:prstGeom>
+        </p:spPr>
+        <p:txBody>
+          <a:bodyPr/>
+          <a:lstStyle>
+            <a:lvl1pPr algn="l" defTabSz="914400" rtl="0" eaLnBrk="1" latinLnBrk="0" hangingPunct="1">
+              <a:lnSpc>
+                <a:spcPct val="90000"/>
+              </a:lnSpc>
+              <a:spcBef>
+                <a:spcPct val="0"/>
+              </a:spcBef>
+              <a:buNone/>
+              <a:defRPr sz="4400" kern="1200">
+                <a:solidFill>
+                  <a:schemeClr val="tx1"/>
+                </a:solidFill>
+                <a:latin typeface="+mj-lt"/>
+                <a:ea typeface="+mj-ea"/>
+                <a:cs typeface="+mj-cs"/>
+              </a:defRPr>
+            </a:lvl1pPr>
+          </a:lstStyle>
+          <a:p>
+            <a:pPr algn="ctr"/>
+            <a:r>
+              <a:rPr lang="en-US" altLang="zh-TW" sz="4000" b="1" dirty="0">
+                <a:latin typeface="微軟正黑體" panose="020B0604030504040204" pitchFamily="34" charset="-120"/>
+                <a:ea typeface="微軟正黑體" panose="020B0604030504040204" pitchFamily="34" charset="-120"/>
+              </a:rPr>
+              <a:t>MRI</a:t>
+            </a:r>
+          </a:p>
+          <a:p>
+            <a:pPr algn="ctr"/>
+            <a:r>
+              <a:rPr lang="en-US" altLang="zh-TW" sz="4000" b="1" dirty="0">
+                <a:latin typeface="微軟正黑體" panose="020B0604030504040204" pitchFamily="34" charset="-120"/>
+                <a:ea typeface="微軟正黑體" panose="020B0604030504040204" pitchFamily="34" charset="-120"/>
+              </a:rPr>
+              <a:t>HW2-FLASH</a:t>
+            </a:r>
+          </a:p>
+        </p:txBody>
+      </p:sp>
+      <p:sp>
+        <p:nvSpPr>
+          <p:cNvPr id="5" name="內容版面配置區 6">
+            <a:extLst>
+              <a:ext uri="{FF2B5EF4-FFF2-40B4-BE49-F238E27FC236}">
+                <a16:creationId xmlns:a16="http://schemas.microsoft.com/office/drawing/2014/main" id="{36C12894-AC56-4B2D-8B93-7EDE5B6DC447}"/>
+              </a:ext>
+            </a:extLst>
+          </p:cNvPr>
+          <p:cNvSpPr txBox="1">
+            <a:spLocks/>
+          </p:cNvSpPr>
+          <p:nvPr/>
+        </p:nvSpPr>
+        <p:spPr>
+          <a:xfrm>
+            <a:off x="315427" y="5241175"/>
+            <a:ext cx="3541678" cy="1101765"/>
+          </a:xfrm>
+          <a:prstGeom prst="rect">
+            <a:avLst/>
+          </a:prstGeom>
+        </p:spPr>
+        <p:txBody>
+          <a:bodyPr/>
+          <a:lstStyle>
+            <a:lvl1pPr marL="228600" indent="-228600" algn="l" defTabSz="914400" rtl="0" eaLnBrk="1" latinLnBrk="0" hangingPunct="1">
+              <a:lnSpc>
+                <a:spcPct val="90000"/>
+              </a:lnSpc>
+              <a:spcBef>
+                <a:spcPts val="1000"/>
+              </a:spcBef>
+              <a:buFont typeface="Arial" panose="020B0604020202020204" pitchFamily="34" charset="0"/>
+              <a:buChar char="•"/>
+              <a:defRPr sz="2800" kern="1200">
+                <a:solidFill>
+                  <a:schemeClr val="tx1"/>
+                </a:solidFill>
+                <a:latin typeface="+mn-lt"/>
+                <a:ea typeface="+mn-ea"/>
+                <a:cs typeface="+mn-cs"/>
+              </a:defRPr>
+            </a:lvl1pPr>
+            <a:lvl2pPr marL="685800" indent="-228600" algn="l" defTabSz="914400" rtl="0" eaLnBrk="1" latinLnBrk="0" hangingPunct="1">
+              <a:lnSpc>
+                <a:spcPct val="90000"/>
+              </a:lnSpc>
+              <a:spcBef>
+                <a:spcPts val="500"/>
+              </a:spcBef>
+              <a:buFont typeface="Arial" panose="020B0604020202020204" pitchFamily="34" charset="0"/>
+              <a:buChar char="•"/>
+              <a:defRPr sz="2400" kern="1200">
+                <a:solidFill>
+                  <a:schemeClr val="tx1"/>
+                </a:solidFill>
+                <a:latin typeface="+mn-lt"/>
+                <a:ea typeface="+mn-ea"/>
+                <a:cs typeface="+mn-cs"/>
+              </a:defRPr>
+            </a:lvl2pPr>
+            <a:lvl3pPr marL="1143000" indent="-228600" algn="l" defTabSz="914400" rtl="0" eaLnBrk="1" latinLnBrk="0" hangingPunct="1">
+              <a:lnSpc>
+                <a:spcPct val="90000"/>
+              </a:lnSpc>
+              <a:spcBef>
+                <a:spcPts val="500"/>
+              </a:spcBef>
+              <a:buFont typeface="Arial" panose="020B0604020202020204" pitchFamily="34" charset="0"/>
+              <a:buChar char="•"/>
+              <a:defRPr sz="2000" kern="1200">
+                <a:solidFill>
+                  <a:schemeClr val="tx1"/>
+                </a:solidFill>
+                <a:latin typeface="+mn-lt"/>
+                <a:ea typeface="+mn-ea"/>
+                <a:cs typeface="+mn-cs"/>
+              </a:defRPr>
+            </a:lvl3pPr>
+            <a:lvl4pPr marL="1600200" indent="-228600" algn="l" defTabSz="914400" rtl="0" eaLnBrk="1" latinLnBrk="0" hangingPunct="1">
+              <a:lnSpc>
+                <a:spcPct val="90000"/>
+              </a:lnSpc>
+              <a:spcBef>
+                <a:spcPts val="500"/>
+              </a:spcBef>
+              <a:buFont typeface="Arial" panose="020B0604020202020204" pitchFamily="34" charset="0"/>
+              <a:buChar char="•"/>
+              <a:defRPr sz="1800" kern="1200">
+                <a:solidFill>
+                  <a:schemeClr val="tx1"/>
+                </a:solidFill>
+                <a:latin typeface="+mn-lt"/>
+                <a:ea typeface="+mn-ea"/>
+                <a:cs typeface="+mn-cs"/>
+              </a:defRPr>
+            </a:lvl4pPr>
+            <a:lvl5pPr marL="2057400" indent="-228600" algn="l" defTabSz="914400" rtl="0" eaLnBrk="1" latinLnBrk="0" hangingPunct="1">
+              <a:lnSpc>
+                <a:spcPct val="90000"/>
+              </a:lnSpc>
+              <a:spcBef>
+                <a:spcPts val="500"/>
+              </a:spcBef>
+              <a:buFont typeface="Arial" panose="020B0604020202020204" pitchFamily="34" charset="0"/>
+              <a:buChar char="•"/>
+              <a:defRPr sz="1800" kern="1200">
+                <a:solidFill>
+                  <a:schemeClr val="tx1"/>
+                </a:solidFill>
+                <a:latin typeface="+mn-lt"/>
+                <a:ea typeface="+mn-ea"/>
+                <a:cs typeface="+mn-cs"/>
+              </a:defRPr>
+            </a:lvl5pPr>
+            <a:lvl6pPr marL="2514600" indent="-228600" algn="l" defTabSz="914400" rtl="0" eaLnBrk="1" latinLnBrk="0" hangingPunct="1">
+              <a:lnSpc>
+                <a:spcPct val="90000"/>
+              </a:lnSpc>
+              <a:spcBef>
+                <a:spcPts val="500"/>
+              </a:spcBef>
+              <a:buFont typeface="Arial" panose="020B0604020202020204" pitchFamily="34" charset="0"/>
+              <a:buChar char="•"/>
+              <a:defRPr sz="1800" kern="1200">
+                <a:solidFill>
+                  <a:schemeClr val="tx1"/>
+                </a:solidFill>
+                <a:latin typeface="+mn-lt"/>
+                <a:ea typeface="+mn-ea"/>
+                <a:cs typeface="+mn-cs"/>
+              </a:defRPr>
+            </a:lvl6pPr>
+            <a:lvl7pPr marL="2971800" indent="-228600" algn="l" defTabSz="914400" rtl="0" eaLnBrk="1" latinLnBrk="0" hangingPunct="1">
+              <a:lnSpc>
+                <a:spcPct val="90000"/>
+              </a:lnSpc>
+              <a:spcBef>
+                <a:spcPts val="500"/>
+              </a:spcBef>
+              <a:buFont typeface="Arial" panose="020B0604020202020204" pitchFamily="34" charset="0"/>
+              <a:buChar char="•"/>
+              <a:defRPr sz="1800" kern="1200">
+                <a:solidFill>
+                  <a:schemeClr val="tx1"/>
+                </a:solidFill>
+                <a:latin typeface="+mn-lt"/>
+                <a:ea typeface="+mn-ea"/>
+                <a:cs typeface="+mn-cs"/>
+              </a:defRPr>
+            </a:lvl7pPr>
+            <a:lvl8pPr marL="3429000" indent="-228600" algn="l" defTabSz="914400" rtl="0" eaLnBrk="1" latinLnBrk="0" hangingPunct="1">
+              <a:lnSpc>
+                <a:spcPct val="90000"/>
+              </a:lnSpc>
+              <a:spcBef>
+                <a:spcPts val="500"/>
+              </a:spcBef>
+              <a:buFont typeface="Arial" panose="020B0604020202020204" pitchFamily="34" charset="0"/>
+              <a:buChar char="•"/>
+              <a:defRPr sz="1800" kern="1200">
+                <a:solidFill>
+                  <a:schemeClr val="tx1"/>
+                </a:solidFill>
+                <a:latin typeface="+mn-lt"/>
+                <a:ea typeface="+mn-ea"/>
+                <a:cs typeface="+mn-cs"/>
+              </a:defRPr>
+            </a:lvl8pPr>
+            <a:lvl9pPr marL="3886200" indent="-228600" algn="l" defTabSz="914400" rtl="0" eaLnBrk="1" latinLnBrk="0" hangingPunct="1">
+              <a:lnSpc>
+                <a:spcPct val="90000"/>
+              </a:lnSpc>
+              <a:spcBef>
+                <a:spcPts val="500"/>
+              </a:spcBef>
+              <a:buFont typeface="Arial" panose="020B0604020202020204" pitchFamily="34" charset="0"/>
+              <a:buChar char="•"/>
+              <a:defRPr sz="1800" kern="1200">
+                <a:solidFill>
+                  <a:schemeClr val="tx1"/>
+                </a:solidFill>
+                <a:latin typeface="+mn-lt"/>
+                <a:ea typeface="+mn-ea"/>
+                <a:cs typeface="+mn-cs"/>
+              </a:defRPr>
+            </a:lvl9pPr>
+          </a:lstStyle>
+          <a:p>
+            <a:pPr marL="0" indent="0">
+              <a:buFont typeface="Arial" panose="020B0604020202020204" pitchFamily="34" charset="0"/>
+              <a:buNone/>
+            </a:pPr>
+            <a:r>
+              <a:rPr lang="en-US" altLang="zh-TW" dirty="0">
+                <a:latin typeface="Times New Roman" panose="02020603050405020304" pitchFamily="18" charset="0"/>
+                <a:ea typeface="微軟正黑體" panose="020B0604030504040204" pitchFamily="34" charset="-120"/>
+                <a:cs typeface="Times New Roman" panose="02020603050405020304" pitchFamily="18" charset="0"/>
+              </a:rPr>
+              <a:t>Presenter</a:t>
+            </a:r>
+            <a:r>
+              <a:rPr lang="zh-TW" altLang="en-US" dirty="0">
+                <a:latin typeface="Times New Roman" panose="02020603050405020304" pitchFamily="18" charset="0"/>
+                <a:ea typeface="微軟正黑體" panose="020B0604030504040204" pitchFamily="34" charset="-120"/>
+                <a:cs typeface="Times New Roman" panose="02020603050405020304" pitchFamily="18" charset="0"/>
+              </a:rPr>
+              <a:t>：</a:t>
+            </a:r>
+            <a:endParaRPr lang="en-US" altLang="zh-TW" dirty="0">
+              <a:latin typeface="Times New Roman" panose="02020603050405020304" pitchFamily="18" charset="0"/>
+              <a:ea typeface="微軟正黑體" panose="020B0604030504040204" pitchFamily="34" charset="-120"/>
+              <a:cs typeface="Times New Roman" panose="02020603050405020304" pitchFamily="18" charset="0"/>
+            </a:endParaRPr>
+          </a:p>
+          <a:p>
+            <a:pPr marL="0" indent="0">
+              <a:buFont typeface="Arial" panose="020B0604020202020204" pitchFamily="34" charset="0"/>
+              <a:buNone/>
+            </a:pPr>
+            <a:r>
+              <a:rPr lang="en-US" altLang="zh-TW" dirty="0">
+                <a:latin typeface="Times New Roman" panose="02020603050405020304" pitchFamily="18" charset="0"/>
+                <a:ea typeface="微軟正黑體" panose="020B0604030504040204" pitchFamily="34" charset="-120"/>
+                <a:cs typeface="Times New Roman" panose="02020603050405020304" pitchFamily="18" charset="0"/>
+              </a:rPr>
+              <a:t>M11107309 </a:t>
+            </a:r>
+            <a:r>
+              <a:rPr lang="zh-TW" altLang="en-US" dirty="0">
+                <a:latin typeface="Times New Roman" panose="02020603050405020304" pitchFamily="18" charset="0"/>
+                <a:ea typeface="微軟正黑體" panose="020B0604030504040204" pitchFamily="34" charset="-120"/>
+                <a:cs typeface="Times New Roman" panose="02020603050405020304" pitchFamily="18" charset="0"/>
+              </a:rPr>
+              <a:t>何柏昇</a:t>
+            </a:r>
+            <a:endParaRPr lang="en-US" altLang="zh-TW" dirty="0">
+              <a:latin typeface="Times New Roman" panose="02020603050405020304" pitchFamily="18" charset="0"/>
+              <a:ea typeface="微軟正黑體" panose="020B0604030504040204" pitchFamily="34" charset="-120"/>
+              <a:cs typeface="Times New Roman" panose="02020603050405020304" pitchFamily="18" charset="0"/>
+            </a:endParaRPr>
+          </a:p>
+        </p:txBody>
+      </p:sp>
+      <p:pic>
+        <p:nvPicPr>
+          <p:cNvPr id="6" name="圖片 5">
+            <a:extLst>
+              <a:ext uri="{FF2B5EF4-FFF2-40B4-BE49-F238E27FC236}">
+                <a16:creationId xmlns:a16="http://schemas.microsoft.com/office/drawing/2014/main" id="{0C109CD8-48EA-4B85-965A-D9F8519FC370}"/>
+              </a:ext>
+            </a:extLst>
+          </p:cNvPr>
+          <p:cNvPicPr>
+            <a:picLocks noChangeAspect="1"/>
+          </p:cNvPicPr>
+          <p:nvPr/>
+        </p:nvPicPr>
+        <p:blipFill rotWithShape="1">
+          <a:blip r:embed="rId2" cstate="hqprint">
+            <a:extLst>
+              <a:ext uri="{28A0092B-C50C-407E-A947-70E740481C1C}">
+                <a14:useLocalDpi xmlns:a14="http://schemas.microsoft.com/office/drawing/2010/main" val="0"/>
+              </a:ext>
+            </a:extLst>
+          </a:blip>
+          <a:srcRect l="13078" r="12292" b="16409"/>
+          <a:stretch/>
+        </p:blipFill>
+        <p:spPr>
+          <a:xfrm>
+            <a:off x="315427" y="0"/>
+            <a:ext cx="2826328" cy="681644"/>
+          </a:xfrm>
+          <a:prstGeom prst="rect">
+            <a:avLst/>
+          </a:prstGeom>
+        </p:spPr>
+      </p:pic>
+      <p:sp>
+        <p:nvSpPr>
+          <p:cNvPr id="12" name="標題 2">
+            <a:extLst>
+              <a:ext uri="{FF2B5EF4-FFF2-40B4-BE49-F238E27FC236}">
+                <a16:creationId xmlns:a16="http://schemas.microsoft.com/office/drawing/2014/main" id="{1DFFC7F8-0F74-4332-8EF4-BA15FF36BE55}"/>
+              </a:ext>
+            </a:extLst>
+          </p:cNvPr>
+          <p:cNvSpPr txBox="1">
+            <a:spLocks/>
+          </p:cNvSpPr>
+          <p:nvPr/>
+        </p:nvSpPr>
+        <p:spPr>
+          <a:xfrm>
+            <a:off x="305880" y="3743475"/>
+            <a:ext cx="11580240" cy="550882"/>
+          </a:xfrm>
+          <a:prstGeom prst="rect">
+            <a:avLst/>
+          </a:prstGeom>
+        </p:spPr>
+        <p:txBody>
+          <a:bodyPr/>
+          <a:lstStyle>
+            <a:lvl1pPr algn="l" defTabSz="914400" rtl="0" eaLnBrk="1" latinLnBrk="0" hangingPunct="1">
+              <a:lnSpc>
+                <a:spcPct val="90000"/>
+              </a:lnSpc>
+              <a:spcBef>
+                <a:spcPct val="0"/>
+              </a:spcBef>
+              <a:buNone/>
+              <a:defRPr sz="4400" kern="1200">
+                <a:solidFill>
+                  <a:schemeClr val="tx1"/>
+                </a:solidFill>
+                <a:latin typeface="+mj-lt"/>
+                <a:ea typeface="+mj-ea"/>
+                <a:cs typeface="+mj-cs"/>
+              </a:defRPr>
+            </a:lvl1pPr>
+          </a:lstStyle>
+          <a:p>
+            <a:pPr algn="ctr"/>
+            <a:endParaRPr lang="en-US" sz="3200" b="1" dirty="0">
+              <a:latin typeface="微軟正黑體" panose="020B0604030504040204" pitchFamily="34" charset="-120"/>
+              <a:ea typeface="微軟正黑體" panose="020B0604030504040204" pitchFamily="34" charset="-120"/>
+            </a:endParaRPr>
+          </a:p>
+        </p:txBody>
+      </p:sp>
+    </p:spTree>
+    <p:extLst>
+      <p:ext uri="{BB962C8B-B14F-4D97-AF65-F5344CB8AC3E}">
+        <p14:creationId xmlns:p14="http://schemas.microsoft.com/office/powerpoint/2010/main" val="2173902655"/>
+      </p:ext>
+    </p:extLst>
+  </p:cSld>
+  <p:clrMapOvr>
+    <a:masterClrMapping/>
+  </p:clrMapOvr>
+</p:sld>
+</file>
+
+<file path=ppt/slides/slide3.xml><?xml version="1.0" encoding="utf-8"?>
+<p:sld xmlns:a="http://schemas.openxmlformats.org/drawingml/2006/main" xmlns:r="http://schemas.openxmlformats.org/officeDocument/2006/relationships" xmlns:p="http://schemas.openxmlformats.org/presentationml/2006/main">
+  <p:cSld>
+    <p:spTree>
+      <p:nvGrpSpPr>
+        <p:cNvPr id="1" name=""/>
+        <p:cNvGrpSpPr/>
+        <p:nvPr/>
+      </p:nvGrpSpPr>
+      <p:grpSpPr>
+        <a:xfrm>
+          <a:off x="0" y="0"/>
+          <a:ext cx="0" cy="0"/>
+          <a:chOff x="0" y="0"/>
+          <a:chExt cx="0" cy="0"/>
+        </a:xfrm>
+      </p:grpSpPr>
+      <p:sp>
+        <p:nvSpPr>
+          <p:cNvPr id="2" name="矩形 1">
+            <a:extLst>
+              <a:ext uri="{FF2B5EF4-FFF2-40B4-BE49-F238E27FC236}">
+                <a16:creationId xmlns:a16="http://schemas.microsoft.com/office/drawing/2014/main" id="{869A156B-E7CD-4DD0-B16D-02AE6C6FAE09}"/>
+              </a:ext>
+            </a:extLst>
+          </p:cNvPr>
+          <p:cNvSpPr/>
+          <p:nvPr/>
+        </p:nvSpPr>
+        <p:spPr>
+          <a:xfrm>
+            <a:off x="0" y="1235871"/>
+            <a:ext cx="12192000" cy="5066452"/>
+          </a:xfrm>
+          <a:prstGeom prst="rect">
+            <a:avLst/>
+          </a:prstGeom>
+          <a:solidFill>
+            <a:schemeClr val="tx1">
+              <a:lumMod val="65000"/>
+              <a:lumOff val="35000"/>
+            </a:schemeClr>
+          </a:solidFill>
+          <a:ln>
+            <a:noFill/>
+          </a:ln>
+        </p:spPr>
+        <p:style>
+          <a:lnRef idx="2">
+            <a:schemeClr val="dk1">
+              <a:shade val="50000"/>
+            </a:schemeClr>
+          </a:lnRef>
+          <a:fillRef idx="1">
+            <a:schemeClr val="dk1"/>
+          </a:fillRef>
+          <a:effectRef idx="0">
+            <a:schemeClr val="dk1"/>
+          </a:effectRef>
+          <a:fontRef idx="minor">
+            <a:schemeClr val="lt1"/>
+          </a:fontRef>
+        </p:style>
+        <p:txBody>
+          <a:bodyPr rtlCol="0" anchor="ctr"/>
+          <a:lstStyle/>
+          <a:p>
+            <a:pPr algn="ctr"/>
+            <a:endParaRPr lang="zh-TW" altLang="en-US"/>
+          </a:p>
+        </p:txBody>
+      </p:sp>
+      <p:sp>
+        <p:nvSpPr>
+          <p:cNvPr id="3" name="標題 5">
+            <a:extLst>
+              <a:ext uri="{FF2B5EF4-FFF2-40B4-BE49-F238E27FC236}">
+                <a16:creationId xmlns:a16="http://schemas.microsoft.com/office/drawing/2014/main" id="{4DE574F6-3DA5-4669-A252-299633975C91}"/>
+              </a:ext>
+            </a:extLst>
+          </p:cNvPr>
+          <p:cNvSpPr txBox="1">
+            <a:spLocks/>
+          </p:cNvSpPr>
+          <p:nvPr/>
+        </p:nvSpPr>
+        <p:spPr>
+          <a:xfrm>
+            <a:off x="838203" y="486419"/>
+            <a:ext cx="8152623" cy="698776"/>
+          </a:xfrm>
+          <a:prstGeom prst="rect">
+            <a:avLst/>
+          </a:prstGeom>
+        </p:spPr>
+        <p:txBody>
+          <a:bodyPr/>
+          <a:lstStyle>
+            <a:lvl1pPr algn="l" defTabSz="914400" rtl="0" eaLnBrk="1" latinLnBrk="0" hangingPunct="1">
+              <a:lnSpc>
+                <a:spcPct val="90000"/>
+              </a:lnSpc>
+              <a:spcBef>
+                <a:spcPct val="0"/>
+              </a:spcBef>
+              <a:buNone/>
+              <a:defRPr sz="4400" kern="1200">
+                <a:solidFill>
+                  <a:schemeClr val="tx1"/>
+                </a:solidFill>
+                <a:latin typeface="+mj-lt"/>
+                <a:ea typeface="+mj-ea"/>
+                <a:cs typeface="+mj-cs"/>
+              </a:defRPr>
+            </a:lvl1pPr>
+          </a:lstStyle>
+          <a:p>
+            <a:r>
+              <a:rPr lang="en-US" altLang="zh-TW" sz="4000" dirty="0">
+                <a:latin typeface="Times New Roman" panose="02020603050405020304" pitchFamily="18" charset="0"/>
+                <a:cs typeface="Times New Roman" panose="02020603050405020304" pitchFamily="18" charset="0"/>
+              </a:rPr>
+              <a:t>OUTLINE</a:t>
+            </a:r>
+            <a:endParaRPr lang="zh-TW" altLang="en-US" sz="4000" dirty="0">
+              <a:latin typeface="Times New Roman" panose="02020603050405020304" pitchFamily="18" charset="0"/>
+              <a:cs typeface="Times New Roman" panose="02020603050405020304" pitchFamily="18" charset="0"/>
+            </a:endParaRPr>
+          </a:p>
+        </p:txBody>
+      </p:sp>
+      <p:sp>
+        <p:nvSpPr>
+          <p:cNvPr id="4" name="內容版面配置區 6">
+            <a:extLst>
+              <a:ext uri="{FF2B5EF4-FFF2-40B4-BE49-F238E27FC236}">
+                <a16:creationId xmlns:a16="http://schemas.microsoft.com/office/drawing/2014/main" id="{F7DA8147-2308-469C-ADCA-6ABA4ED3A0FE}"/>
+              </a:ext>
+            </a:extLst>
+          </p:cNvPr>
+          <p:cNvSpPr txBox="1">
+            <a:spLocks/>
+          </p:cNvSpPr>
+          <p:nvPr/>
+        </p:nvSpPr>
+        <p:spPr>
+          <a:xfrm>
+            <a:off x="838203" y="1668379"/>
+            <a:ext cx="9848275" cy="4379495"/>
+          </a:xfrm>
+          <a:prstGeom prst="rect">
+            <a:avLst/>
+          </a:prstGeom>
+        </p:spPr>
+        <p:txBody>
+          <a:bodyPr>
+            <a:normAutofit/>
+          </a:bodyPr>
+          <a:lstStyle>
+            <a:lvl1pPr marL="228600" indent="-228600" algn="l" defTabSz="914400" rtl="0" eaLnBrk="1" latinLnBrk="0" hangingPunct="1">
+              <a:lnSpc>
+                <a:spcPct val="90000"/>
+              </a:lnSpc>
+              <a:spcBef>
+                <a:spcPts val="1000"/>
+              </a:spcBef>
+              <a:buFont typeface="Arial" panose="020B0604020202020204" pitchFamily="34" charset="0"/>
+              <a:buChar char="•"/>
+              <a:defRPr sz="2800" kern="1200">
+                <a:solidFill>
+                  <a:schemeClr val="tx1"/>
+                </a:solidFill>
+                <a:latin typeface="+mn-lt"/>
+                <a:ea typeface="+mn-ea"/>
+                <a:cs typeface="+mn-cs"/>
+              </a:defRPr>
+            </a:lvl1pPr>
+            <a:lvl2pPr marL="685800" indent="-228600" algn="l" defTabSz="914400" rtl="0" eaLnBrk="1" latinLnBrk="0" hangingPunct="1">
+              <a:lnSpc>
+                <a:spcPct val="90000"/>
+              </a:lnSpc>
+              <a:spcBef>
+                <a:spcPts val="500"/>
+              </a:spcBef>
+              <a:buFont typeface="Arial" panose="020B0604020202020204" pitchFamily="34" charset="0"/>
+              <a:buChar char="•"/>
+              <a:defRPr sz="2400" kern="1200">
+                <a:solidFill>
+                  <a:schemeClr val="tx1"/>
+                </a:solidFill>
+                <a:latin typeface="+mn-lt"/>
+                <a:ea typeface="+mn-ea"/>
+                <a:cs typeface="+mn-cs"/>
+              </a:defRPr>
+            </a:lvl2pPr>
+            <a:lvl3pPr marL="1143000" indent="-228600" algn="l" defTabSz="914400" rtl="0" eaLnBrk="1" latinLnBrk="0" hangingPunct="1">
+              <a:lnSpc>
+                <a:spcPct val="90000"/>
+              </a:lnSpc>
+              <a:spcBef>
+                <a:spcPts val="500"/>
+              </a:spcBef>
+              <a:buFont typeface="Arial" panose="020B0604020202020204" pitchFamily="34" charset="0"/>
+              <a:buChar char="•"/>
+              <a:defRPr sz="2000" kern="1200">
+                <a:solidFill>
+                  <a:schemeClr val="tx1"/>
+                </a:solidFill>
+                <a:latin typeface="+mn-lt"/>
+                <a:ea typeface="+mn-ea"/>
+                <a:cs typeface="+mn-cs"/>
+              </a:defRPr>
+            </a:lvl3pPr>
+            <a:lvl4pPr marL="1600200" indent="-228600" algn="l" defTabSz="914400" rtl="0" eaLnBrk="1" latinLnBrk="0" hangingPunct="1">
+              <a:lnSpc>
+                <a:spcPct val="90000"/>
+              </a:lnSpc>
+              <a:spcBef>
+                <a:spcPts val="500"/>
+              </a:spcBef>
+              <a:buFont typeface="Arial" panose="020B0604020202020204" pitchFamily="34" charset="0"/>
+              <a:buChar char="•"/>
+              <a:defRPr sz="1800" kern="1200">
+                <a:solidFill>
+                  <a:schemeClr val="tx1"/>
+                </a:solidFill>
+                <a:latin typeface="+mn-lt"/>
+                <a:ea typeface="+mn-ea"/>
+                <a:cs typeface="+mn-cs"/>
+              </a:defRPr>
+            </a:lvl4pPr>
+            <a:lvl5pPr marL="2057400" indent="-228600" algn="l" defTabSz="914400" rtl="0" eaLnBrk="1" latinLnBrk="0" hangingPunct="1">
+              <a:lnSpc>
+                <a:spcPct val="90000"/>
+              </a:lnSpc>
+              <a:spcBef>
+                <a:spcPts val="500"/>
+              </a:spcBef>
+              <a:buFont typeface="Arial" panose="020B0604020202020204" pitchFamily="34" charset="0"/>
+              <a:buChar char="•"/>
+              <a:defRPr sz="1800" kern="1200">
+                <a:solidFill>
+                  <a:schemeClr val="tx1"/>
+                </a:solidFill>
+                <a:latin typeface="+mn-lt"/>
+                <a:ea typeface="+mn-ea"/>
+                <a:cs typeface="+mn-cs"/>
+              </a:defRPr>
+            </a:lvl5pPr>
+            <a:lvl6pPr marL="2514600" indent="-228600" algn="l" defTabSz="914400" rtl="0" eaLnBrk="1" latinLnBrk="0" hangingPunct="1">
+              <a:lnSpc>
+                <a:spcPct val="90000"/>
+              </a:lnSpc>
+              <a:spcBef>
+                <a:spcPts val="500"/>
+              </a:spcBef>
+              <a:buFont typeface="Arial" panose="020B0604020202020204" pitchFamily="34" charset="0"/>
+              <a:buChar char="•"/>
+              <a:defRPr sz="1800" kern="1200">
+                <a:solidFill>
+                  <a:schemeClr val="tx1"/>
+                </a:solidFill>
+                <a:latin typeface="+mn-lt"/>
+                <a:ea typeface="+mn-ea"/>
+                <a:cs typeface="+mn-cs"/>
+              </a:defRPr>
+            </a:lvl6pPr>
+            <a:lvl7pPr marL="2971800" indent="-228600" algn="l" defTabSz="914400" rtl="0" eaLnBrk="1" latinLnBrk="0" hangingPunct="1">
+              <a:lnSpc>
+                <a:spcPct val="90000"/>
+              </a:lnSpc>
+              <a:spcBef>
+                <a:spcPts val="500"/>
+              </a:spcBef>
+              <a:buFont typeface="Arial" panose="020B0604020202020204" pitchFamily="34" charset="0"/>
+              <a:buChar char="•"/>
+              <a:defRPr sz="1800" kern="1200">
+                <a:solidFill>
+                  <a:schemeClr val="tx1"/>
+                </a:solidFill>
+                <a:latin typeface="+mn-lt"/>
+                <a:ea typeface="+mn-ea"/>
+                <a:cs typeface="+mn-cs"/>
+              </a:defRPr>
+            </a:lvl7pPr>
+            <a:lvl8pPr marL="3429000" indent="-228600" algn="l" defTabSz="914400" rtl="0" eaLnBrk="1" latinLnBrk="0" hangingPunct="1">
+              <a:lnSpc>
+                <a:spcPct val="90000"/>
+              </a:lnSpc>
+              <a:spcBef>
+                <a:spcPts val="500"/>
+              </a:spcBef>
+              <a:buFont typeface="Arial" panose="020B0604020202020204" pitchFamily="34" charset="0"/>
+              <a:buChar char="•"/>
+              <a:defRPr sz="1800" kern="1200">
+                <a:solidFill>
+                  <a:schemeClr val="tx1"/>
+                </a:solidFill>
+                <a:latin typeface="+mn-lt"/>
+                <a:ea typeface="+mn-ea"/>
+                <a:cs typeface="+mn-cs"/>
+              </a:defRPr>
+            </a:lvl8pPr>
+            <a:lvl9pPr marL="3886200" indent="-228600" algn="l" defTabSz="914400" rtl="0" eaLnBrk="1" latinLnBrk="0" hangingPunct="1">
+              <a:lnSpc>
+                <a:spcPct val="90000"/>
+              </a:lnSpc>
+              <a:spcBef>
+                <a:spcPts val="500"/>
+              </a:spcBef>
+              <a:buFont typeface="Arial" panose="020B0604020202020204" pitchFamily="34" charset="0"/>
+              <a:buChar char="•"/>
+              <a:defRPr sz="1800" kern="1200">
+                <a:solidFill>
+                  <a:schemeClr val="tx1"/>
+                </a:solidFill>
+                <a:latin typeface="+mn-lt"/>
+                <a:ea typeface="+mn-ea"/>
+                <a:cs typeface="+mn-cs"/>
+              </a:defRPr>
+            </a:lvl9pPr>
+          </a:lstStyle>
+          <a:p>
+            <a:pPr>
+              <a:buFont typeface="Wingdings" panose="05000000000000000000" pitchFamily="2" charset="2"/>
+              <a:buChar char="l"/>
+            </a:pPr>
+            <a:r>
+              <a:rPr lang="en-US" altLang="zh-TW" sz="2400" dirty="0">
+                <a:solidFill>
+                  <a:schemeClr val="bg2"/>
+                </a:solidFill>
+                <a:latin typeface="Times New Roman" panose="02020603050405020304" pitchFamily="18" charset="0"/>
+                <a:ea typeface="微軟正黑體" panose="020B0604030504040204" pitchFamily="34" charset="-120"/>
+                <a:cs typeface="Times New Roman" panose="02020603050405020304" pitchFamily="18" charset="0"/>
+              </a:rPr>
+              <a:t>EX2.1 Simulate The Timing of </a:t>
+            </a:r>
+            <a:r>
+              <a:rPr lang="en-US" altLang="zh-TW" sz="2400" dirty="0" err="1">
+                <a:solidFill>
+                  <a:schemeClr val="bg2"/>
+                </a:solidFill>
+                <a:latin typeface="Times New Roman" panose="02020603050405020304" pitchFamily="18" charset="0"/>
+                <a:ea typeface="微軟正黑體" panose="020B0604030504040204" pitchFamily="34" charset="-120"/>
+                <a:cs typeface="Times New Roman" panose="02020603050405020304" pitchFamily="18" charset="0"/>
+              </a:rPr>
+              <a:t>Mxy</a:t>
+            </a:r>
+            <a:r>
+              <a:rPr lang="en-US" altLang="zh-TW" sz="2400" dirty="0">
+                <a:solidFill>
+                  <a:schemeClr val="bg2"/>
+                </a:solidFill>
+                <a:latin typeface="Times New Roman" panose="02020603050405020304" pitchFamily="18" charset="0"/>
+                <a:ea typeface="微軟正黑體" panose="020B0604030504040204" pitchFamily="34" charset="-120"/>
+                <a:cs typeface="Times New Roman" panose="02020603050405020304" pitchFamily="18" charset="0"/>
+              </a:rPr>
+              <a:t> and </a:t>
+            </a:r>
+            <a:r>
+              <a:rPr lang="en-US" altLang="zh-TW" sz="2400" dirty="0" err="1">
+                <a:solidFill>
+                  <a:schemeClr val="bg2"/>
+                </a:solidFill>
+                <a:latin typeface="Times New Roman" panose="02020603050405020304" pitchFamily="18" charset="0"/>
+                <a:ea typeface="微軟正黑體" panose="020B0604030504040204" pitchFamily="34" charset="-120"/>
+                <a:cs typeface="Times New Roman" panose="02020603050405020304" pitchFamily="18" charset="0"/>
+              </a:rPr>
+              <a:t>Mz</a:t>
+            </a:r>
+            <a:endParaRPr lang="zh-TW" altLang="en-US" sz="2400" dirty="0">
+              <a:solidFill>
+                <a:schemeClr val="bg2"/>
+              </a:solidFill>
+              <a:latin typeface="Times New Roman" panose="02020603050405020304" pitchFamily="18" charset="0"/>
+              <a:ea typeface="微軟正黑體" panose="020B0604030504040204" pitchFamily="34" charset="-120"/>
+              <a:cs typeface="Times New Roman" panose="02020603050405020304" pitchFamily="18" charset="0"/>
+            </a:endParaRPr>
+          </a:p>
+          <a:p>
+            <a:pPr lvl="1"/>
+            <a:r>
+              <a:rPr lang="en-US" altLang="zh-TW" sz="2000" dirty="0">
+                <a:latin typeface="Times New Roman" panose="02020603050405020304" pitchFamily="18" charset="0"/>
+                <a:ea typeface="微軟正黑體" panose="020B0604030504040204" pitchFamily="34" charset="-120"/>
+                <a:cs typeface="Times New Roman" panose="02020603050405020304" pitchFamily="18" charset="0"/>
+              </a:rPr>
+              <a:t>Introduction </a:t>
+            </a:r>
+          </a:p>
+          <a:p>
+            <a:pPr lvl="1"/>
+            <a:r>
+              <a:rPr lang="en-US" altLang="zh-TW" sz="2000" dirty="0">
+                <a:latin typeface="Times New Roman" panose="02020603050405020304" pitchFamily="18" charset="0"/>
+                <a:ea typeface="微軟正黑體" panose="020B0604030504040204" pitchFamily="34" charset="-120"/>
+                <a:cs typeface="Times New Roman" panose="02020603050405020304" pitchFamily="18" charset="0"/>
+              </a:rPr>
+              <a:t>Method </a:t>
+            </a:r>
+          </a:p>
+          <a:p>
+            <a:pPr lvl="1"/>
+            <a:r>
+              <a:rPr lang="en-US" altLang="zh-TW" sz="2000" dirty="0">
+                <a:latin typeface="Times New Roman" panose="02020603050405020304" pitchFamily="18" charset="0"/>
+                <a:cs typeface="Times New Roman" panose="02020603050405020304" pitchFamily="18" charset="0"/>
+              </a:rPr>
+              <a:t>Experimental Results</a:t>
+            </a:r>
+          </a:p>
+          <a:p>
+            <a:pPr>
+              <a:buFont typeface="Wingdings" panose="05000000000000000000" pitchFamily="2" charset="2"/>
+              <a:buChar char="l"/>
+            </a:pPr>
+            <a:r>
+              <a:rPr lang="en-US" altLang="zh-TW" sz="2400" dirty="0">
+                <a:latin typeface="Times New Roman" panose="02020603050405020304" pitchFamily="18" charset="0"/>
+                <a:ea typeface="微軟正黑體" panose="020B0604030504040204" pitchFamily="34" charset="-120"/>
+                <a:cs typeface="Times New Roman" panose="02020603050405020304" pitchFamily="18" charset="0"/>
+              </a:rPr>
+              <a:t>EX2.2  The Maximum MRI Image Brightness</a:t>
+            </a:r>
+            <a:endParaRPr lang="zh-TW" altLang="en-US" sz="2400" dirty="0">
+              <a:latin typeface="Times New Roman" panose="02020603050405020304" pitchFamily="18" charset="0"/>
+              <a:ea typeface="微軟正黑體" panose="020B0604030504040204" pitchFamily="34" charset="-120"/>
+              <a:cs typeface="Times New Roman" panose="02020603050405020304" pitchFamily="18" charset="0"/>
+            </a:endParaRPr>
+          </a:p>
+          <a:p>
+            <a:pPr lvl="1"/>
+            <a:r>
+              <a:rPr lang="en-US" altLang="zh-TW" sz="2000" dirty="0">
+                <a:latin typeface="Times New Roman" panose="02020603050405020304" pitchFamily="18" charset="0"/>
+                <a:ea typeface="微軟正黑體" panose="020B0604030504040204" pitchFamily="34" charset="-120"/>
+                <a:cs typeface="Times New Roman" panose="02020603050405020304" pitchFamily="18" charset="0"/>
+              </a:rPr>
+              <a:t>Introduction </a:t>
+            </a:r>
+          </a:p>
+          <a:p>
+            <a:pPr lvl="1"/>
+            <a:r>
+              <a:rPr lang="en-US" altLang="zh-TW" sz="2000" dirty="0">
+                <a:latin typeface="Times New Roman" panose="02020603050405020304" pitchFamily="18" charset="0"/>
+                <a:ea typeface="微軟正黑體" panose="020B0604030504040204" pitchFamily="34" charset="-120"/>
+                <a:cs typeface="Times New Roman" panose="02020603050405020304" pitchFamily="18" charset="0"/>
+              </a:rPr>
+              <a:t>Method </a:t>
+            </a:r>
+          </a:p>
+          <a:p>
+            <a:pPr lvl="1"/>
+            <a:r>
+              <a:rPr lang="en-US" altLang="zh-TW" sz="2000" dirty="0">
+                <a:latin typeface="Times New Roman" panose="02020603050405020304" pitchFamily="18" charset="0"/>
+                <a:cs typeface="Times New Roman" panose="02020603050405020304" pitchFamily="18" charset="0"/>
+              </a:rPr>
+              <a:t>Experimental Results</a:t>
+            </a:r>
+            <a:endParaRPr lang="en-US" altLang="zh-TW" sz="2000" dirty="0">
+              <a:latin typeface="Times New Roman" panose="02020603050405020304" pitchFamily="18" charset="0"/>
+              <a:ea typeface="微軟正黑體" panose="020B0604030504040204" pitchFamily="34" charset="-120"/>
+              <a:cs typeface="Times New Roman" panose="02020603050405020304" pitchFamily="18" charset="0"/>
+            </a:endParaRPr>
+          </a:p>
+          <a:p>
+            <a:pPr>
+              <a:buFont typeface="Wingdings" panose="05000000000000000000" pitchFamily="2" charset="2"/>
+              <a:buChar char="l"/>
+            </a:pPr>
+            <a:r>
+              <a:rPr lang="en-US" altLang="zh-TW" sz="2400" dirty="0">
+                <a:latin typeface="Times New Roman" panose="02020603050405020304" pitchFamily="18" charset="0"/>
+                <a:ea typeface="微軟正黑體" panose="020B0604030504040204" pitchFamily="34" charset="-120"/>
+                <a:cs typeface="Times New Roman" panose="02020603050405020304" pitchFamily="18" charset="0"/>
+              </a:rPr>
+              <a:t>EX2.3 Subcortical Structures</a:t>
+            </a:r>
+            <a:endParaRPr lang="zh-TW" altLang="en-US" sz="2400" dirty="0">
+              <a:latin typeface="Times New Roman" panose="02020603050405020304" pitchFamily="18" charset="0"/>
+              <a:ea typeface="微軟正黑體" panose="020B0604030504040204" pitchFamily="34" charset="-120"/>
+              <a:cs typeface="Times New Roman" panose="02020603050405020304" pitchFamily="18" charset="0"/>
+            </a:endParaRPr>
+          </a:p>
+          <a:p>
+            <a:pPr lvl="1"/>
+            <a:r>
+              <a:rPr lang="en-US" altLang="zh-TW" sz="2000" dirty="0">
+                <a:latin typeface="Times New Roman" panose="02020603050405020304" pitchFamily="18" charset="0"/>
+                <a:ea typeface="微軟正黑體" panose="020B0604030504040204" pitchFamily="34" charset="-120"/>
+                <a:cs typeface="Times New Roman" panose="02020603050405020304" pitchFamily="18" charset="0"/>
+              </a:rPr>
+              <a:t>Introduction </a:t>
+            </a:r>
+          </a:p>
+          <a:p>
+            <a:pPr lvl="1"/>
+            <a:r>
+              <a:rPr lang="en-US" altLang="zh-TW" sz="2000" dirty="0">
+                <a:latin typeface="Times New Roman" panose="02020603050405020304" pitchFamily="18" charset="0"/>
+                <a:ea typeface="微軟正黑體" panose="020B0604030504040204" pitchFamily="34" charset="-120"/>
+                <a:cs typeface="Times New Roman" panose="02020603050405020304" pitchFamily="18" charset="0"/>
+              </a:rPr>
+              <a:t>Method </a:t>
+            </a:r>
+          </a:p>
+          <a:p>
+            <a:pPr lvl="1"/>
+            <a:r>
+              <a:rPr lang="en-US" altLang="zh-TW" sz="2000" dirty="0">
+                <a:latin typeface="Times New Roman" panose="02020603050405020304" pitchFamily="18" charset="0"/>
+                <a:cs typeface="Times New Roman" panose="02020603050405020304" pitchFamily="18" charset="0"/>
+              </a:rPr>
+              <a:t>Experimental Results</a:t>
+            </a:r>
+            <a:endParaRPr lang="en-US" altLang="zh-TW" sz="2000" dirty="0">
+              <a:latin typeface="Times New Roman" panose="02020603050405020304" pitchFamily="18" charset="0"/>
+              <a:ea typeface="微軟正黑體" panose="020B0604030504040204" pitchFamily="34" charset="-120"/>
+              <a:cs typeface="Times New Roman" panose="02020603050405020304" pitchFamily="18" charset="0"/>
+            </a:endParaRPr>
+          </a:p>
+          <a:p>
+            <a:pPr marL="457200" lvl="1" indent="0">
+              <a:buNone/>
+            </a:pPr>
+            <a:endParaRPr lang="en-US" altLang="zh-TW" sz="2000" dirty="0">
+              <a:latin typeface="Times New Roman" panose="02020603050405020304" pitchFamily="18" charset="0"/>
+              <a:ea typeface="微軟正黑體" panose="020B0604030504040204" pitchFamily="34" charset="-120"/>
+              <a:cs typeface="Times New Roman" panose="02020603050405020304" pitchFamily="18" charset="0"/>
+            </a:endParaRPr>
+          </a:p>
+        </p:txBody>
+      </p:sp>
+      <p:pic>
+        <p:nvPicPr>
+          <p:cNvPr id="5" name="圖片 4">
+            <a:extLst>
+              <a:ext uri="{FF2B5EF4-FFF2-40B4-BE49-F238E27FC236}">
+                <a16:creationId xmlns:a16="http://schemas.microsoft.com/office/drawing/2014/main" id="{E118EE2E-497C-41F3-A690-F6BB9CC2CF0A}"/>
+              </a:ext>
+            </a:extLst>
+          </p:cNvPr>
+          <p:cNvPicPr>
+            <a:picLocks noChangeAspect="1"/>
+          </p:cNvPicPr>
+          <p:nvPr/>
+        </p:nvPicPr>
+        <p:blipFill>
+          <a:blip r:embed="rId2" cstate="hqprint">
+            <a:extLst>
+              <a:ext uri="{28A0092B-C50C-407E-A947-70E740481C1C}">
+                <a14:useLocalDpi xmlns:a14="http://schemas.microsoft.com/office/drawing/2010/main" val="0"/>
+              </a:ext>
+            </a:extLst>
+          </a:blip>
+          <a:stretch>
+            <a:fillRect/>
+          </a:stretch>
+        </p:blipFill>
+        <p:spPr>
+          <a:xfrm>
+            <a:off x="9690756" y="6302326"/>
+            <a:ext cx="2580675" cy="555677"/>
+          </a:xfrm>
+          <a:prstGeom prst="rect">
+            <a:avLst/>
+          </a:prstGeom>
+        </p:spPr>
+      </p:pic>
+      <p:sp>
+        <p:nvSpPr>
+          <p:cNvPr id="6" name="投影片編號版面配置區 15">
+            <a:extLst>
+              <a:ext uri="{FF2B5EF4-FFF2-40B4-BE49-F238E27FC236}">
+                <a16:creationId xmlns:a16="http://schemas.microsoft.com/office/drawing/2014/main" id="{2C49D74E-99F8-4333-AA0B-7B4A6BA3B2FD}"/>
+              </a:ext>
+            </a:extLst>
+          </p:cNvPr>
+          <p:cNvSpPr>
+            <a:spLocks noGrp="1"/>
+          </p:cNvSpPr>
+          <p:nvPr>
+            <p:ph type="sldNum" sz="quarter" idx="12"/>
+          </p:nvPr>
+        </p:nvSpPr>
+        <p:spPr>
+          <a:xfrm>
+            <a:off x="4724400" y="6356350"/>
+            <a:ext cx="2743200" cy="365125"/>
+          </a:xfrm>
+        </p:spPr>
+        <p:txBody>
+          <a:bodyPr/>
+          <a:lstStyle/>
+          <a:p>
+            <a:fld id="{87B71CD7-7F58-4993-8193-E254A51C09DA}" type="slidenum">
+              <a:rPr lang="zh-TW" altLang="en-US" smtClean="0"/>
+              <a:t>3</a:t>
+            </a:fld>
+            <a:endParaRPr lang="zh-TW" altLang="en-US"/>
+          </a:p>
+        </p:txBody>
+      </p:sp>
+    </p:spTree>
+    <p:extLst>
+      <p:ext uri="{BB962C8B-B14F-4D97-AF65-F5344CB8AC3E}">
+        <p14:creationId xmlns:p14="http://schemas.microsoft.com/office/powerpoint/2010/main" val="4049569077"/>
+      </p:ext>
+    </p:extLst>
+  </p:cSld>
+  <p:clrMapOvr>
+    <a:masterClrMapping/>
+  </p:clrMapOvr>
+</p:sld>
+</file>
+
+<file path=ppt/slides/slide4.xml><?xml version="1.0" encoding="utf-8"?>
+<p:sld xmlns:a="http://schemas.openxmlformats.org/drawingml/2006/main" xmlns:r="http://schemas.openxmlformats.org/officeDocument/2006/relationships" xmlns:p="http://schemas.openxmlformats.org/presentationml/2006/main">
+  <p:cSld>
+    <p:spTree>
+      <p:nvGrpSpPr>
+        <p:cNvPr id="1" name=""/>
+        <p:cNvGrpSpPr/>
+        <p:nvPr/>
+      </p:nvGrpSpPr>
+      <p:grpSpPr>
+        <a:xfrm>
+          <a:off x="0" y="0"/>
+          <a:ext cx="0" cy="0"/>
+          <a:chOff x="0" y="0"/>
+          <a:chExt cx="0" cy="0"/>
+        </a:xfrm>
+      </p:grpSpPr>
+      <p:sp>
+        <p:nvSpPr>
+          <p:cNvPr id="2" name="矩形 1">
+            <a:extLst>
+              <a:ext uri="{FF2B5EF4-FFF2-40B4-BE49-F238E27FC236}">
                 <a16:creationId xmlns:a16="http://schemas.microsoft.com/office/drawing/2014/main" id="{4D5436BF-191E-46A7-808F-11A3A64B66D0}"/>
               </a:ext>
             </a:extLst>
@@ -4095,7 +6306,7 @@
 </p:sld>
 </file>
 
-<file path=ppt/slides/slide3.xml><?xml version="1.0" encoding="utf-8"?>
+<file path=ppt/slides/slide5.xml><?xml version="1.0" encoding="utf-8"?>
 <p:sld xmlns:a="http://schemas.openxmlformats.org/drawingml/2006/main" xmlns:r="http://schemas.openxmlformats.org/officeDocument/2006/relationships" xmlns:p="http://schemas.openxmlformats.org/presentationml/2006/main">
   <p:cSld>
     <p:bg>
@@ -5022,7 +7233,7 @@
 </p:sld>
 </file>
 
-<file path=ppt/slides/slide4.xml><?xml version="1.0" encoding="utf-8"?>
+<file path=ppt/slides/slide6.xml><?xml version="1.0" encoding="utf-8"?>
 <p:sld xmlns:a="http://schemas.openxmlformats.org/drawingml/2006/main" xmlns:r="http://schemas.openxmlformats.org/officeDocument/2006/relationships" xmlns:p="http://schemas.openxmlformats.org/presentationml/2006/main">
   <p:cSld>
     <p:spTree>
@@ -5039,27 +7250,64 @@
           <a:chExt cx="0" cy="0"/>
         </a:xfrm>
       </p:grpSpPr>
-      <p:sp>
-        <p:nvSpPr>
-          <p:cNvPr id="2" name="矩形 1">
-            <a:extLst>
-              <a:ext uri="{FF2B5EF4-FFF2-40B4-BE49-F238E27FC236}">
-                <a16:creationId xmlns:a16="http://schemas.microsoft.com/office/drawing/2014/main" id="{52367C54-39CB-49F9-8267-817935114240}"/>
-              </a:ext>
-            </a:extLst>
-          </p:cNvPr>
-          <p:cNvSpPr/>
+      <p:pic>
+        <p:nvPicPr>
+          <p:cNvPr id="3" name="圖片 2">
+            <a:extLst>
+              <a:ext uri="{FF2B5EF4-FFF2-40B4-BE49-F238E27FC236}">
+                <a16:creationId xmlns:a16="http://schemas.microsoft.com/office/drawing/2014/main" id="{5A43E84B-D9E6-410B-BCD9-AC6C9508980E}"/>
+              </a:ext>
+            </a:extLst>
+          </p:cNvPr>
+          <p:cNvPicPr>
+            <a:picLocks noChangeAspect="1"/>
+          </p:cNvPicPr>
           <p:nvPr/>
-        </p:nvSpPr>
+        </p:nvPicPr>
+        <p:blipFill>
+          <a:blip r:embed="rId2">
+            <a:extLst>
+              <a:ext uri="{28A0092B-C50C-407E-A947-70E740481C1C}">
+                <a14:useLocalDpi xmlns:a14="http://schemas.microsoft.com/office/drawing/2010/main" val="0"/>
+              </a:ext>
+            </a:extLst>
+          </a:blip>
+          <a:stretch>
+            <a:fillRect/>
+          </a:stretch>
+        </p:blipFill>
         <p:spPr>
           <a:xfrm>
-            <a:off x="115613" y="194470"/>
-            <a:ext cx="8418786" cy="369332"/>
+            <a:off x="6792000" y="1404000"/>
+            <a:ext cx="5400000" cy="4050000"/>
           </a:xfrm>
           <a:prstGeom prst="rect">
             <a:avLst/>
           </a:prstGeom>
         </p:spPr>
+      </p:pic>
+      <p:sp>
+        <p:nvSpPr>
+          <p:cNvPr id="5" name="文字方塊 4">
+            <a:extLst>
+              <a:ext uri="{FF2B5EF4-FFF2-40B4-BE49-F238E27FC236}">
+                <a16:creationId xmlns:a16="http://schemas.microsoft.com/office/drawing/2014/main" id="{FD389749-3C66-453C-B8B8-F669B15DF7BD}"/>
+              </a:ext>
+            </a:extLst>
+          </p:cNvPr>
+          <p:cNvSpPr txBox="1"/>
+          <p:nvPr/>
+        </p:nvSpPr>
+        <p:spPr>
+          <a:xfrm>
+            <a:off x="426563" y="0"/>
+            <a:ext cx="6094428" cy="7294305"/>
+          </a:xfrm>
+          <a:prstGeom prst="rect">
+            <a:avLst/>
+          </a:prstGeom>
+          <a:noFill/>
+        </p:spPr>
         <p:txBody>
           <a:bodyPr wrap="square">
             <a:spAutoFit/>
@@ -5067,552 +7315,1296 @@
           <a:lstStyle/>
           <a:p>
             <a:r>
-              <a:rPr lang="zh-TW" altLang="en-US" dirty="0"/>
-              <a:t>https://carpentries-incubator.github.io/SDC-BIDS-sMRI/aio/index.html</a:t>
-            </a:r>
-          </a:p>
-        </p:txBody>
-      </p:sp>
-      <p:sp>
-        <p:nvSpPr>
-          <p:cNvPr id="4" name="Rectangle 2">
-            <a:extLst>
-              <a:ext uri="{FF2B5EF4-FFF2-40B4-BE49-F238E27FC236}">
-                <a16:creationId xmlns:a16="http://schemas.microsoft.com/office/drawing/2014/main" id="{785A83E9-90E7-41D6-A8E8-8CDFC7BD3690}"/>
-              </a:ext>
-            </a:extLst>
-          </p:cNvPr>
-          <p:cNvSpPr>
-            <a:spLocks noChangeArrowheads="1"/>
-          </p:cNvSpPr>
+              <a:rPr lang="en-US" altLang="zh-TW" b="0" i="0" u="none" strike="noStrike" dirty="0">
+                <a:solidFill>
+                  <a:srgbClr val="008013"/>
+                </a:solidFill>
+                <a:effectLst/>
+                <a:latin typeface="Menlo"/>
+              </a:rPr>
+              <a:t>% Setting initial values</a:t>
+            </a:r>
+            <a:endParaRPr lang="en-US" altLang="zh-TW" b="0" i="0" dirty="0">
+              <a:solidFill>
+                <a:srgbClr val="212121"/>
+              </a:solidFill>
+              <a:effectLst/>
+              <a:latin typeface="Menlo"/>
+            </a:endParaRPr>
+          </a:p>
+          <a:p>
+            <a:r>
+              <a:rPr lang="en-US" altLang="zh-TW" b="0" i="0" dirty="0" err="1">
+                <a:solidFill>
+                  <a:srgbClr val="212121"/>
+                </a:solidFill>
+                <a:effectLst/>
+                <a:latin typeface="Menlo"/>
+              </a:rPr>
+              <a:t>clear;clc</a:t>
+            </a:r>
+            <a:r>
+              <a:rPr lang="en-US" altLang="zh-TW" b="0" i="0" dirty="0">
+                <a:solidFill>
+                  <a:srgbClr val="212121"/>
+                </a:solidFill>
+                <a:effectLst/>
+                <a:latin typeface="Menlo"/>
+              </a:rPr>
+              <a:t>;</a:t>
+            </a:r>
+          </a:p>
+          <a:p>
+            <a:r>
+              <a:rPr lang="en-US" altLang="zh-TW" b="0" i="0" dirty="0">
+                <a:solidFill>
+                  <a:srgbClr val="212121"/>
+                </a:solidFill>
+                <a:effectLst/>
+                <a:latin typeface="Menlo"/>
+              </a:rPr>
+              <a:t>TR = 50;</a:t>
+            </a:r>
+          </a:p>
+          <a:p>
+            <a:r>
+              <a:rPr lang="en-US" altLang="zh-TW" b="0" i="0" dirty="0">
+                <a:solidFill>
+                  <a:srgbClr val="212121"/>
+                </a:solidFill>
+                <a:effectLst/>
+                <a:latin typeface="Menlo"/>
+              </a:rPr>
+              <a:t>T1 = 1000;</a:t>
+            </a:r>
+          </a:p>
+          <a:p>
+            <a:r>
+              <a:rPr lang="en-US" altLang="zh-TW" b="0" i="0" dirty="0">
+                <a:solidFill>
+                  <a:srgbClr val="212121"/>
+                </a:solidFill>
+                <a:effectLst/>
+                <a:latin typeface="Menlo"/>
+              </a:rPr>
+              <a:t>T2_dephasing = 50;</a:t>
+            </a:r>
+          </a:p>
+          <a:p>
+            <a:r>
+              <a:rPr lang="en-US" altLang="zh-TW" b="0" i="0" dirty="0">
+                <a:solidFill>
+                  <a:srgbClr val="212121"/>
+                </a:solidFill>
+                <a:effectLst/>
+                <a:latin typeface="Menlo"/>
+              </a:rPr>
+              <a:t>n=6;</a:t>
+            </a:r>
+          </a:p>
+          <a:p>
+            <a:r>
+              <a:rPr lang="en-US" altLang="zh-TW" b="0" i="0" dirty="0">
+                <a:solidFill>
+                  <a:srgbClr val="212121"/>
+                </a:solidFill>
+                <a:effectLst/>
+                <a:latin typeface="Menlo"/>
+              </a:rPr>
+              <a:t>TE = </a:t>
+            </a:r>
+            <a:r>
+              <a:rPr lang="en-US" altLang="zh-TW" b="0" i="0" dirty="0" err="1">
+                <a:solidFill>
+                  <a:srgbClr val="212121"/>
+                </a:solidFill>
+                <a:effectLst/>
+                <a:latin typeface="Menlo"/>
+              </a:rPr>
+              <a:t>linspace</a:t>
+            </a:r>
+            <a:r>
+              <a:rPr lang="en-US" altLang="zh-TW" b="0" i="0" dirty="0">
+                <a:solidFill>
+                  <a:srgbClr val="212121"/>
+                </a:solidFill>
+                <a:effectLst/>
+                <a:latin typeface="Menlo"/>
+              </a:rPr>
+              <a:t>(5,15,n);</a:t>
+            </a:r>
+          </a:p>
+          <a:p>
+            <a:r>
+              <a:rPr lang="en-US" altLang="zh-TW" b="0" i="0" dirty="0">
+                <a:solidFill>
+                  <a:srgbClr val="212121"/>
+                </a:solidFill>
+                <a:effectLst/>
+                <a:latin typeface="Menlo"/>
+              </a:rPr>
+              <a:t>Alpha = </a:t>
+            </a:r>
+            <a:r>
+              <a:rPr lang="en-US" altLang="zh-TW" b="0" i="0" dirty="0" err="1">
+                <a:solidFill>
+                  <a:srgbClr val="212121"/>
+                </a:solidFill>
+                <a:effectLst/>
+                <a:latin typeface="Menlo"/>
+              </a:rPr>
+              <a:t>linspace</a:t>
+            </a:r>
+            <a:r>
+              <a:rPr lang="en-US" altLang="zh-TW" b="0" i="0" dirty="0">
+                <a:solidFill>
+                  <a:srgbClr val="212121"/>
+                </a:solidFill>
+                <a:effectLst/>
+                <a:latin typeface="Menlo"/>
+              </a:rPr>
+              <a:t>(pi/12,pi/2,n);</a:t>
+            </a:r>
+          </a:p>
+          <a:p>
+            <a:r>
+              <a:rPr lang="en-US" altLang="zh-TW" b="0" i="0" u="none" strike="noStrike" dirty="0">
+                <a:solidFill>
+                  <a:srgbClr val="008013"/>
+                </a:solidFill>
+                <a:effectLst/>
+                <a:latin typeface="Menlo"/>
+              </a:rPr>
+              <a:t>% Iteration: N times of RF</a:t>
+            </a:r>
+            <a:endParaRPr lang="en-US" altLang="zh-TW" b="0" i="0" dirty="0">
+              <a:solidFill>
+                <a:srgbClr val="212121"/>
+              </a:solidFill>
+              <a:effectLst/>
+              <a:latin typeface="Menlo"/>
+            </a:endParaRPr>
+          </a:p>
+          <a:p>
+            <a:r>
+              <a:rPr lang="en-US" altLang="zh-TW" b="0" i="0" dirty="0">
+                <a:solidFill>
+                  <a:srgbClr val="212121"/>
+                </a:solidFill>
+                <a:effectLst/>
+                <a:latin typeface="Menlo"/>
+              </a:rPr>
+              <a:t>N = 10;</a:t>
+            </a:r>
+          </a:p>
+          <a:p>
+            <a:r>
+              <a:rPr lang="en-US" altLang="zh-TW" b="0" i="0" dirty="0" err="1">
+                <a:solidFill>
+                  <a:srgbClr val="212121"/>
+                </a:solidFill>
+                <a:effectLst/>
+                <a:latin typeface="Menlo"/>
+              </a:rPr>
+              <a:t>M_initial</a:t>
+            </a:r>
+            <a:r>
+              <a:rPr lang="en-US" altLang="zh-TW" b="0" i="0" dirty="0">
+                <a:solidFill>
+                  <a:srgbClr val="212121"/>
+                </a:solidFill>
+                <a:effectLst/>
+                <a:latin typeface="Menlo"/>
+              </a:rPr>
+              <a:t> = ones(</a:t>
+            </a:r>
+            <a:r>
+              <a:rPr lang="en-US" altLang="zh-TW" b="0" i="0" dirty="0" err="1">
+                <a:solidFill>
+                  <a:srgbClr val="212121"/>
+                </a:solidFill>
+                <a:effectLst/>
+                <a:latin typeface="Menlo"/>
+              </a:rPr>
+              <a:t>N,n</a:t>
+            </a:r>
+            <a:r>
+              <a:rPr lang="en-US" altLang="zh-TW" b="0" i="0" dirty="0">
+                <a:solidFill>
+                  <a:srgbClr val="212121"/>
+                </a:solidFill>
+                <a:effectLst/>
+                <a:latin typeface="Menlo"/>
+              </a:rPr>
+              <a:t>);</a:t>
+            </a:r>
+          </a:p>
+          <a:p>
+            <a:r>
+              <a:rPr lang="en-US" altLang="zh-TW" b="0" i="0" dirty="0">
+                <a:solidFill>
+                  <a:srgbClr val="212121"/>
+                </a:solidFill>
+                <a:effectLst/>
+                <a:latin typeface="Menlo"/>
+              </a:rPr>
+              <a:t>M = zeros(</a:t>
+            </a:r>
+            <a:r>
+              <a:rPr lang="en-US" altLang="zh-TW" b="0" i="0" dirty="0" err="1">
+                <a:solidFill>
+                  <a:srgbClr val="212121"/>
+                </a:solidFill>
+                <a:effectLst/>
+                <a:latin typeface="Menlo"/>
+              </a:rPr>
+              <a:t>N,n</a:t>
+            </a:r>
+            <a:r>
+              <a:rPr lang="en-US" altLang="zh-TW" b="0" i="0" dirty="0">
+                <a:solidFill>
+                  <a:srgbClr val="212121"/>
+                </a:solidFill>
+                <a:effectLst/>
+                <a:latin typeface="Menlo"/>
+              </a:rPr>
+              <a:t>);</a:t>
+            </a:r>
+          </a:p>
+          <a:p>
+            <a:r>
+              <a:rPr lang="en-US" altLang="zh-TW" b="0" i="0" dirty="0">
+                <a:solidFill>
+                  <a:srgbClr val="212121"/>
+                </a:solidFill>
+                <a:effectLst/>
+                <a:latin typeface="Menlo"/>
+              </a:rPr>
+              <a:t>result=ones(2*N+1,n);</a:t>
+            </a:r>
+          </a:p>
+          <a:p>
+            <a:r>
+              <a:rPr lang="en-US" altLang="zh-TW" b="0" i="0" u="none" strike="noStrike" dirty="0">
+                <a:solidFill>
+                  <a:srgbClr val="0E00FF"/>
+                </a:solidFill>
+                <a:effectLst/>
+                <a:latin typeface="Menlo"/>
+              </a:rPr>
+              <a:t>for </a:t>
+            </a:r>
+            <a:r>
+              <a:rPr lang="en-US" altLang="zh-TW" b="0" i="0" dirty="0">
+                <a:solidFill>
+                  <a:srgbClr val="212121"/>
+                </a:solidFill>
+                <a:effectLst/>
+                <a:latin typeface="Menlo"/>
+              </a:rPr>
+              <a:t>N=1:N</a:t>
+            </a:r>
+          </a:p>
+          <a:p>
+            <a:r>
+              <a:rPr lang="en-US" altLang="zh-TW" b="0" i="0" u="none" strike="noStrike" dirty="0">
+                <a:solidFill>
+                  <a:srgbClr val="0E00FF"/>
+                </a:solidFill>
+                <a:effectLst/>
+                <a:latin typeface="Menlo"/>
+              </a:rPr>
+              <a:t>if </a:t>
+            </a:r>
+            <a:r>
+              <a:rPr lang="en-US" altLang="zh-TW" b="0" i="0" dirty="0">
+                <a:solidFill>
+                  <a:srgbClr val="212121"/>
+                </a:solidFill>
+                <a:effectLst/>
+                <a:latin typeface="Menlo"/>
+              </a:rPr>
+              <a:t>N&gt;1</a:t>
+            </a:r>
+          </a:p>
+          <a:p>
+            <a:r>
+              <a:rPr lang="en-US" altLang="zh-TW" b="0" i="0" dirty="0" err="1">
+                <a:solidFill>
+                  <a:srgbClr val="212121"/>
+                </a:solidFill>
+                <a:effectLst/>
+                <a:latin typeface="Menlo"/>
+              </a:rPr>
+              <a:t>M_initial</a:t>
+            </a:r>
+            <a:r>
+              <a:rPr lang="en-US" altLang="zh-TW" b="0" i="0" dirty="0">
+                <a:solidFill>
+                  <a:srgbClr val="212121"/>
+                </a:solidFill>
+                <a:effectLst/>
+                <a:latin typeface="Menlo"/>
+              </a:rPr>
+              <a:t>(N,:) = M(N-1,:).*((1-exp(-TR/T1)).*sin(Alpha))./(1-exp(-TR/T1).*cos(Alpha)).*exp(-TE/T2_dephasing); </a:t>
+            </a:r>
+          </a:p>
+          <a:p>
+            <a:r>
+              <a:rPr lang="en-US" altLang="zh-TW" b="0" i="0" u="none" strike="noStrike" dirty="0">
+                <a:solidFill>
+                  <a:srgbClr val="0E00FF"/>
+                </a:solidFill>
+                <a:effectLst/>
+                <a:latin typeface="Menlo"/>
+              </a:rPr>
+              <a:t>else</a:t>
+            </a:r>
+            <a:endParaRPr lang="en-US" altLang="zh-TW" b="0" i="0" dirty="0">
+              <a:solidFill>
+                <a:srgbClr val="212121"/>
+              </a:solidFill>
+              <a:effectLst/>
+              <a:latin typeface="Menlo"/>
+            </a:endParaRPr>
+          </a:p>
+          <a:p>
+            <a:r>
+              <a:rPr lang="en-US" altLang="zh-TW" b="0" i="0" dirty="0" err="1">
+                <a:solidFill>
+                  <a:srgbClr val="212121"/>
+                </a:solidFill>
+                <a:effectLst/>
+                <a:latin typeface="Menlo"/>
+              </a:rPr>
+              <a:t>M_initial</a:t>
+            </a:r>
+            <a:r>
+              <a:rPr lang="en-US" altLang="zh-TW" b="0" i="0" dirty="0">
+                <a:solidFill>
+                  <a:srgbClr val="212121"/>
+                </a:solidFill>
+                <a:effectLst/>
+                <a:latin typeface="Menlo"/>
+              </a:rPr>
+              <a:t>(N,:) = ones(1,n).*((1-exp(-TR/T1)).*sin(Alpha))./(1-exp(-TR/T1).*cos(Alpha)).*exp(-TE/T2_dephasing);</a:t>
+            </a:r>
+          </a:p>
+          <a:p>
+            <a:r>
+              <a:rPr lang="en-US" altLang="zh-TW" b="0" i="0" u="none" strike="noStrike" dirty="0">
+                <a:solidFill>
+                  <a:srgbClr val="0E00FF"/>
+                </a:solidFill>
+                <a:effectLst/>
+                <a:latin typeface="Menlo"/>
+              </a:rPr>
+              <a:t>end</a:t>
+            </a:r>
+            <a:endParaRPr lang="en-US" altLang="zh-TW" b="0" i="0" dirty="0">
+              <a:solidFill>
+                <a:srgbClr val="212121"/>
+              </a:solidFill>
+              <a:effectLst/>
+              <a:latin typeface="Menlo"/>
+            </a:endParaRPr>
+          </a:p>
+          <a:p>
+            <a:r>
+              <a:rPr lang="en-US" altLang="zh-TW" b="0" i="0" dirty="0">
+                <a:solidFill>
+                  <a:srgbClr val="212121"/>
+                </a:solidFill>
+                <a:effectLst/>
+                <a:latin typeface="Menlo"/>
+              </a:rPr>
+              <a:t>M(N,:) = 1+(</a:t>
+            </a:r>
+            <a:r>
+              <a:rPr lang="en-US" altLang="zh-TW" b="0" i="0" dirty="0" err="1">
+                <a:solidFill>
+                  <a:srgbClr val="212121"/>
+                </a:solidFill>
+                <a:effectLst/>
+                <a:latin typeface="Menlo"/>
+              </a:rPr>
+              <a:t>M_initial</a:t>
+            </a:r>
+            <a:r>
+              <a:rPr lang="en-US" altLang="zh-TW" b="0" i="0" dirty="0">
+                <a:solidFill>
+                  <a:srgbClr val="212121"/>
+                </a:solidFill>
+                <a:effectLst/>
+                <a:latin typeface="Menlo"/>
+              </a:rPr>
+              <a:t>(N,:)-1).*exp(-(TR-TE)/T1); </a:t>
+            </a:r>
+          </a:p>
+          <a:p>
+            <a:r>
+              <a:rPr lang="en-US" altLang="zh-TW" b="0" i="0" dirty="0">
+                <a:solidFill>
+                  <a:srgbClr val="212121"/>
+                </a:solidFill>
+                <a:effectLst/>
+                <a:latin typeface="Menlo"/>
+              </a:rPr>
+              <a:t>result(2*N,:) = </a:t>
+            </a:r>
+            <a:r>
+              <a:rPr lang="en-US" altLang="zh-TW" b="0" i="0" dirty="0" err="1">
+                <a:solidFill>
+                  <a:srgbClr val="212121"/>
+                </a:solidFill>
+                <a:effectLst/>
+                <a:latin typeface="Menlo"/>
+              </a:rPr>
+              <a:t>M_initial</a:t>
+            </a:r>
+            <a:r>
+              <a:rPr lang="en-US" altLang="zh-TW" b="0" i="0" dirty="0">
+                <a:solidFill>
+                  <a:srgbClr val="212121"/>
+                </a:solidFill>
+                <a:effectLst/>
+                <a:latin typeface="Menlo"/>
+              </a:rPr>
+              <a:t>(N,:);</a:t>
+            </a:r>
+          </a:p>
+          <a:p>
+            <a:r>
+              <a:rPr lang="en-US" altLang="zh-TW" b="0" i="0" dirty="0">
+                <a:solidFill>
+                  <a:srgbClr val="212121"/>
+                </a:solidFill>
+                <a:effectLst/>
+                <a:latin typeface="Menlo"/>
+              </a:rPr>
+              <a:t>result(2*N+1,:) = M(N,:);</a:t>
+            </a:r>
+          </a:p>
+          <a:p>
+            <a:r>
+              <a:rPr lang="en-US" altLang="zh-TW" b="0" i="0" u="none" strike="noStrike" dirty="0">
+                <a:solidFill>
+                  <a:srgbClr val="0E00FF"/>
+                </a:solidFill>
+                <a:effectLst/>
+                <a:latin typeface="Menlo"/>
+              </a:rPr>
+              <a:t>end</a:t>
+            </a:r>
+            <a:endParaRPr lang="en-US" altLang="zh-TW" b="0" i="0" dirty="0">
+              <a:solidFill>
+                <a:srgbClr val="212121"/>
+              </a:solidFill>
+              <a:effectLst/>
+              <a:latin typeface="Menlo"/>
+            </a:endParaRPr>
+          </a:p>
+        </p:txBody>
+      </p:sp>
+    </p:spTree>
+    <p:extLst>
+      <p:ext uri="{BB962C8B-B14F-4D97-AF65-F5344CB8AC3E}">
+        <p14:creationId xmlns:p14="http://schemas.microsoft.com/office/powerpoint/2010/main" val="194095415"/>
+      </p:ext>
+    </p:extLst>
+  </p:cSld>
+  <p:clrMapOvr>
+    <a:masterClrMapping/>
+  </p:clrMapOvr>
+</p:sld>
+</file>
+
+<file path=ppt/slides/slide7.xml><?xml version="1.0" encoding="utf-8"?>
+<p:sld xmlns:a="http://schemas.openxmlformats.org/drawingml/2006/main" xmlns:r="http://schemas.openxmlformats.org/officeDocument/2006/relationships" xmlns:p="http://schemas.openxmlformats.org/presentationml/2006/main">
+  <p:cSld>
+    <p:spTree>
+      <p:nvGrpSpPr>
+        <p:cNvPr id="1" name=""/>
+        <p:cNvGrpSpPr/>
+        <p:nvPr/>
+      </p:nvGrpSpPr>
+      <p:grpSpPr>
+        <a:xfrm>
+          <a:off x="0" y="0"/>
+          <a:ext cx="0" cy="0"/>
+          <a:chOff x="0" y="0"/>
+          <a:chExt cx="0" cy="0"/>
+        </a:xfrm>
+      </p:grpSpPr>
+      <p:pic>
+        <p:nvPicPr>
+          <p:cNvPr id="5" name="圖片 4">
+            <a:extLst>
+              <a:ext uri="{FF2B5EF4-FFF2-40B4-BE49-F238E27FC236}">
+                <a16:creationId xmlns:a16="http://schemas.microsoft.com/office/drawing/2014/main" id="{2F456E89-907E-4015-9183-2BFBFE769EE7}"/>
+              </a:ext>
+            </a:extLst>
+          </p:cNvPr>
+          <p:cNvPicPr>
+            <a:picLocks noChangeAspect="1"/>
+          </p:cNvPicPr>
           <p:nvPr/>
-        </p:nvSpPr>
-        <p:spPr bwMode="auto">
+        </p:nvPicPr>
+        <p:blipFill>
+          <a:blip r:embed="rId2">
+            <a:extLst>
+              <a:ext uri="{28A0092B-C50C-407E-A947-70E740481C1C}">
+                <a14:useLocalDpi xmlns:a14="http://schemas.microsoft.com/office/drawing/2010/main" val="0"/>
+              </a:ext>
+            </a:extLst>
+          </a:blip>
+          <a:stretch>
+            <a:fillRect/>
+          </a:stretch>
+        </p:blipFill>
+        <p:spPr>
           <a:xfrm>
-            <a:off x="189187" y="1103876"/>
-            <a:ext cx="1724831" cy="624786"/>
+            <a:off x="6604748" y="1546363"/>
+            <a:ext cx="5400000" cy="4050000"/>
+          </a:xfrm>
+          <a:prstGeom prst="rect">
+            <a:avLst/>
+          </a:prstGeom>
+        </p:spPr>
+      </p:pic>
+      <p:pic>
+        <p:nvPicPr>
+          <p:cNvPr id="7" name="圖片 6">
+            <a:extLst>
+              <a:ext uri="{FF2B5EF4-FFF2-40B4-BE49-F238E27FC236}">
+                <a16:creationId xmlns:a16="http://schemas.microsoft.com/office/drawing/2014/main" id="{325B17DB-1877-4740-8BFB-CEC934E6CA6D}"/>
+              </a:ext>
+            </a:extLst>
+          </p:cNvPr>
+          <p:cNvPicPr>
+            <a:picLocks noChangeAspect="1"/>
+          </p:cNvPicPr>
+          <p:nvPr/>
+        </p:nvPicPr>
+        <p:blipFill>
+          <a:blip r:embed="rId3">
+            <a:extLst>
+              <a:ext uri="{28A0092B-C50C-407E-A947-70E740481C1C}">
+                <a14:useLocalDpi xmlns:a14="http://schemas.microsoft.com/office/drawing/2010/main" val="0"/>
+              </a:ext>
+            </a:extLst>
+          </a:blip>
+          <a:stretch>
+            <a:fillRect/>
+          </a:stretch>
+        </p:blipFill>
+        <p:spPr>
+          <a:xfrm>
+            <a:off x="0" y="1546363"/>
+            <a:ext cx="5400000" cy="4050000"/>
+          </a:xfrm>
+          <a:prstGeom prst="rect">
+            <a:avLst/>
+          </a:prstGeom>
+        </p:spPr>
+      </p:pic>
+    </p:spTree>
+    <p:extLst>
+      <p:ext uri="{BB962C8B-B14F-4D97-AF65-F5344CB8AC3E}">
+        <p14:creationId xmlns:p14="http://schemas.microsoft.com/office/powerpoint/2010/main" val="1799494971"/>
+      </p:ext>
+    </p:extLst>
+  </p:cSld>
+  <p:clrMapOvr>
+    <a:masterClrMapping/>
+  </p:clrMapOvr>
+</p:sld>
+</file>
+
+<file path=ppt/slides/slide8.xml><?xml version="1.0" encoding="utf-8"?>
+<p:sld xmlns:a="http://schemas.openxmlformats.org/drawingml/2006/main" xmlns:r="http://schemas.openxmlformats.org/officeDocument/2006/relationships" xmlns:p="http://schemas.openxmlformats.org/presentationml/2006/main">
+  <p:cSld>
+    <p:spTree>
+      <p:nvGrpSpPr>
+        <p:cNvPr id="1" name=""/>
+        <p:cNvGrpSpPr/>
+        <p:nvPr/>
+      </p:nvGrpSpPr>
+      <p:grpSpPr>
+        <a:xfrm>
+          <a:off x="0" y="0"/>
+          <a:ext cx="0" cy="0"/>
+          <a:chOff x="0" y="0"/>
+          <a:chExt cx="0" cy="0"/>
+        </a:xfrm>
+      </p:grpSpPr>
+      <p:sp>
+        <p:nvSpPr>
+          <p:cNvPr id="2" name="矩形 1">
+            <a:extLst>
+              <a:ext uri="{FF2B5EF4-FFF2-40B4-BE49-F238E27FC236}">
+                <a16:creationId xmlns:a16="http://schemas.microsoft.com/office/drawing/2014/main" id="{869A156B-E7CD-4DD0-B16D-02AE6C6FAE09}"/>
+              </a:ext>
+            </a:extLst>
+          </p:cNvPr>
+          <p:cNvSpPr/>
+          <p:nvPr/>
+        </p:nvSpPr>
+        <p:spPr>
+          <a:xfrm>
+            <a:off x="0" y="1235871"/>
+            <a:ext cx="12192000" cy="5066452"/>
           </a:xfrm>
           <a:prstGeom prst="rect">
             <a:avLst/>
           </a:prstGeom>
           <a:solidFill>
-            <a:srgbClr val="F8F8F8"/>
+            <a:schemeClr val="tx1">
+              <a:lumMod val="65000"/>
+              <a:lumOff val="35000"/>
+            </a:schemeClr>
           </a:solidFill>
           <a:ln>
             <a:noFill/>
           </a:ln>
-          <a:effectLst/>
-          <a:extLst>
-            <a:ext uri="{91240B29-F687-4F45-9708-019B960494DF}">
-              <a14:hiddenLine xmlns:a14="http://schemas.microsoft.com/office/drawing/2010/main" w="9525">
-                <a:solidFill>
-                  <a:schemeClr val="tx1"/>
-                </a:solidFill>
-                <a:miter lim="800000"/>
-                <a:headEnd/>
-                <a:tailEnd/>
-              </a14:hiddenLine>
-            </a:ext>
-            <a:ext uri="{AF507438-7753-43E0-B8FC-AC1667EBCBE1}">
-              <a14:hiddenEffects xmlns:a14="http://schemas.microsoft.com/office/drawing/2010/main">
-                <a:effectLst>
-                  <a:outerShdw dist="35921" dir="2700000" algn="ctr" rotWithShape="0">
-                    <a:schemeClr val="bg2"/>
-                  </a:outerShdw>
-                </a:effectLst>
-              </a14:hiddenEffects>
-            </a:ext>
-          </a:extLst>
         </p:spPr>
-        <p:txBody>
-          <a:bodyPr vert="horz" wrap="none" lIns="0" tIns="0" rIns="0" bIns="0" numCol="1" anchor="ctr" anchorCtr="0" compatLnSpc="1">
-            <a:prstTxWarp prst="textNoShape">
-              <a:avLst/>
-            </a:prstTxWarp>
-            <a:spAutoFit/>
-          </a:bodyPr>
+        <p:style>
+          <a:lnRef idx="2">
+            <a:schemeClr val="dk1">
+              <a:shade val="50000"/>
+            </a:schemeClr>
+          </a:lnRef>
+          <a:fillRef idx="1">
+            <a:schemeClr val="dk1"/>
+          </a:fillRef>
+          <a:effectRef idx="0">
+            <a:schemeClr val="dk1"/>
+          </a:effectRef>
+          <a:fontRef idx="minor">
+            <a:schemeClr val="lt1"/>
+          </a:fontRef>
+        </p:style>
+        <p:txBody>
+          <a:bodyPr rtlCol="0" anchor="ctr"/>
           <a:lstStyle/>
           <a:p>
-            <a:pPr marL="0" marR="0" lvl="0" indent="0" algn="l" defTabSz="914400" rtl="0" eaLnBrk="0" fontAlgn="base" latinLnBrk="0" hangingPunct="0">
-              <a:lnSpc>
-                <a:spcPct val="100000"/>
-              </a:lnSpc>
-              <a:spcBef>
-                <a:spcPct val="30000"/>
-              </a:spcBef>
-              <a:spcAft>
-                <a:spcPct val="0"/>
-              </a:spcAft>
-              <a:buClrTx/>
-              <a:buSzTx/>
-              <a:buFontTx/>
-              <a:buNone/>
-              <a:tabLst/>
-            </a:pPr>
-            <a:r>
-              <a:rPr kumimoji="0" lang="zh-TW" altLang="zh-TW" sz="1000" b="1" i="0" u="none" strike="noStrike" cap="none" normalizeH="0" baseline="0" dirty="0">
-                <a:ln>
-                  <a:noFill/>
-                </a:ln>
-                <a:solidFill>
-                  <a:srgbClr val="008000"/>
-                </a:solidFill>
-                <a:effectLst/>
-                <a:latin typeface="Arial Unicode MS"/>
-                <a:ea typeface="Menlo"/>
-              </a:rPr>
-              <a:t>import</a:t>
-            </a:r>
-            <a:r>
-              <a:rPr kumimoji="0" lang="zh-TW" altLang="zh-TW" sz="1000" b="0" i="0" u="none" strike="noStrike" cap="none" normalizeH="0" baseline="0" dirty="0">
-                <a:ln>
-                  <a:noFill/>
-                </a:ln>
-                <a:solidFill>
-                  <a:srgbClr val="333333"/>
-                </a:solidFill>
-                <a:effectLst/>
-                <a:latin typeface="Arial Unicode MS"/>
-                <a:ea typeface="Menlo"/>
-              </a:rPr>
-              <a:t> </a:t>
-            </a:r>
-            <a:r>
-              <a:rPr kumimoji="0" lang="zh-TW" altLang="zh-TW" sz="1000" b="1" i="0" u="none" strike="noStrike" cap="none" normalizeH="0" baseline="0" dirty="0">
-                <a:ln>
-                  <a:noFill/>
-                </a:ln>
-                <a:solidFill>
-                  <a:srgbClr val="0000FF"/>
-                </a:solidFill>
-                <a:effectLst/>
-                <a:latin typeface="Arial Unicode MS"/>
-                <a:ea typeface="Menlo"/>
-              </a:rPr>
-              <a:t>nibabel</a:t>
-            </a:r>
-            <a:r>
-              <a:rPr kumimoji="0" lang="zh-TW" altLang="zh-TW" sz="1000" b="0" i="0" u="none" strike="noStrike" cap="none" normalizeH="0" baseline="0" dirty="0">
-                <a:ln>
-                  <a:noFill/>
-                </a:ln>
-                <a:solidFill>
-                  <a:srgbClr val="333333"/>
-                </a:solidFill>
-                <a:effectLst/>
-                <a:latin typeface="Arial Unicode MS"/>
-                <a:ea typeface="Menlo"/>
-              </a:rPr>
-              <a:t> </a:t>
-            </a:r>
-            <a:r>
-              <a:rPr kumimoji="0" lang="zh-TW" altLang="zh-TW" sz="1000" b="1" i="0" u="none" strike="noStrike" cap="none" normalizeH="0" baseline="0" dirty="0">
-                <a:ln>
-                  <a:noFill/>
-                </a:ln>
-                <a:solidFill>
-                  <a:srgbClr val="008000"/>
-                </a:solidFill>
-                <a:effectLst/>
-                <a:latin typeface="Arial Unicode MS"/>
-                <a:ea typeface="Menlo"/>
-              </a:rPr>
-              <a:t>as</a:t>
-            </a:r>
-            <a:r>
-              <a:rPr kumimoji="0" lang="zh-TW" altLang="zh-TW" sz="1000" b="0" i="0" u="none" strike="noStrike" cap="none" normalizeH="0" baseline="0" dirty="0">
-                <a:ln>
-                  <a:noFill/>
-                </a:ln>
-                <a:solidFill>
-                  <a:srgbClr val="333333"/>
-                </a:solidFill>
-                <a:effectLst/>
-                <a:latin typeface="Arial Unicode MS"/>
-                <a:ea typeface="Menlo"/>
-              </a:rPr>
-              <a:t> </a:t>
-            </a:r>
-            <a:r>
-              <a:rPr kumimoji="0" lang="zh-TW" altLang="zh-TW" sz="1200" b="0" i="0" u="none" strike="noStrike" cap="none" normalizeH="0" baseline="0" dirty="0">
-                <a:ln>
-                  <a:noFill/>
-                </a:ln>
-                <a:solidFill>
-                  <a:schemeClr val="tx1"/>
-                </a:solidFill>
-                <a:effectLst/>
-                <a:latin typeface="Arial" panose="020B0604020202020204" pitchFamily="34" charset="0"/>
-              </a:rPr>
-              <a:t>nib</a:t>
-            </a:r>
-            <a:r>
-              <a:rPr kumimoji="0" lang="zh-TW" altLang="zh-TW" sz="1000" b="0" i="0" u="none" strike="noStrike" cap="none" normalizeH="0" baseline="0" dirty="0">
-                <a:ln>
-                  <a:noFill/>
-                </a:ln>
-                <a:solidFill>
-                  <a:srgbClr val="333333"/>
-                </a:solidFill>
-                <a:effectLst/>
-                <a:latin typeface="Arial Unicode MS"/>
-                <a:ea typeface="Menlo"/>
-              </a:rPr>
-              <a:t> </a:t>
-            </a:r>
-            <a:endParaRPr kumimoji="0" lang="en-US" altLang="zh-TW" sz="1000" b="0" i="0" u="none" strike="noStrike" cap="none" normalizeH="0" baseline="0" dirty="0">
-              <a:ln>
-                <a:noFill/>
-              </a:ln>
-              <a:solidFill>
-                <a:srgbClr val="333333"/>
-              </a:solidFill>
-              <a:effectLst/>
-              <a:latin typeface="Arial Unicode MS"/>
-              <a:ea typeface="Menlo"/>
-            </a:endParaRPr>
-          </a:p>
-          <a:p>
-            <a:pPr marL="0" marR="0" lvl="0" indent="0" algn="l" defTabSz="914400" rtl="0" eaLnBrk="0" fontAlgn="base" latinLnBrk="0" hangingPunct="0">
-              <a:lnSpc>
-                <a:spcPct val="100000"/>
-              </a:lnSpc>
-              <a:spcBef>
-                <a:spcPct val="30000"/>
-              </a:spcBef>
-              <a:spcAft>
-                <a:spcPct val="0"/>
-              </a:spcAft>
-              <a:buClrTx/>
-              <a:buSzTx/>
-              <a:buFontTx/>
-              <a:buNone/>
-              <a:tabLst/>
-            </a:pPr>
-            <a:r>
-              <a:rPr kumimoji="0" lang="zh-TW" altLang="zh-TW" sz="1000" b="1" i="0" u="none" strike="noStrike" cap="none" normalizeH="0" baseline="0" dirty="0">
-                <a:ln>
-                  <a:noFill/>
-                </a:ln>
-                <a:solidFill>
-                  <a:srgbClr val="008000"/>
-                </a:solidFill>
-                <a:effectLst/>
-                <a:latin typeface="Arial Unicode MS"/>
-                <a:ea typeface="Menlo"/>
-              </a:rPr>
-              <a:t>import</a:t>
-            </a:r>
-            <a:r>
-              <a:rPr kumimoji="0" lang="zh-TW" altLang="zh-TW" sz="1000" b="0" i="0" u="none" strike="noStrike" cap="none" normalizeH="0" baseline="0" dirty="0">
-                <a:ln>
-                  <a:noFill/>
-                </a:ln>
-                <a:solidFill>
-                  <a:srgbClr val="333333"/>
-                </a:solidFill>
-                <a:effectLst/>
-                <a:latin typeface="Arial Unicode MS"/>
-                <a:ea typeface="Menlo"/>
-              </a:rPr>
-              <a:t> </a:t>
-            </a:r>
-            <a:r>
-              <a:rPr kumimoji="0" lang="zh-TW" altLang="zh-TW" sz="1000" b="1" i="0" u="none" strike="noStrike" cap="none" normalizeH="0" baseline="0" dirty="0">
-                <a:ln>
-                  <a:noFill/>
-                </a:ln>
-                <a:solidFill>
-                  <a:srgbClr val="0000FF"/>
-                </a:solidFill>
-                <a:effectLst/>
-                <a:latin typeface="Arial Unicode MS"/>
-                <a:ea typeface="Menlo"/>
-              </a:rPr>
-              <a:t>nilearn</a:t>
-            </a:r>
-            <a:r>
-              <a:rPr kumimoji="0" lang="zh-TW" altLang="zh-TW" sz="1000" b="0" i="0" u="none" strike="noStrike" cap="none" normalizeH="0" baseline="0" dirty="0">
-                <a:ln>
-                  <a:noFill/>
-                </a:ln>
-                <a:solidFill>
-                  <a:srgbClr val="333333"/>
-                </a:solidFill>
-                <a:effectLst/>
-                <a:latin typeface="Arial Unicode MS"/>
-                <a:ea typeface="Menlo"/>
-              </a:rPr>
-              <a:t> </a:t>
-            </a:r>
-            <a:endParaRPr kumimoji="0" lang="en-US" altLang="zh-TW" sz="1000" b="0" i="0" u="none" strike="noStrike" cap="none" normalizeH="0" baseline="0" dirty="0">
-              <a:ln>
-                <a:noFill/>
-              </a:ln>
-              <a:solidFill>
-                <a:srgbClr val="333333"/>
-              </a:solidFill>
-              <a:effectLst/>
-              <a:latin typeface="Arial Unicode MS"/>
-              <a:ea typeface="Menlo"/>
-            </a:endParaRPr>
-          </a:p>
-          <a:p>
-            <a:pPr marL="0" marR="0" lvl="0" indent="0" algn="l" defTabSz="914400" rtl="0" eaLnBrk="0" fontAlgn="base" latinLnBrk="0" hangingPunct="0">
-              <a:lnSpc>
-                <a:spcPct val="100000"/>
-              </a:lnSpc>
-              <a:spcBef>
-                <a:spcPct val="30000"/>
-              </a:spcBef>
-              <a:spcAft>
-                <a:spcPct val="0"/>
-              </a:spcAft>
-              <a:buClrTx/>
-              <a:buSzTx/>
-              <a:buFontTx/>
-              <a:buNone/>
-              <a:tabLst/>
-            </a:pPr>
-            <a:r>
-              <a:rPr kumimoji="0" lang="zh-TW" altLang="zh-TW" sz="1000" b="1" i="0" u="none" strike="noStrike" cap="none" normalizeH="0" baseline="0" dirty="0">
-                <a:ln>
-                  <a:noFill/>
-                </a:ln>
-                <a:solidFill>
-                  <a:srgbClr val="008000"/>
-                </a:solidFill>
-                <a:effectLst/>
-                <a:latin typeface="Arial Unicode MS"/>
-                <a:ea typeface="Menlo"/>
-              </a:rPr>
-              <a:t>from</a:t>
-            </a:r>
-            <a:r>
-              <a:rPr kumimoji="0" lang="zh-TW" altLang="zh-TW" sz="1000" b="0" i="0" u="none" strike="noStrike" cap="none" normalizeH="0" baseline="0" dirty="0">
-                <a:ln>
-                  <a:noFill/>
-                </a:ln>
-                <a:solidFill>
-                  <a:srgbClr val="333333"/>
-                </a:solidFill>
-                <a:effectLst/>
-                <a:latin typeface="Arial Unicode MS"/>
-                <a:ea typeface="Menlo"/>
-              </a:rPr>
-              <a:t> </a:t>
-            </a:r>
-            <a:r>
-              <a:rPr kumimoji="0" lang="zh-TW" altLang="zh-TW" sz="1000" b="1" i="0" u="none" strike="noStrike" cap="none" normalizeH="0" baseline="0" dirty="0">
-                <a:ln>
-                  <a:noFill/>
-                </a:ln>
-                <a:solidFill>
-                  <a:srgbClr val="0000FF"/>
-                </a:solidFill>
-                <a:effectLst/>
-                <a:latin typeface="Arial Unicode MS"/>
-                <a:ea typeface="Menlo"/>
-              </a:rPr>
-              <a:t>nilearn</a:t>
-            </a:r>
-            <a:r>
-              <a:rPr kumimoji="0" lang="zh-TW" altLang="zh-TW" sz="1000" b="0" i="0" u="none" strike="noStrike" cap="none" normalizeH="0" baseline="0" dirty="0">
-                <a:ln>
-                  <a:noFill/>
-                </a:ln>
-                <a:solidFill>
-                  <a:srgbClr val="333333"/>
-                </a:solidFill>
-                <a:effectLst/>
-                <a:latin typeface="Arial Unicode MS"/>
-                <a:ea typeface="Menlo"/>
-              </a:rPr>
-              <a:t> </a:t>
-            </a:r>
-            <a:r>
-              <a:rPr kumimoji="0" lang="zh-TW" altLang="zh-TW" sz="1000" b="1" i="0" u="none" strike="noStrike" cap="none" normalizeH="0" baseline="0" dirty="0">
-                <a:ln>
-                  <a:noFill/>
-                </a:ln>
-                <a:solidFill>
-                  <a:srgbClr val="008000"/>
-                </a:solidFill>
-                <a:effectLst/>
-                <a:latin typeface="Arial Unicode MS"/>
-                <a:ea typeface="Menlo"/>
-              </a:rPr>
-              <a:t>import</a:t>
-            </a:r>
-            <a:r>
-              <a:rPr kumimoji="0" lang="zh-TW" altLang="zh-TW" sz="1000" b="0" i="0" u="none" strike="noStrike" cap="none" normalizeH="0" baseline="0" dirty="0">
-                <a:ln>
-                  <a:noFill/>
-                </a:ln>
-                <a:solidFill>
-                  <a:srgbClr val="333333"/>
-                </a:solidFill>
-                <a:effectLst/>
-                <a:latin typeface="Arial Unicode MS"/>
-                <a:ea typeface="Menlo"/>
-              </a:rPr>
-              <a:t> </a:t>
-            </a:r>
-            <a:r>
-              <a:rPr kumimoji="0" lang="zh-TW" altLang="zh-TW" sz="1200" b="0" i="0" u="none" strike="noStrike" cap="none" normalizeH="0" baseline="0" dirty="0">
-                <a:ln>
-                  <a:noFill/>
-                </a:ln>
-                <a:solidFill>
-                  <a:schemeClr val="tx1"/>
-                </a:solidFill>
-                <a:effectLst/>
-                <a:latin typeface="Arial" panose="020B0604020202020204" pitchFamily="34" charset="0"/>
-              </a:rPr>
-              <a:t>plotting</a:t>
-            </a:r>
-            <a:r>
-              <a:rPr kumimoji="0" lang="zh-TW" altLang="zh-TW" sz="800" b="0" i="0" u="none" strike="noStrike" cap="none" normalizeH="0" baseline="0" dirty="0">
-                <a:ln>
-                  <a:noFill/>
-                </a:ln>
-                <a:solidFill>
-                  <a:schemeClr val="tx1"/>
-                </a:solidFill>
-                <a:effectLst/>
-              </a:rPr>
-              <a:t> </a:t>
-            </a:r>
-            <a:endParaRPr kumimoji="0" lang="zh-TW" altLang="zh-TW" sz="1800" b="0" i="0" u="none" strike="noStrike" cap="none" normalizeH="0" baseline="0" dirty="0">
-              <a:ln>
-                <a:noFill/>
-              </a:ln>
-              <a:solidFill>
-                <a:schemeClr val="tx1"/>
-              </a:solidFill>
-              <a:effectLst/>
-              <a:latin typeface="Arial" panose="020B0604020202020204" pitchFamily="34" charset="0"/>
-            </a:endParaRPr>
-          </a:p>
-        </p:txBody>
-      </p:sp>
-      <p:sp>
-        <p:nvSpPr>
-          <p:cNvPr id="6" name="矩形 5">
-            <a:extLst>
-              <a:ext uri="{FF2B5EF4-FFF2-40B4-BE49-F238E27FC236}">
-                <a16:creationId xmlns:a16="http://schemas.microsoft.com/office/drawing/2014/main" id="{FAEE7A00-2BD2-45C8-A608-E61776106D1C}"/>
-              </a:ext>
-            </a:extLst>
-          </p:cNvPr>
-          <p:cNvSpPr/>
+            <a:pPr algn="ctr"/>
+            <a:endParaRPr lang="zh-TW" altLang="en-US"/>
+          </a:p>
+        </p:txBody>
+      </p:sp>
+      <p:sp>
+        <p:nvSpPr>
+          <p:cNvPr id="3" name="標題 5">
+            <a:extLst>
+              <a:ext uri="{FF2B5EF4-FFF2-40B4-BE49-F238E27FC236}">
+                <a16:creationId xmlns:a16="http://schemas.microsoft.com/office/drawing/2014/main" id="{4DE574F6-3DA5-4669-A252-299633975C91}"/>
+              </a:ext>
+            </a:extLst>
+          </p:cNvPr>
+          <p:cNvSpPr txBox="1">
+            <a:spLocks/>
+          </p:cNvSpPr>
           <p:nvPr/>
         </p:nvSpPr>
         <p:spPr>
           <a:xfrm>
-            <a:off x="2791759" y="1046937"/>
-            <a:ext cx="2545312" cy="646331"/>
+            <a:off x="838203" y="486419"/>
+            <a:ext cx="8152623" cy="698776"/>
           </a:xfrm>
           <a:prstGeom prst="rect">
             <a:avLst/>
           </a:prstGeom>
         </p:spPr>
         <p:txBody>
-          <a:bodyPr wrap="none">
-            <a:spAutoFit/>
+          <a:bodyPr/>
+          <a:lstStyle>
+            <a:lvl1pPr algn="l" defTabSz="914400" rtl="0" eaLnBrk="1" latinLnBrk="0" hangingPunct="1">
+              <a:lnSpc>
+                <a:spcPct val="90000"/>
+              </a:lnSpc>
+              <a:spcBef>
+                <a:spcPct val="0"/>
+              </a:spcBef>
+              <a:buNone/>
+              <a:defRPr sz="4400" kern="1200">
+                <a:solidFill>
+                  <a:schemeClr val="tx1"/>
+                </a:solidFill>
+                <a:latin typeface="+mj-lt"/>
+                <a:ea typeface="+mj-ea"/>
+                <a:cs typeface="+mj-cs"/>
+              </a:defRPr>
+            </a:lvl1pPr>
+          </a:lstStyle>
+          <a:p>
+            <a:r>
+              <a:rPr lang="en-US" altLang="zh-TW" sz="4000" dirty="0">
+                <a:latin typeface="Times New Roman" panose="02020603050405020304" pitchFamily="18" charset="0"/>
+                <a:cs typeface="Times New Roman" panose="02020603050405020304" pitchFamily="18" charset="0"/>
+              </a:rPr>
+              <a:t>OUTLINE</a:t>
+            </a:r>
+            <a:endParaRPr lang="zh-TW" altLang="en-US" sz="4000" dirty="0">
+              <a:latin typeface="Times New Roman" panose="02020603050405020304" pitchFamily="18" charset="0"/>
+              <a:cs typeface="Times New Roman" panose="02020603050405020304" pitchFamily="18" charset="0"/>
+            </a:endParaRPr>
+          </a:p>
+        </p:txBody>
+      </p:sp>
+      <p:sp>
+        <p:nvSpPr>
+          <p:cNvPr id="4" name="內容版面配置區 6">
+            <a:extLst>
+              <a:ext uri="{FF2B5EF4-FFF2-40B4-BE49-F238E27FC236}">
+                <a16:creationId xmlns:a16="http://schemas.microsoft.com/office/drawing/2014/main" id="{F7DA8147-2308-469C-ADCA-6ABA4ED3A0FE}"/>
+              </a:ext>
+            </a:extLst>
+          </p:cNvPr>
+          <p:cNvSpPr txBox="1">
+            <a:spLocks/>
+          </p:cNvSpPr>
+          <p:nvPr/>
+        </p:nvSpPr>
+        <p:spPr>
+          <a:xfrm>
+            <a:off x="838203" y="1668379"/>
+            <a:ext cx="9848275" cy="4379495"/>
+          </a:xfrm>
+          <a:prstGeom prst="rect">
+            <a:avLst/>
+          </a:prstGeom>
+        </p:spPr>
+        <p:txBody>
+          <a:bodyPr>
+            <a:normAutofit/>
           </a:bodyPr>
-          <a:lstStyle/>
-          <a:p>
-            <a:r>
-              <a:rPr lang="en-US" altLang="zh-TW" dirty="0"/>
-              <a:t>pip install </a:t>
-            </a:r>
-            <a:r>
-              <a:rPr lang="en-US" altLang="zh-TW" dirty="0" err="1"/>
-              <a:t>nibabel</a:t>
-            </a:r>
-            <a:r>
-              <a:rPr lang="zh-TW" altLang="en-US" dirty="0"/>
-              <a:t> </a:t>
-            </a:r>
-            <a:r>
-              <a:rPr lang="en-US" altLang="zh-TW" dirty="0" err="1"/>
-              <a:t>nilearn</a:t>
-            </a:r>
-            <a:endParaRPr lang="en-US" altLang="zh-TW" dirty="0"/>
-          </a:p>
-          <a:p>
-            <a:endParaRPr lang="zh-TW" altLang="en-US" dirty="0"/>
+          <a:lstStyle>
+            <a:lvl1pPr marL="228600" indent="-228600" algn="l" defTabSz="914400" rtl="0" eaLnBrk="1" latinLnBrk="0" hangingPunct="1">
+              <a:lnSpc>
+                <a:spcPct val="90000"/>
+              </a:lnSpc>
+              <a:spcBef>
+                <a:spcPts val="1000"/>
+              </a:spcBef>
+              <a:buFont typeface="Arial" panose="020B0604020202020204" pitchFamily="34" charset="0"/>
+              <a:buChar char="•"/>
+              <a:defRPr sz="2800" kern="1200">
+                <a:solidFill>
+                  <a:schemeClr val="tx1"/>
+                </a:solidFill>
+                <a:latin typeface="+mn-lt"/>
+                <a:ea typeface="+mn-ea"/>
+                <a:cs typeface="+mn-cs"/>
+              </a:defRPr>
+            </a:lvl1pPr>
+            <a:lvl2pPr marL="685800" indent="-228600" algn="l" defTabSz="914400" rtl="0" eaLnBrk="1" latinLnBrk="0" hangingPunct="1">
+              <a:lnSpc>
+                <a:spcPct val="90000"/>
+              </a:lnSpc>
+              <a:spcBef>
+                <a:spcPts val="500"/>
+              </a:spcBef>
+              <a:buFont typeface="Arial" panose="020B0604020202020204" pitchFamily="34" charset="0"/>
+              <a:buChar char="•"/>
+              <a:defRPr sz="2400" kern="1200">
+                <a:solidFill>
+                  <a:schemeClr val="tx1"/>
+                </a:solidFill>
+                <a:latin typeface="+mn-lt"/>
+                <a:ea typeface="+mn-ea"/>
+                <a:cs typeface="+mn-cs"/>
+              </a:defRPr>
+            </a:lvl2pPr>
+            <a:lvl3pPr marL="1143000" indent="-228600" algn="l" defTabSz="914400" rtl="0" eaLnBrk="1" latinLnBrk="0" hangingPunct="1">
+              <a:lnSpc>
+                <a:spcPct val="90000"/>
+              </a:lnSpc>
+              <a:spcBef>
+                <a:spcPts val="500"/>
+              </a:spcBef>
+              <a:buFont typeface="Arial" panose="020B0604020202020204" pitchFamily="34" charset="0"/>
+              <a:buChar char="•"/>
+              <a:defRPr sz="2000" kern="1200">
+                <a:solidFill>
+                  <a:schemeClr val="tx1"/>
+                </a:solidFill>
+                <a:latin typeface="+mn-lt"/>
+                <a:ea typeface="+mn-ea"/>
+                <a:cs typeface="+mn-cs"/>
+              </a:defRPr>
+            </a:lvl3pPr>
+            <a:lvl4pPr marL="1600200" indent="-228600" algn="l" defTabSz="914400" rtl="0" eaLnBrk="1" latinLnBrk="0" hangingPunct="1">
+              <a:lnSpc>
+                <a:spcPct val="90000"/>
+              </a:lnSpc>
+              <a:spcBef>
+                <a:spcPts val="500"/>
+              </a:spcBef>
+              <a:buFont typeface="Arial" panose="020B0604020202020204" pitchFamily="34" charset="0"/>
+              <a:buChar char="•"/>
+              <a:defRPr sz="1800" kern="1200">
+                <a:solidFill>
+                  <a:schemeClr val="tx1"/>
+                </a:solidFill>
+                <a:latin typeface="+mn-lt"/>
+                <a:ea typeface="+mn-ea"/>
+                <a:cs typeface="+mn-cs"/>
+              </a:defRPr>
+            </a:lvl4pPr>
+            <a:lvl5pPr marL="2057400" indent="-228600" algn="l" defTabSz="914400" rtl="0" eaLnBrk="1" latinLnBrk="0" hangingPunct="1">
+              <a:lnSpc>
+                <a:spcPct val="90000"/>
+              </a:lnSpc>
+              <a:spcBef>
+                <a:spcPts val="500"/>
+              </a:spcBef>
+              <a:buFont typeface="Arial" panose="020B0604020202020204" pitchFamily="34" charset="0"/>
+              <a:buChar char="•"/>
+              <a:defRPr sz="1800" kern="1200">
+                <a:solidFill>
+                  <a:schemeClr val="tx1"/>
+                </a:solidFill>
+                <a:latin typeface="+mn-lt"/>
+                <a:ea typeface="+mn-ea"/>
+                <a:cs typeface="+mn-cs"/>
+              </a:defRPr>
+            </a:lvl5pPr>
+            <a:lvl6pPr marL="2514600" indent="-228600" algn="l" defTabSz="914400" rtl="0" eaLnBrk="1" latinLnBrk="0" hangingPunct="1">
+              <a:lnSpc>
+                <a:spcPct val="90000"/>
+              </a:lnSpc>
+              <a:spcBef>
+                <a:spcPts val="500"/>
+              </a:spcBef>
+              <a:buFont typeface="Arial" panose="020B0604020202020204" pitchFamily="34" charset="0"/>
+              <a:buChar char="•"/>
+              <a:defRPr sz="1800" kern="1200">
+                <a:solidFill>
+                  <a:schemeClr val="tx1"/>
+                </a:solidFill>
+                <a:latin typeface="+mn-lt"/>
+                <a:ea typeface="+mn-ea"/>
+                <a:cs typeface="+mn-cs"/>
+              </a:defRPr>
+            </a:lvl6pPr>
+            <a:lvl7pPr marL="2971800" indent="-228600" algn="l" defTabSz="914400" rtl="0" eaLnBrk="1" latinLnBrk="0" hangingPunct="1">
+              <a:lnSpc>
+                <a:spcPct val="90000"/>
+              </a:lnSpc>
+              <a:spcBef>
+                <a:spcPts val="500"/>
+              </a:spcBef>
+              <a:buFont typeface="Arial" panose="020B0604020202020204" pitchFamily="34" charset="0"/>
+              <a:buChar char="•"/>
+              <a:defRPr sz="1800" kern="1200">
+                <a:solidFill>
+                  <a:schemeClr val="tx1"/>
+                </a:solidFill>
+                <a:latin typeface="+mn-lt"/>
+                <a:ea typeface="+mn-ea"/>
+                <a:cs typeface="+mn-cs"/>
+              </a:defRPr>
+            </a:lvl7pPr>
+            <a:lvl8pPr marL="3429000" indent="-228600" algn="l" defTabSz="914400" rtl="0" eaLnBrk="1" latinLnBrk="0" hangingPunct="1">
+              <a:lnSpc>
+                <a:spcPct val="90000"/>
+              </a:lnSpc>
+              <a:spcBef>
+                <a:spcPts val="500"/>
+              </a:spcBef>
+              <a:buFont typeface="Arial" panose="020B0604020202020204" pitchFamily="34" charset="0"/>
+              <a:buChar char="•"/>
+              <a:defRPr sz="1800" kern="1200">
+                <a:solidFill>
+                  <a:schemeClr val="tx1"/>
+                </a:solidFill>
+                <a:latin typeface="+mn-lt"/>
+                <a:ea typeface="+mn-ea"/>
+                <a:cs typeface="+mn-cs"/>
+              </a:defRPr>
+            </a:lvl8pPr>
+            <a:lvl9pPr marL="3886200" indent="-228600" algn="l" defTabSz="914400" rtl="0" eaLnBrk="1" latinLnBrk="0" hangingPunct="1">
+              <a:lnSpc>
+                <a:spcPct val="90000"/>
+              </a:lnSpc>
+              <a:spcBef>
+                <a:spcPts val="500"/>
+              </a:spcBef>
+              <a:buFont typeface="Arial" panose="020B0604020202020204" pitchFamily="34" charset="0"/>
+              <a:buChar char="•"/>
+              <a:defRPr sz="1800" kern="1200">
+                <a:solidFill>
+                  <a:schemeClr val="tx1"/>
+                </a:solidFill>
+                <a:latin typeface="+mn-lt"/>
+                <a:ea typeface="+mn-ea"/>
+                <a:cs typeface="+mn-cs"/>
+              </a:defRPr>
+            </a:lvl9pPr>
+          </a:lstStyle>
+          <a:p>
+            <a:pPr>
+              <a:buFont typeface="Wingdings" panose="05000000000000000000" pitchFamily="2" charset="2"/>
+              <a:buChar char="l"/>
+            </a:pPr>
+            <a:r>
+              <a:rPr lang="en-US" altLang="zh-TW" sz="2400" dirty="0">
+                <a:latin typeface="Times New Roman" panose="02020603050405020304" pitchFamily="18" charset="0"/>
+                <a:ea typeface="微軟正黑體" panose="020B0604030504040204" pitchFamily="34" charset="-120"/>
+                <a:cs typeface="Times New Roman" panose="02020603050405020304" pitchFamily="18" charset="0"/>
+              </a:rPr>
+              <a:t>EX2.1 Simulate The Timing of </a:t>
+            </a:r>
+            <a:r>
+              <a:rPr lang="en-US" altLang="zh-TW" sz="2400" dirty="0" err="1">
+                <a:latin typeface="Times New Roman" panose="02020603050405020304" pitchFamily="18" charset="0"/>
+                <a:ea typeface="微軟正黑體" panose="020B0604030504040204" pitchFamily="34" charset="-120"/>
+                <a:cs typeface="Times New Roman" panose="02020603050405020304" pitchFamily="18" charset="0"/>
+              </a:rPr>
+              <a:t>Mxy</a:t>
+            </a:r>
+            <a:r>
+              <a:rPr lang="en-US" altLang="zh-TW" sz="2400" dirty="0">
+                <a:latin typeface="Times New Roman" panose="02020603050405020304" pitchFamily="18" charset="0"/>
+                <a:ea typeface="微軟正黑體" panose="020B0604030504040204" pitchFamily="34" charset="-120"/>
+                <a:cs typeface="Times New Roman" panose="02020603050405020304" pitchFamily="18" charset="0"/>
+              </a:rPr>
+              <a:t> and </a:t>
+            </a:r>
+            <a:r>
+              <a:rPr lang="en-US" altLang="zh-TW" sz="2400" dirty="0" err="1">
+                <a:latin typeface="Times New Roman" panose="02020603050405020304" pitchFamily="18" charset="0"/>
+                <a:ea typeface="微軟正黑體" panose="020B0604030504040204" pitchFamily="34" charset="-120"/>
+                <a:cs typeface="Times New Roman" panose="02020603050405020304" pitchFamily="18" charset="0"/>
+              </a:rPr>
+              <a:t>Mz</a:t>
+            </a:r>
+            <a:endParaRPr lang="zh-TW" altLang="en-US" sz="2400" dirty="0">
+              <a:latin typeface="Times New Roman" panose="02020603050405020304" pitchFamily="18" charset="0"/>
+              <a:ea typeface="微軟正黑體" panose="020B0604030504040204" pitchFamily="34" charset="-120"/>
+              <a:cs typeface="Times New Roman" panose="02020603050405020304" pitchFamily="18" charset="0"/>
+            </a:endParaRPr>
+          </a:p>
+          <a:p>
+            <a:pPr lvl="1"/>
+            <a:r>
+              <a:rPr lang="en-US" altLang="zh-TW" sz="2000" dirty="0">
+                <a:latin typeface="Times New Roman" panose="02020603050405020304" pitchFamily="18" charset="0"/>
+                <a:ea typeface="微軟正黑體" panose="020B0604030504040204" pitchFamily="34" charset="-120"/>
+                <a:cs typeface="Times New Roman" panose="02020603050405020304" pitchFamily="18" charset="0"/>
+              </a:rPr>
+              <a:t>Introduction </a:t>
+            </a:r>
+          </a:p>
+          <a:p>
+            <a:pPr lvl="1"/>
+            <a:r>
+              <a:rPr lang="en-US" altLang="zh-TW" sz="2000" dirty="0">
+                <a:latin typeface="Times New Roman" panose="02020603050405020304" pitchFamily="18" charset="0"/>
+                <a:ea typeface="微軟正黑體" panose="020B0604030504040204" pitchFamily="34" charset="-120"/>
+                <a:cs typeface="Times New Roman" panose="02020603050405020304" pitchFamily="18" charset="0"/>
+              </a:rPr>
+              <a:t>Method </a:t>
+            </a:r>
+          </a:p>
+          <a:p>
+            <a:pPr lvl="1"/>
+            <a:r>
+              <a:rPr lang="en-US" altLang="zh-TW" sz="2000" dirty="0">
+                <a:latin typeface="Times New Roman" panose="02020603050405020304" pitchFamily="18" charset="0"/>
+                <a:cs typeface="Times New Roman" panose="02020603050405020304" pitchFamily="18" charset="0"/>
+              </a:rPr>
+              <a:t>Experimental Results</a:t>
+            </a:r>
+          </a:p>
+          <a:p>
+            <a:pPr>
+              <a:buFont typeface="Wingdings" panose="05000000000000000000" pitchFamily="2" charset="2"/>
+              <a:buChar char="l"/>
+            </a:pPr>
+            <a:r>
+              <a:rPr lang="en-US" altLang="zh-TW" sz="2400" dirty="0">
+                <a:solidFill>
+                  <a:schemeClr val="bg2"/>
+                </a:solidFill>
+                <a:latin typeface="Times New Roman" panose="02020603050405020304" pitchFamily="18" charset="0"/>
+                <a:ea typeface="微軟正黑體" panose="020B0604030504040204" pitchFamily="34" charset="-120"/>
+                <a:cs typeface="Times New Roman" panose="02020603050405020304" pitchFamily="18" charset="0"/>
+              </a:rPr>
+              <a:t>EX2.2  The Maximum MRI Image Brightness</a:t>
+            </a:r>
+            <a:endParaRPr lang="zh-TW" altLang="en-US" sz="2400" dirty="0">
+              <a:solidFill>
+                <a:schemeClr val="bg2"/>
+              </a:solidFill>
+              <a:latin typeface="Times New Roman" panose="02020603050405020304" pitchFamily="18" charset="0"/>
+              <a:ea typeface="微軟正黑體" panose="020B0604030504040204" pitchFamily="34" charset="-120"/>
+              <a:cs typeface="Times New Roman" panose="02020603050405020304" pitchFamily="18" charset="0"/>
+            </a:endParaRPr>
+          </a:p>
+          <a:p>
+            <a:pPr lvl="1"/>
+            <a:r>
+              <a:rPr lang="en-US" altLang="zh-TW" sz="2000" dirty="0">
+                <a:latin typeface="Times New Roman" panose="02020603050405020304" pitchFamily="18" charset="0"/>
+                <a:ea typeface="微軟正黑體" panose="020B0604030504040204" pitchFamily="34" charset="-120"/>
+                <a:cs typeface="Times New Roman" panose="02020603050405020304" pitchFamily="18" charset="0"/>
+              </a:rPr>
+              <a:t>Introduction </a:t>
+            </a:r>
+          </a:p>
+          <a:p>
+            <a:pPr lvl="1"/>
+            <a:r>
+              <a:rPr lang="en-US" altLang="zh-TW" sz="2000" dirty="0">
+                <a:latin typeface="Times New Roman" panose="02020603050405020304" pitchFamily="18" charset="0"/>
+                <a:ea typeface="微軟正黑體" panose="020B0604030504040204" pitchFamily="34" charset="-120"/>
+                <a:cs typeface="Times New Roman" panose="02020603050405020304" pitchFamily="18" charset="0"/>
+              </a:rPr>
+              <a:t>Method </a:t>
+            </a:r>
+          </a:p>
+          <a:p>
+            <a:pPr lvl="1"/>
+            <a:r>
+              <a:rPr lang="en-US" altLang="zh-TW" sz="2000" dirty="0">
+                <a:latin typeface="Times New Roman" panose="02020603050405020304" pitchFamily="18" charset="0"/>
+                <a:cs typeface="Times New Roman" panose="02020603050405020304" pitchFamily="18" charset="0"/>
+              </a:rPr>
+              <a:t>Experimental Results</a:t>
+            </a:r>
+            <a:endParaRPr lang="en-US" altLang="zh-TW" sz="2000" dirty="0">
+              <a:latin typeface="Times New Roman" panose="02020603050405020304" pitchFamily="18" charset="0"/>
+              <a:ea typeface="微軟正黑體" panose="020B0604030504040204" pitchFamily="34" charset="-120"/>
+              <a:cs typeface="Times New Roman" panose="02020603050405020304" pitchFamily="18" charset="0"/>
+            </a:endParaRPr>
+          </a:p>
+          <a:p>
+            <a:pPr>
+              <a:buFont typeface="Wingdings" panose="05000000000000000000" pitchFamily="2" charset="2"/>
+              <a:buChar char="l"/>
+            </a:pPr>
+            <a:r>
+              <a:rPr lang="en-US" altLang="zh-TW" sz="2400" dirty="0">
+                <a:latin typeface="Times New Roman" panose="02020603050405020304" pitchFamily="18" charset="0"/>
+                <a:ea typeface="微軟正黑體" panose="020B0604030504040204" pitchFamily="34" charset="-120"/>
+                <a:cs typeface="Times New Roman" panose="02020603050405020304" pitchFamily="18" charset="0"/>
+              </a:rPr>
+              <a:t>EX2.3 Subcortical Structures</a:t>
+            </a:r>
+            <a:endParaRPr lang="zh-TW" altLang="en-US" sz="2400" dirty="0">
+              <a:latin typeface="Times New Roman" panose="02020603050405020304" pitchFamily="18" charset="0"/>
+              <a:ea typeface="微軟正黑體" panose="020B0604030504040204" pitchFamily="34" charset="-120"/>
+              <a:cs typeface="Times New Roman" panose="02020603050405020304" pitchFamily="18" charset="0"/>
+            </a:endParaRPr>
+          </a:p>
+          <a:p>
+            <a:pPr lvl="1"/>
+            <a:r>
+              <a:rPr lang="en-US" altLang="zh-TW" sz="2000" dirty="0">
+                <a:latin typeface="Times New Roman" panose="02020603050405020304" pitchFamily="18" charset="0"/>
+                <a:ea typeface="微軟正黑體" panose="020B0604030504040204" pitchFamily="34" charset="-120"/>
+                <a:cs typeface="Times New Roman" panose="02020603050405020304" pitchFamily="18" charset="0"/>
+              </a:rPr>
+              <a:t>Introduction </a:t>
+            </a:r>
+          </a:p>
+          <a:p>
+            <a:pPr lvl="1"/>
+            <a:r>
+              <a:rPr lang="en-US" altLang="zh-TW" sz="2000" dirty="0">
+                <a:latin typeface="Times New Roman" panose="02020603050405020304" pitchFamily="18" charset="0"/>
+                <a:ea typeface="微軟正黑體" panose="020B0604030504040204" pitchFamily="34" charset="-120"/>
+                <a:cs typeface="Times New Roman" panose="02020603050405020304" pitchFamily="18" charset="0"/>
+              </a:rPr>
+              <a:t>Method </a:t>
+            </a:r>
+          </a:p>
+          <a:p>
+            <a:pPr lvl="1"/>
+            <a:r>
+              <a:rPr lang="en-US" altLang="zh-TW" sz="2000" dirty="0">
+                <a:latin typeface="Times New Roman" panose="02020603050405020304" pitchFamily="18" charset="0"/>
+                <a:cs typeface="Times New Roman" panose="02020603050405020304" pitchFamily="18" charset="0"/>
+              </a:rPr>
+              <a:t>Experimental Results</a:t>
+            </a:r>
+            <a:endParaRPr lang="en-US" altLang="zh-TW" sz="2000" dirty="0">
+              <a:latin typeface="Times New Roman" panose="02020603050405020304" pitchFamily="18" charset="0"/>
+              <a:ea typeface="微軟正黑體" panose="020B0604030504040204" pitchFamily="34" charset="-120"/>
+              <a:cs typeface="Times New Roman" panose="02020603050405020304" pitchFamily="18" charset="0"/>
+            </a:endParaRPr>
+          </a:p>
+          <a:p>
+            <a:pPr marL="457200" lvl="1" indent="0">
+              <a:buNone/>
+            </a:pPr>
+            <a:endParaRPr lang="en-US" altLang="zh-TW" sz="2000" dirty="0">
+              <a:latin typeface="Times New Roman" panose="02020603050405020304" pitchFamily="18" charset="0"/>
+              <a:ea typeface="微軟正黑體" panose="020B0604030504040204" pitchFamily="34" charset="-120"/>
+              <a:cs typeface="Times New Roman" panose="02020603050405020304" pitchFamily="18" charset="0"/>
+            </a:endParaRPr>
           </a:p>
         </p:txBody>
       </p:sp>
       <p:pic>
         <p:nvPicPr>
-          <p:cNvPr id="1031" name="Picture 7" descr="https://ggseg.github.io/ggsegExtra/articles/figures/aseg2_second.png">
-            <a:extLst>
-              <a:ext uri="{FF2B5EF4-FFF2-40B4-BE49-F238E27FC236}">
-                <a16:creationId xmlns:a16="http://schemas.microsoft.com/office/drawing/2014/main" id="{373BF125-DB7B-40A0-B4B7-0ED30612435A}"/>
+          <p:cNvPr id="5" name="圖片 4">
+            <a:extLst>
+              <a:ext uri="{FF2B5EF4-FFF2-40B4-BE49-F238E27FC236}">
+                <a16:creationId xmlns:a16="http://schemas.microsoft.com/office/drawing/2014/main" id="{E118EE2E-497C-41F3-A690-F6BB9CC2CF0A}"/>
               </a:ext>
             </a:extLst>
           </p:cNvPr>
           <p:cNvPicPr>
-            <a:picLocks noChangeAspect="1" noChangeArrowheads="1"/>
+            <a:picLocks noChangeAspect="1"/>
           </p:cNvPicPr>
           <p:nvPr/>
         </p:nvPicPr>
         <p:blipFill>
-          <a:blip r:embed="rId2">
+          <a:blip r:embed="rId2" cstate="hqprint">
             <a:extLst>
               <a:ext uri="{28A0092B-C50C-407E-A947-70E740481C1C}">
                 <a14:useLocalDpi xmlns:a14="http://schemas.microsoft.com/office/drawing/2010/main" val="0"/>
               </a:ext>
             </a:extLst>
           </a:blip>
-          <a:srcRect/>
           <a:stretch>
             <a:fillRect/>
           </a:stretch>
         </p:blipFill>
-        <p:spPr bwMode="auto">
+        <p:spPr>
           <a:xfrm>
-            <a:off x="4904389" y="3074176"/>
-            <a:ext cx="7260020" cy="3783824"/>
+            <a:off x="9690756" y="6302326"/>
+            <a:ext cx="2580675" cy="555677"/>
+          </a:xfrm>
+          <a:prstGeom prst="rect">
+            <a:avLst/>
+          </a:prstGeom>
+        </p:spPr>
+      </p:pic>
+      <p:sp>
+        <p:nvSpPr>
+          <p:cNvPr id="6" name="投影片編號版面配置區 15">
+            <a:extLst>
+              <a:ext uri="{FF2B5EF4-FFF2-40B4-BE49-F238E27FC236}">
+                <a16:creationId xmlns:a16="http://schemas.microsoft.com/office/drawing/2014/main" id="{2C49D74E-99F8-4333-AA0B-7B4A6BA3B2FD}"/>
+              </a:ext>
+            </a:extLst>
+          </p:cNvPr>
+          <p:cNvSpPr>
+            <a:spLocks noGrp="1"/>
+          </p:cNvSpPr>
+          <p:nvPr>
+            <p:ph type="sldNum" sz="quarter" idx="12"/>
+          </p:nvPr>
+        </p:nvSpPr>
+        <p:spPr>
+          <a:xfrm>
+            <a:off x="4724400" y="6356350"/>
+            <a:ext cx="2743200" cy="365125"/>
+          </a:xfrm>
+        </p:spPr>
+        <p:txBody>
+          <a:bodyPr/>
+          <a:lstStyle/>
+          <a:p>
+            <a:fld id="{87B71CD7-7F58-4993-8193-E254A51C09DA}" type="slidenum">
+              <a:rPr lang="zh-TW" altLang="en-US" smtClean="0"/>
+              <a:t>8</a:t>
+            </a:fld>
+            <a:endParaRPr lang="zh-TW" altLang="en-US"/>
+          </a:p>
+        </p:txBody>
+      </p:sp>
+    </p:spTree>
+    <p:extLst>
+      <p:ext uri="{BB962C8B-B14F-4D97-AF65-F5344CB8AC3E}">
+        <p14:creationId xmlns:p14="http://schemas.microsoft.com/office/powerpoint/2010/main" val="873114666"/>
+      </p:ext>
+    </p:extLst>
+  </p:cSld>
+  <p:clrMapOvr>
+    <a:masterClrMapping/>
+  </p:clrMapOvr>
+</p:sld>
+</file>
+
+<file path=ppt/slides/slide9.xml><?xml version="1.0" encoding="utf-8"?>
+<p:sld xmlns:a="http://schemas.openxmlformats.org/drawingml/2006/main" xmlns:r="http://schemas.openxmlformats.org/officeDocument/2006/relationships" xmlns:p="http://schemas.openxmlformats.org/presentationml/2006/main">
+  <p:cSld>
+    <p:spTree>
+      <p:nvGrpSpPr>
+        <p:cNvPr id="1" name=""/>
+        <p:cNvGrpSpPr/>
+        <p:nvPr/>
+      </p:nvGrpSpPr>
+      <p:grpSpPr>
+        <a:xfrm>
+          <a:off x="0" y="0"/>
+          <a:ext cx="0" cy="0"/>
+          <a:chOff x="0" y="0"/>
+          <a:chExt cx="0" cy="0"/>
+        </a:xfrm>
+      </p:grpSpPr>
+      <p:sp>
+        <p:nvSpPr>
+          <p:cNvPr id="4" name="文字方塊 3">
+            <a:extLst>
+              <a:ext uri="{FF2B5EF4-FFF2-40B4-BE49-F238E27FC236}">
+                <a16:creationId xmlns:a16="http://schemas.microsoft.com/office/drawing/2014/main" id="{6C764490-066C-4E28-AB74-4D267CBB7B20}"/>
+              </a:ext>
+            </a:extLst>
+          </p:cNvPr>
+          <p:cNvSpPr txBox="1"/>
+          <p:nvPr/>
+        </p:nvSpPr>
+        <p:spPr>
+          <a:xfrm>
+            <a:off x="341722" y="418649"/>
+            <a:ext cx="6094428" cy="523220"/>
           </a:xfrm>
           <a:prstGeom prst="rect">
             <a:avLst/>
           </a:prstGeom>
           <a:noFill/>
-          <a:extLst>
-            <a:ext uri="{909E8E84-426E-40DD-AFC4-6F175D3DCCD1}">
-              <a14:hiddenFill xmlns:a14="http://schemas.microsoft.com/office/drawing/2010/main">
-                <a:solidFill>
-                  <a:srgbClr val="FFFFFF"/>
-                </a:solidFill>
-              </a14:hiddenFill>
-            </a:ext>
-          </a:extLst>
         </p:spPr>
-      </p:pic>
-      <p:sp>
-        <p:nvSpPr>
-          <p:cNvPr id="10" name="矩形 9">
-            <a:extLst>
-              <a:ext uri="{FF2B5EF4-FFF2-40B4-BE49-F238E27FC236}">
-                <a16:creationId xmlns:a16="http://schemas.microsoft.com/office/drawing/2014/main" id="{E2AFB88F-3A5B-43B5-9FF6-CDAA4A66D53A}"/>
-              </a:ext>
-            </a:extLst>
-          </p:cNvPr>
-          <p:cNvSpPr/>
+        <p:txBody>
+          <a:bodyPr wrap="square">
+            <a:spAutoFit/>
+          </a:bodyPr>
+          <a:lstStyle/>
+          <a:p>
+            <a:r>
+              <a:rPr lang="en-US" altLang="zh-TW" sz="2800" dirty="0"/>
+              <a:t>Exhaustive method</a:t>
+            </a:r>
+            <a:endParaRPr lang="zh-TW" altLang="en-US" sz="2800" dirty="0"/>
+          </a:p>
+        </p:txBody>
+      </p:sp>
+      <p:sp>
+        <p:nvSpPr>
+          <p:cNvPr id="6" name="文字方塊 5">
+            <a:extLst>
+              <a:ext uri="{FF2B5EF4-FFF2-40B4-BE49-F238E27FC236}">
+                <a16:creationId xmlns:a16="http://schemas.microsoft.com/office/drawing/2014/main" id="{BC3B6890-902C-4B60-B446-109AABC7CCEE}"/>
+              </a:ext>
+            </a:extLst>
+          </p:cNvPr>
+          <p:cNvSpPr txBox="1"/>
           <p:nvPr/>
         </p:nvSpPr>
         <p:spPr>
           <a:xfrm>
-            <a:off x="115613" y="583817"/>
-            <a:ext cx="8050924" cy="369332"/>
+            <a:off x="341722" y="1265624"/>
+            <a:ext cx="6094428" cy="2031325"/>
           </a:xfrm>
           <a:prstGeom prst="rect">
             <a:avLst/>
           </a:prstGeom>
+          <a:noFill/>
         </p:spPr>
         <p:txBody>
           <a:bodyPr wrap="square">
@@ -5621,8 +8613,391 @@
           <a:lstStyle/>
           <a:p>
             <a:r>
-              <a:rPr lang="zh-TW" altLang="en-US" dirty="0"/>
-              <a:t>https://github.com/ggseg/python-ggseg/blob/main/doc/ggseg.ipynb</a:t>
+              <a:rPr lang="en-US" altLang="zh-TW" b="0" i="0" u="none" strike="noStrike" dirty="0">
+                <a:solidFill>
+                  <a:srgbClr val="008013"/>
+                </a:solidFill>
+                <a:effectLst/>
+                <a:latin typeface="Menlo"/>
+              </a:rPr>
+              <a:t>% Setting initial values</a:t>
+            </a:r>
+            <a:endParaRPr lang="en-US" altLang="zh-TW" b="0" i="0" dirty="0">
+              <a:solidFill>
+                <a:srgbClr val="212121"/>
+              </a:solidFill>
+              <a:effectLst/>
+              <a:latin typeface="Menlo"/>
+            </a:endParaRPr>
+          </a:p>
+          <a:p>
+            <a:r>
+              <a:rPr lang="en-US" altLang="zh-TW" b="0" i="0" dirty="0" err="1">
+                <a:solidFill>
+                  <a:srgbClr val="212121"/>
+                </a:solidFill>
+                <a:effectLst/>
+                <a:latin typeface="Menlo"/>
+              </a:rPr>
+              <a:t>clear;clc</a:t>
+            </a:r>
+            <a:r>
+              <a:rPr lang="en-US" altLang="zh-TW" b="0" i="0" dirty="0">
+                <a:solidFill>
+                  <a:srgbClr val="212121"/>
+                </a:solidFill>
+                <a:effectLst/>
+                <a:latin typeface="Menlo"/>
+              </a:rPr>
+              <a:t>;</a:t>
+            </a:r>
+          </a:p>
+          <a:p>
+            <a:r>
+              <a:rPr lang="en-US" altLang="zh-TW" b="0" i="0" dirty="0">
+                <a:solidFill>
+                  <a:srgbClr val="212121"/>
+                </a:solidFill>
+                <a:effectLst/>
+                <a:latin typeface="Menlo"/>
+              </a:rPr>
+              <a:t>TR = 100;</a:t>
+            </a:r>
+          </a:p>
+          <a:p>
+            <a:r>
+              <a:rPr lang="en-US" altLang="zh-TW" b="0" i="0" dirty="0">
+                <a:solidFill>
+                  <a:srgbClr val="212121"/>
+                </a:solidFill>
+                <a:effectLst/>
+                <a:latin typeface="Menlo"/>
+              </a:rPr>
+              <a:t>T2_dephasing = 50;</a:t>
+            </a:r>
+          </a:p>
+          <a:p>
+            <a:r>
+              <a:rPr lang="en-US" altLang="zh-TW" b="0" i="0" dirty="0">
+                <a:solidFill>
+                  <a:srgbClr val="212121"/>
+                </a:solidFill>
+                <a:effectLst/>
+                <a:latin typeface="Menlo"/>
+              </a:rPr>
+              <a:t>n=91;</a:t>
+            </a:r>
+          </a:p>
+          <a:p>
+            <a:r>
+              <a:rPr lang="en-US" altLang="zh-TW" b="0" i="0" dirty="0">
+                <a:solidFill>
+                  <a:srgbClr val="212121"/>
+                </a:solidFill>
+                <a:effectLst/>
+                <a:latin typeface="Menlo"/>
+              </a:rPr>
+              <a:t>TE = 5;</a:t>
+            </a:r>
+          </a:p>
+          <a:p>
+            <a:r>
+              <a:rPr lang="en-US" altLang="zh-TW" b="0" i="0" dirty="0">
+                <a:solidFill>
+                  <a:srgbClr val="212121"/>
+                </a:solidFill>
+                <a:effectLst/>
+                <a:latin typeface="Menlo"/>
+              </a:rPr>
+              <a:t>Alpha = </a:t>
+            </a:r>
+            <a:r>
+              <a:rPr lang="en-US" altLang="zh-TW" b="0" i="0" dirty="0" err="1">
+                <a:solidFill>
+                  <a:srgbClr val="212121"/>
+                </a:solidFill>
+                <a:effectLst/>
+                <a:latin typeface="Menlo"/>
+              </a:rPr>
+              <a:t>linspace</a:t>
+            </a:r>
+            <a:r>
+              <a:rPr lang="en-US" altLang="zh-TW" b="0" i="0" dirty="0">
+                <a:solidFill>
+                  <a:srgbClr val="212121"/>
+                </a:solidFill>
+                <a:effectLst/>
+                <a:latin typeface="Menlo"/>
+              </a:rPr>
+              <a:t>(0,pi/2,n);</a:t>
+            </a:r>
+          </a:p>
+        </p:txBody>
+      </p:sp>
+      <p:sp>
+        <p:nvSpPr>
+          <p:cNvPr id="8" name="文字方塊 7">
+            <a:extLst>
+              <a:ext uri="{FF2B5EF4-FFF2-40B4-BE49-F238E27FC236}">
+                <a16:creationId xmlns:a16="http://schemas.microsoft.com/office/drawing/2014/main" id="{91FB326F-6C70-4530-9963-5E33B9C7FE7A}"/>
+              </a:ext>
+            </a:extLst>
+          </p:cNvPr>
+          <p:cNvSpPr txBox="1"/>
+          <p:nvPr/>
+        </p:nvSpPr>
+        <p:spPr>
+          <a:xfrm>
+            <a:off x="341722" y="3620704"/>
+            <a:ext cx="6094428" cy="2031325"/>
+          </a:xfrm>
+          <a:prstGeom prst="rect">
+            <a:avLst/>
+          </a:prstGeom>
+          <a:noFill/>
+        </p:spPr>
+        <p:txBody>
+          <a:bodyPr wrap="square">
+            <a:spAutoFit/>
+          </a:bodyPr>
+          <a:lstStyle/>
+          <a:p>
+            <a:r>
+              <a:rPr lang="en-US" altLang="zh-TW" b="0" i="0" u="none" strike="noStrike" dirty="0">
+                <a:solidFill>
+                  <a:srgbClr val="008013"/>
+                </a:solidFill>
+                <a:effectLst/>
+                <a:latin typeface="Menlo"/>
+              </a:rPr>
+              <a:t>% Find maximum MRI image brightness</a:t>
+            </a:r>
+            <a:endParaRPr lang="en-US" altLang="zh-TW" b="0" i="0" dirty="0">
+              <a:solidFill>
+                <a:srgbClr val="212121"/>
+              </a:solidFill>
+              <a:effectLst/>
+              <a:latin typeface="Menlo"/>
+            </a:endParaRPr>
+          </a:p>
+          <a:p>
+            <a:r>
+              <a:rPr lang="en-US" altLang="zh-TW" b="0" i="0" dirty="0">
+                <a:solidFill>
+                  <a:srgbClr val="212121"/>
+                </a:solidFill>
+                <a:effectLst/>
+                <a:latin typeface="Menlo"/>
+              </a:rPr>
+              <a:t>T1 = 1000;</a:t>
+            </a:r>
+          </a:p>
+          <a:p>
+            <a:r>
+              <a:rPr lang="en-US" altLang="zh-TW" b="0" i="0" dirty="0" err="1">
+                <a:solidFill>
+                  <a:srgbClr val="212121"/>
+                </a:solidFill>
+                <a:effectLst/>
+                <a:latin typeface="Menlo"/>
+              </a:rPr>
+              <a:t>M_initial</a:t>
+            </a:r>
+            <a:r>
+              <a:rPr lang="en-US" altLang="zh-TW" b="0" i="0" dirty="0">
+                <a:solidFill>
+                  <a:srgbClr val="212121"/>
+                </a:solidFill>
+                <a:effectLst/>
+                <a:latin typeface="Menlo"/>
+              </a:rPr>
+              <a:t> = ((1-exp(-TR/T1)).*sin(Alpha))./(1-exp(-TR/T1).*cos(Alpha))*exp(-TE/T2_dephasing); </a:t>
+            </a:r>
+          </a:p>
+          <a:p>
+            <a:r>
+              <a:rPr lang="en-US" altLang="zh-TW" b="0" i="0" dirty="0" err="1">
+                <a:solidFill>
+                  <a:srgbClr val="212121"/>
+                </a:solidFill>
+                <a:effectLst/>
+                <a:latin typeface="Menlo"/>
+              </a:rPr>
+              <a:t>Mz_angle</a:t>
+            </a:r>
+            <a:r>
+              <a:rPr lang="en-US" altLang="zh-TW" b="0" i="0" dirty="0">
+                <a:solidFill>
+                  <a:srgbClr val="212121"/>
+                </a:solidFill>
+                <a:effectLst/>
+                <a:latin typeface="Menlo"/>
+              </a:rPr>
+              <a:t> = Alpha(find(</a:t>
+            </a:r>
+            <a:r>
+              <a:rPr lang="en-US" altLang="zh-TW" b="0" i="0" dirty="0" err="1">
+                <a:solidFill>
+                  <a:srgbClr val="212121"/>
+                </a:solidFill>
+                <a:effectLst/>
+                <a:latin typeface="Menlo"/>
+              </a:rPr>
+              <a:t>M_initial</a:t>
+            </a:r>
+            <a:r>
+              <a:rPr lang="en-US" altLang="zh-TW" b="0" i="0" dirty="0">
+                <a:solidFill>
+                  <a:srgbClr val="212121"/>
+                </a:solidFill>
+                <a:effectLst/>
+                <a:latin typeface="Menlo"/>
+              </a:rPr>
+              <a:t>==max(</a:t>
+            </a:r>
+            <a:r>
+              <a:rPr lang="en-US" altLang="zh-TW" b="0" i="0" dirty="0" err="1">
+                <a:solidFill>
+                  <a:srgbClr val="212121"/>
+                </a:solidFill>
+                <a:effectLst/>
+                <a:latin typeface="Menlo"/>
+              </a:rPr>
+              <a:t>M_initial</a:t>
+            </a:r>
+            <a:r>
+              <a:rPr lang="en-US" altLang="zh-TW" b="0" i="0" dirty="0">
+                <a:solidFill>
+                  <a:srgbClr val="212121"/>
+                </a:solidFill>
+                <a:effectLst/>
+                <a:latin typeface="Menlo"/>
+              </a:rPr>
+              <a:t>(:))))/pi*180;</a:t>
+            </a:r>
+          </a:p>
+          <a:p>
+            <a:r>
+              <a:rPr lang="en-US" altLang="zh-TW" b="0" i="0" dirty="0" err="1">
+                <a:solidFill>
+                  <a:srgbClr val="212121"/>
+                </a:solidFill>
+                <a:effectLst/>
+                <a:latin typeface="Menlo"/>
+              </a:rPr>
+              <a:t>fprintf</a:t>
+            </a:r>
+            <a:r>
+              <a:rPr lang="en-US" altLang="zh-TW" b="0" i="0" dirty="0">
+                <a:solidFill>
+                  <a:srgbClr val="212121"/>
+                </a:solidFill>
+                <a:effectLst/>
+                <a:latin typeface="Menlo"/>
+              </a:rPr>
+              <a:t>(</a:t>
+            </a:r>
+            <a:r>
+              <a:rPr lang="en-US" altLang="zh-TW" b="0" i="0" u="none" strike="noStrike" dirty="0">
+                <a:solidFill>
+                  <a:srgbClr val="A709F5"/>
+                </a:solidFill>
+                <a:effectLst/>
+                <a:latin typeface="Menlo"/>
+              </a:rPr>
+              <a:t>'T1: %d'</a:t>
+            </a:r>
+            <a:r>
+              <a:rPr lang="en-US" altLang="zh-TW" b="0" i="0" dirty="0">
+                <a:solidFill>
+                  <a:srgbClr val="212121"/>
+                </a:solidFill>
+                <a:effectLst/>
+                <a:latin typeface="Menlo"/>
+              </a:rPr>
+              <a:t>, T1)</a:t>
+            </a:r>
+          </a:p>
+          <a:p>
+            <a:r>
+              <a:rPr lang="en-US" altLang="zh-TW" b="0" i="0" dirty="0" err="1">
+                <a:solidFill>
+                  <a:srgbClr val="212121"/>
+                </a:solidFill>
+                <a:effectLst/>
+                <a:latin typeface="Menlo"/>
+              </a:rPr>
+              <a:t>fprintf</a:t>
+            </a:r>
+            <a:r>
+              <a:rPr lang="en-US" altLang="zh-TW" b="0" i="0" dirty="0">
+                <a:solidFill>
+                  <a:srgbClr val="212121"/>
+                </a:solidFill>
+                <a:effectLst/>
+                <a:latin typeface="Menlo"/>
+              </a:rPr>
+              <a:t>(</a:t>
+            </a:r>
+            <a:r>
+              <a:rPr lang="en-US" altLang="zh-TW" b="0" i="0" u="none" strike="noStrike" dirty="0">
+                <a:solidFill>
+                  <a:srgbClr val="A709F5"/>
+                </a:solidFill>
+                <a:effectLst/>
+                <a:latin typeface="Menlo"/>
+              </a:rPr>
+              <a:t>'Angle of max(</a:t>
+            </a:r>
+            <a:r>
+              <a:rPr lang="en-US" altLang="zh-TW" b="0" i="0" u="none" strike="noStrike" dirty="0" err="1">
+                <a:solidFill>
+                  <a:srgbClr val="A709F5"/>
+                </a:solidFill>
+                <a:effectLst/>
+                <a:latin typeface="Menlo"/>
+              </a:rPr>
+              <a:t>Mz</a:t>
+            </a:r>
+            <a:r>
+              <a:rPr lang="en-US" altLang="zh-TW" b="0" i="0" u="none" strike="noStrike" dirty="0">
+                <a:solidFill>
+                  <a:srgbClr val="A709F5"/>
+                </a:solidFill>
+                <a:effectLst/>
+                <a:latin typeface="Menlo"/>
+              </a:rPr>
+              <a:t>): %d\n'</a:t>
+            </a:r>
+            <a:r>
+              <a:rPr lang="en-US" altLang="zh-TW" b="0" i="0" dirty="0">
+                <a:solidFill>
+                  <a:srgbClr val="212121"/>
+                </a:solidFill>
+                <a:effectLst/>
+                <a:latin typeface="Menlo"/>
+              </a:rPr>
+              <a:t>, </a:t>
+            </a:r>
+            <a:r>
+              <a:rPr lang="en-US" altLang="zh-TW" b="0" i="0" dirty="0" err="1">
+                <a:solidFill>
+                  <a:srgbClr val="212121"/>
+                </a:solidFill>
+                <a:effectLst/>
+                <a:latin typeface="Menlo"/>
+              </a:rPr>
+              <a:t>Mz_angle</a:t>
+            </a:r>
+            <a:r>
+              <a:rPr lang="en-US" altLang="zh-TW" b="0" i="0" dirty="0">
+                <a:solidFill>
+                  <a:srgbClr val="212121"/>
+                </a:solidFill>
+                <a:effectLst/>
+                <a:latin typeface="Menlo"/>
+              </a:rPr>
+              <a:t>)</a:t>
             </a:r>
           </a:p>
         </p:txBody>
@@ -5630,7 +9005,7 @@
     </p:spTree>
     <p:extLst>
       <p:ext uri="{BB962C8B-B14F-4D97-AF65-F5344CB8AC3E}">
-        <p14:creationId xmlns:p14="http://schemas.microsoft.com/office/powerpoint/2010/main" val="1601192226"/>
+        <p14:creationId xmlns:p14="http://schemas.microsoft.com/office/powerpoint/2010/main" val="846267877"/>
       </p:ext>
     </p:extLst>
   </p:cSld>

--- a/FLASH_HW2/HW2.pptx
+++ b/FLASH_HW2/HW2.pptx
@@ -5,7 +5,7 @@
     <p:sldMasterId id="2147483648" r:id="rId1"/>
   </p:sldMasterIdLst>
   <p:notesMasterIdLst>
-    <p:notesMasterId r:id="rId29"/>
+    <p:notesMasterId r:id="rId30"/>
   </p:notesMasterIdLst>
   <p:sldIdLst>
     <p:sldId id="260" r:id="rId2"/>
@@ -35,6 +35,7 @@
     <p:sldId id="303" r:id="rId26"/>
     <p:sldId id="304" r:id="rId27"/>
     <p:sldId id="305" r:id="rId28"/>
+    <p:sldId id="306" r:id="rId29"/>
   </p:sldIdLst>
   <p:sldSz cx="12192000" cy="6858000"/>
   <p:notesSz cx="6858000" cy="9144000"/>
@@ -8086,7 +8087,7 @@
                   <a:latin typeface="Times New Roman" panose="02020603050405020304" pitchFamily="18" charset="0"/>
                   <a:cs typeface="Times New Roman" panose="02020603050405020304" pitchFamily="18" charset="0"/>
                 </a:rPr>
-                <a:t>nil.gz</a:t>
+                <a:t>nii.gz</a:t>
               </a:r>
               <a:r>
                 <a:rPr lang="en-US" altLang="zh-TW" dirty="0">
@@ -20830,6 +20831,485 @@
 </p:sld>
 </file>
 
+<file path=ppt/slides/slide28.xml><?xml version="1.0" encoding="utf-8"?>
+<p:sld xmlns:a="http://schemas.openxmlformats.org/drawingml/2006/main" xmlns:r="http://schemas.openxmlformats.org/officeDocument/2006/relationships" xmlns:p="http://schemas.openxmlformats.org/presentationml/2006/main">
+  <p:cSld>
+    <p:spTree>
+      <p:nvGrpSpPr>
+        <p:cNvPr id="1" name=""/>
+        <p:cNvGrpSpPr/>
+        <p:nvPr/>
+      </p:nvGrpSpPr>
+      <p:grpSpPr>
+        <a:xfrm>
+          <a:off x="0" y="0"/>
+          <a:ext cx="0" cy="0"/>
+          <a:chOff x="0" y="0"/>
+          <a:chExt cx="0" cy="0"/>
+        </a:xfrm>
+      </p:grpSpPr>
+      <p:sp>
+        <p:nvSpPr>
+          <p:cNvPr id="7" name="矩形 6">
+            <a:extLst>
+              <a:ext uri="{FF2B5EF4-FFF2-40B4-BE49-F238E27FC236}">
+                <a16:creationId xmlns:a16="http://schemas.microsoft.com/office/drawing/2014/main" id="{420303C6-4177-4F4A-BB0F-B11FC72F514B}"/>
+              </a:ext>
+            </a:extLst>
+          </p:cNvPr>
+          <p:cNvSpPr/>
+          <p:nvPr/>
+        </p:nvSpPr>
+        <p:spPr>
+          <a:xfrm>
+            <a:off x="0" y="1235871"/>
+            <a:ext cx="12192000" cy="5066452"/>
+          </a:xfrm>
+          <a:prstGeom prst="rect">
+            <a:avLst/>
+          </a:prstGeom>
+          <a:solidFill>
+            <a:schemeClr val="tx1">
+              <a:lumMod val="65000"/>
+              <a:lumOff val="35000"/>
+            </a:schemeClr>
+          </a:solidFill>
+          <a:ln>
+            <a:noFill/>
+          </a:ln>
+        </p:spPr>
+        <p:style>
+          <a:lnRef idx="2">
+            <a:schemeClr val="dk1">
+              <a:shade val="50000"/>
+            </a:schemeClr>
+          </a:lnRef>
+          <a:fillRef idx="1">
+            <a:schemeClr val="dk1"/>
+          </a:fillRef>
+          <a:effectRef idx="0">
+            <a:schemeClr val="dk1"/>
+          </a:effectRef>
+          <a:fontRef idx="minor">
+            <a:schemeClr val="lt1"/>
+          </a:fontRef>
+        </p:style>
+        <p:txBody>
+          <a:bodyPr rtlCol="0" anchor="ctr"/>
+          <a:lstStyle/>
+          <a:p>
+            <a:pPr algn="ctr"/>
+            <a:endParaRPr lang="zh-TW" altLang="en-US">
+              <a:effectLst>
+                <a:outerShdw blurRad="38100" dist="38100" dir="2700000" algn="tl">
+                  <a:srgbClr val="000000">
+                    <a:alpha val="43137"/>
+                  </a:srgbClr>
+                </a:outerShdw>
+              </a:effectLst>
+            </a:endParaRPr>
+          </a:p>
+        </p:txBody>
+      </p:sp>
+      <p:pic>
+        <p:nvPicPr>
+          <p:cNvPr id="2" name="圖片 1">
+            <a:extLst>
+              <a:ext uri="{FF2B5EF4-FFF2-40B4-BE49-F238E27FC236}">
+                <a16:creationId xmlns:a16="http://schemas.microsoft.com/office/drawing/2014/main" id="{D7C306AC-95C4-4C0A-A09F-4DE561191E54}"/>
+              </a:ext>
+            </a:extLst>
+          </p:cNvPr>
+          <p:cNvPicPr>
+            <a:picLocks noChangeAspect="1"/>
+          </p:cNvPicPr>
+          <p:nvPr/>
+        </p:nvPicPr>
+        <p:blipFill>
+          <a:blip r:embed="rId2" cstate="hqprint">
+            <a:extLst>
+              <a:ext uri="{28A0092B-C50C-407E-A947-70E740481C1C}">
+                <a14:useLocalDpi xmlns:a14="http://schemas.microsoft.com/office/drawing/2010/main" val="0"/>
+              </a:ext>
+            </a:extLst>
+          </a:blip>
+          <a:stretch>
+            <a:fillRect/>
+          </a:stretch>
+        </p:blipFill>
+        <p:spPr>
+          <a:xfrm>
+            <a:off x="9690756" y="6302326"/>
+            <a:ext cx="2580675" cy="555677"/>
+          </a:xfrm>
+          <a:prstGeom prst="rect">
+            <a:avLst/>
+          </a:prstGeom>
+        </p:spPr>
+      </p:pic>
+      <p:sp>
+        <p:nvSpPr>
+          <p:cNvPr id="5" name="標題 2">
+            <a:extLst>
+              <a:ext uri="{FF2B5EF4-FFF2-40B4-BE49-F238E27FC236}">
+                <a16:creationId xmlns:a16="http://schemas.microsoft.com/office/drawing/2014/main" id="{2D9E58C4-7551-4638-ACBF-6D022CAF5A5D}"/>
+              </a:ext>
+            </a:extLst>
+          </p:cNvPr>
+          <p:cNvSpPr txBox="1">
+            <a:spLocks/>
+          </p:cNvSpPr>
+          <p:nvPr/>
+        </p:nvSpPr>
+        <p:spPr>
+          <a:xfrm>
+            <a:off x="3348426" y="2105025"/>
+            <a:ext cx="5495148" cy="1037582"/>
+          </a:xfrm>
+          <a:prstGeom prst="rect">
+            <a:avLst/>
+          </a:prstGeom>
+        </p:spPr>
+        <p:txBody>
+          <a:bodyPr/>
+          <a:lstStyle>
+            <a:lvl1pPr algn="l" defTabSz="914400" rtl="0" eaLnBrk="1" latinLnBrk="0" hangingPunct="1">
+              <a:lnSpc>
+                <a:spcPct val="90000"/>
+              </a:lnSpc>
+              <a:spcBef>
+                <a:spcPct val="0"/>
+              </a:spcBef>
+              <a:buNone/>
+              <a:defRPr sz="4400" kern="1200">
+                <a:solidFill>
+                  <a:schemeClr val="tx1"/>
+                </a:solidFill>
+                <a:latin typeface="+mj-lt"/>
+                <a:ea typeface="+mj-ea"/>
+                <a:cs typeface="+mj-cs"/>
+              </a:defRPr>
+            </a:lvl1pPr>
+          </a:lstStyle>
+          <a:p>
+            <a:pPr algn="ctr"/>
+            <a:r>
+              <a:rPr lang="en-US" altLang="zh-TW" sz="6000" b="1" dirty="0">
+                <a:solidFill>
+                  <a:schemeClr val="bg1"/>
+                </a:solidFill>
+                <a:effectLst>
+                  <a:outerShdw blurRad="38100" dist="38100" dir="2700000" algn="tl">
+                    <a:srgbClr val="000000">
+                      <a:alpha val="43137"/>
+                    </a:srgbClr>
+                  </a:outerShdw>
+                </a:effectLst>
+                <a:latin typeface="Times New Roman" panose="02020603050405020304" pitchFamily="18" charset="0"/>
+                <a:cs typeface="Times New Roman" panose="02020603050405020304" pitchFamily="18" charset="0"/>
+              </a:rPr>
+              <a:t>Q&amp;A</a:t>
+            </a:r>
+            <a:endParaRPr lang="zh-TW" altLang="en-US" sz="6000" b="1" dirty="0">
+              <a:solidFill>
+                <a:schemeClr val="bg1"/>
+              </a:solidFill>
+              <a:effectLst>
+                <a:outerShdw blurRad="38100" dist="38100" dir="2700000" algn="tl">
+                  <a:srgbClr val="000000">
+                    <a:alpha val="43137"/>
+                  </a:srgbClr>
+                </a:outerShdw>
+              </a:effectLst>
+              <a:latin typeface="Times New Roman" panose="02020603050405020304" pitchFamily="18" charset="0"/>
+              <a:cs typeface="Times New Roman" panose="02020603050405020304" pitchFamily="18" charset="0"/>
+            </a:endParaRPr>
+          </a:p>
+        </p:txBody>
+      </p:sp>
+      <p:sp>
+        <p:nvSpPr>
+          <p:cNvPr id="6" name="標題 2">
+            <a:extLst>
+              <a:ext uri="{FF2B5EF4-FFF2-40B4-BE49-F238E27FC236}">
+                <a16:creationId xmlns:a16="http://schemas.microsoft.com/office/drawing/2014/main" id="{5B9AD783-ED47-4EF3-8A57-C02CFD7D06E5}"/>
+              </a:ext>
+            </a:extLst>
+          </p:cNvPr>
+          <p:cNvSpPr txBox="1">
+            <a:spLocks/>
+          </p:cNvSpPr>
+          <p:nvPr/>
+        </p:nvSpPr>
+        <p:spPr>
+          <a:xfrm>
+            <a:off x="3348428" y="3715393"/>
+            <a:ext cx="5495148" cy="1037582"/>
+          </a:xfrm>
+          <a:prstGeom prst="rect">
+            <a:avLst/>
+          </a:prstGeom>
+          <a:effectLst>
+            <a:outerShdw blurRad="50800" dist="50800" dir="2700000" algn="ctr" rotWithShape="0">
+              <a:schemeClr val="bg2">
+                <a:lumMod val="75000"/>
+              </a:schemeClr>
+            </a:outerShdw>
+          </a:effectLst>
+        </p:spPr>
+        <p:txBody>
+          <a:bodyPr vert="horz" lIns="91440" tIns="45720" rIns="91440" bIns="45720" rtlCol="0" anchor="b">
+            <a:noAutofit/>
+          </a:bodyPr>
+          <a:lstStyle>
+            <a:lvl1pPr algn="ctr" defTabSz="914377" rtl="0" eaLnBrk="1" latinLnBrk="0" hangingPunct="1">
+              <a:lnSpc>
+                <a:spcPct val="90000"/>
+              </a:lnSpc>
+              <a:spcBef>
+                <a:spcPct val="0"/>
+              </a:spcBef>
+              <a:buNone/>
+              <a:defRPr sz="3671" b="1" kern="1200">
+                <a:solidFill>
+                  <a:schemeClr val="tx1"/>
+                </a:solidFill>
+                <a:latin typeface="+mj-lt"/>
+                <a:ea typeface="+mj-ea"/>
+                <a:cs typeface="+mj-cs"/>
+              </a:defRPr>
+            </a:lvl1pPr>
+          </a:lstStyle>
+          <a:p>
+            <a:r>
+              <a:rPr lang="en-US" altLang="zh-TW" sz="6000" dirty="0">
+                <a:latin typeface="Times New Roman" panose="02020603050405020304" pitchFamily="18" charset="0"/>
+                <a:cs typeface="Times New Roman" panose="02020603050405020304" pitchFamily="18" charset="0"/>
+              </a:rPr>
+              <a:t>Thanks</a:t>
+            </a:r>
+            <a:endParaRPr lang="zh-TW" altLang="en-US" sz="6000" dirty="0">
+              <a:latin typeface="Times New Roman" panose="02020603050405020304" pitchFamily="18" charset="0"/>
+              <a:cs typeface="Times New Roman" panose="02020603050405020304" pitchFamily="18" charset="0"/>
+            </a:endParaRPr>
+          </a:p>
+        </p:txBody>
+      </p:sp>
+      <p:sp>
+        <p:nvSpPr>
+          <p:cNvPr id="4" name="投影片編號版面配置區 3">
+            <a:extLst>
+              <a:ext uri="{FF2B5EF4-FFF2-40B4-BE49-F238E27FC236}">
+                <a16:creationId xmlns:a16="http://schemas.microsoft.com/office/drawing/2014/main" id="{4C8CDD7F-7A6B-43AA-899D-DF163B236255}"/>
+              </a:ext>
+            </a:extLst>
+          </p:cNvPr>
+          <p:cNvSpPr>
+            <a:spLocks noGrp="1"/>
+          </p:cNvSpPr>
+          <p:nvPr>
+            <p:ph type="sldNum" sz="quarter" idx="12"/>
+          </p:nvPr>
+        </p:nvSpPr>
+        <p:spPr/>
+        <p:txBody>
+          <a:bodyPr/>
+          <a:lstStyle/>
+          <a:p>
+            <a:fld id="{0F7416F7-7A92-427C-82AA-57A1311919BC}" type="slidenum">
+              <a:rPr lang="zh-TW" altLang="en-US" smtClean="0"/>
+              <a:t>27</a:t>
+            </a:fld>
+            <a:endParaRPr lang="zh-TW" altLang="en-US"/>
+          </a:p>
+        </p:txBody>
+      </p:sp>
+      <p:sp>
+        <p:nvSpPr>
+          <p:cNvPr id="8" name="標題 2">
+            <a:extLst>
+              <a:ext uri="{FF2B5EF4-FFF2-40B4-BE49-F238E27FC236}">
+                <a16:creationId xmlns:a16="http://schemas.microsoft.com/office/drawing/2014/main" id="{B178B5F8-011E-4309-99FA-02644383DB91}"/>
+              </a:ext>
+            </a:extLst>
+          </p:cNvPr>
+          <p:cNvSpPr txBox="1">
+            <a:spLocks/>
+          </p:cNvSpPr>
+          <p:nvPr/>
+        </p:nvSpPr>
+        <p:spPr>
+          <a:xfrm>
+            <a:off x="9690756" y="5690373"/>
+            <a:ext cx="1760287" cy="407968"/>
+          </a:xfrm>
+          <a:prstGeom prst="rect">
+            <a:avLst/>
+          </a:prstGeom>
+        </p:spPr>
+        <p:txBody>
+          <a:bodyPr/>
+          <a:lstStyle>
+            <a:lvl1pPr algn="l" defTabSz="914400" rtl="0" eaLnBrk="1" latinLnBrk="0" hangingPunct="1">
+              <a:lnSpc>
+                <a:spcPct val="90000"/>
+              </a:lnSpc>
+              <a:spcBef>
+                <a:spcPct val="0"/>
+              </a:spcBef>
+              <a:buNone/>
+              <a:defRPr sz="4400" kern="1200">
+                <a:solidFill>
+                  <a:schemeClr val="tx1"/>
+                </a:solidFill>
+                <a:latin typeface="+mj-lt"/>
+                <a:ea typeface="+mj-ea"/>
+                <a:cs typeface="+mj-cs"/>
+              </a:defRPr>
+            </a:lvl1pPr>
+          </a:lstStyle>
+          <a:p>
+            <a:pPr algn="ctr"/>
+            <a:r>
+              <a:rPr lang="en-US" altLang="zh-TW" sz="2400" b="1" dirty="0">
+                <a:solidFill>
+                  <a:schemeClr val="bg1"/>
+                </a:solidFill>
+                <a:effectLst>
+                  <a:outerShdw blurRad="38100" dist="38100" dir="2700000" algn="tl">
+                    <a:srgbClr val="000000">
+                      <a:alpha val="43137"/>
+                    </a:srgbClr>
+                  </a:outerShdw>
+                </a:effectLst>
+                <a:latin typeface="Times New Roman" panose="02020603050405020304" pitchFamily="18" charset="0"/>
+                <a:cs typeface="Times New Roman" panose="02020603050405020304" pitchFamily="18" charset="0"/>
+                <a:hlinkClick r:id="rId3">
+                  <a:extLst>
+                    <a:ext uri="{A12FA001-AC4F-418D-AE19-62706E023703}">
+                      <ahyp:hlinkClr xmlns:ahyp="http://schemas.microsoft.com/office/drawing/2018/hyperlinkcolor" val="tx"/>
+                    </a:ext>
+                  </a:extLst>
+                </a:hlinkClick>
+              </a:rPr>
+              <a:t>GitHub</a:t>
+            </a:r>
+            <a:endParaRPr lang="zh-TW" altLang="en-US" sz="2400" b="1" dirty="0">
+              <a:solidFill>
+                <a:schemeClr val="bg1"/>
+              </a:solidFill>
+              <a:effectLst>
+                <a:outerShdw blurRad="38100" dist="38100" dir="2700000" algn="tl">
+                  <a:srgbClr val="000000">
+                    <a:alpha val="43137"/>
+                  </a:srgbClr>
+                </a:outerShdw>
+              </a:effectLst>
+              <a:latin typeface="Times New Roman" panose="02020603050405020304" pitchFamily="18" charset="0"/>
+              <a:cs typeface="Times New Roman" panose="02020603050405020304" pitchFamily="18" charset="0"/>
+            </a:endParaRPr>
+          </a:p>
+        </p:txBody>
+      </p:sp>
+    </p:spTree>
+    <p:extLst>
+      <p:ext uri="{BB962C8B-B14F-4D97-AF65-F5344CB8AC3E}">
+        <p14:creationId xmlns:p14="http://schemas.microsoft.com/office/powerpoint/2010/main" val="328900374"/>
+      </p:ext>
+    </p:extLst>
+  </p:cSld>
+  <p:clrMapOvr>
+    <a:masterClrMapping/>
+  </p:clrMapOvr>
+  <p:timing>
+    <p:tnLst>
+      <p:par>
+        <p:cTn id="1" dur="indefinite" restart="never" nodeType="tmRoot">
+          <p:childTnLst>
+            <p:seq concurrent="1" nextAc="seek">
+              <p:cTn id="2" dur="indefinite" nodeType="mainSeq">
+                <p:childTnLst>
+                  <p:par>
+                    <p:cTn id="3" fill="hold">
+                      <p:stCondLst>
+                        <p:cond delay="indefinite"/>
+                      </p:stCondLst>
+                      <p:childTnLst>
+                        <p:par>
+                          <p:cTn id="4" fill="hold">
+                            <p:stCondLst>
+                              <p:cond delay="0"/>
+                            </p:stCondLst>
+                            <p:childTnLst>
+                              <p:par>
+                                <p:cTn id="5" presetID="10" presetClass="entr" presetSubtype="0" fill="hold" grpId="0" nodeType="clickEffect">
+                                  <p:stCondLst>
+                                    <p:cond delay="0"/>
+                                  </p:stCondLst>
+                                  <p:childTnLst>
+                                    <p:set>
+                                      <p:cBhvr>
+                                        <p:cTn id="6" dur="1" fill="hold">
+                                          <p:stCondLst>
+                                            <p:cond delay="0"/>
+                                          </p:stCondLst>
+                                        </p:cTn>
+                                        <p:tgtEl>
+                                          <p:spTgt spid="6"/>
+                                        </p:tgtEl>
+                                        <p:attrNameLst>
+                                          <p:attrName>style.visibility</p:attrName>
+                                        </p:attrNameLst>
+                                      </p:cBhvr>
+                                      <p:to>
+                                        <p:strVal val="visible"/>
+                                      </p:to>
+                                    </p:set>
+                                    <p:animEffect transition="in" filter="fade">
+                                      <p:cBhvr>
+                                        <p:cTn id="7" dur="500"/>
+                                        <p:tgtEl>
+                                          <p:spTgt spid="6"/>
+                                        </p:tgtEl>
+                                      </p:cBhvr>
+                                    </p:animEffect>
+                                  </p:childTnLst>
+                                </p:cTn>
+                              </p:par>
+                            </p:childTnLst>
+                          </p:cTn>
+                        </p:par>
+                      </p:childTnLst>
+                    </p:cTn>
+                  </p:par>
+                </p:childTnLst>
+              </p:cTn>
+              <p:prevCondLst>
+                <p:cond evt="onPrev" delay="0">
+                  <p:tgtEl>
+                    <p:sldTgt/>
+                  </p:tgtEl>
+                </p:cond>
+              </p:prevCondLst>
+              <p:nextCondLst>
+                <p:cond evt="onNext" delay="0">
+                  <p:tgtEl>
+                    <p:sldTgt/>
+                  </p:tgtEl>
+                </p:cond>
+              </p:nextCondLst>
+            </p:seq>
+          </p:childTnLst>
+        </p:cTn>
+      </p:par>
+    </p:tnLst>
+    <p:bldLst>
+      <p:bldP spid="6" grpId="0"/>
+    </p:bldLst>
+  </p:timing>
+</p:sld>
+</file>
+
 <file path=ppt/slides/slide3.xml><?xml version="1.0" encoding="utf-8"?>
 <p:sld xmlns:a="http://schemas.openxmlformats.org/drawingml/2006/main" xmlns:r="http://schemas.openxmlformats.org/officeDocument/2006/relationships" xmlns:p="http://schemas.openxmlformats.org/presentationml/2006/main">
   <p:cSld>
@@ -22458,8 +22938,8 @@
           </a:prstGeom>
         </p:spPr>
       </p:pic>
-      <mc:AlternateContent xmlns:mc="http://schemas.openxmlformats.org/markup-compatibility/2006">
-        <mc:Choice xmlns:a14="http://schemas.microsoft.com/office/drawing/2010/main" Requires="a14">
+      <mc:AlternateContent xmlns:mc="http://schemas.openxmlformats.org/markup-compatibility/2006" xmlns:a14="http://schemas.microsoft.com/office/drawing/2010/main">
+        <mc:Choice Requires="a14">
           <p:sp>
             <p:nvSpPr>
               <p:cNvPr id="12" name="文字方塊 11">
@@ -22623,7 +23103,7 @@
             </p:txBody>
           </p:sp>
         </mc:Choice>
-        <mc:Fallback>
+        <mc:Fallback xmlns="">
           <p:sp>
             <p:nvSpPr>
               <p:cNvPr id="12" name="文字方塊 11">
@@ -22668,8 +23148,8 @@
           </p:sp>
         </mc:Fallback>
       </mc:AlternateContent>
-      <mc:AlternateContent xmlns:mc="http://schemas.openxmlformats.org/markup-compatibility/2006">
-        <mc:Choice xmlns:a14="http://schemas.microsoft.com/office/drawing/2010/main" Requires="a14">
+      <mc:AlternateContent xmlns:mc="http://schemas.openxmlformats.org/markup-compatibility/2006" xmlns:a14="http://schemas.microsoft.com/office/drawing/2010/main">
+        <mc:Choice Requires="a14">
           <p:sp>
             <p:nvSpPr>
               <p:cNvPr id="15" name="文字方塊 14">
@@ -23021,7 +23501,7 @@
             </p:txBody>
           </p:sp>
         </mc:Choice>
-        <mc:Fallback>
+        <mc:Fallback xmlns="">
           <p:sp>
             <p:nvSpPr>
               <p:cNvPr id="15" name="文字方塊 14">

--- a/FLASH_HW2/HW2.pptx
+++ b/FLASH_HW2/HW2.pptx
@@ -12969,8 +12969,8 @@
         </p:nvSpPr>
         <p:spPr>
           <a:xfrm>
-            <a:off x="838199" y="1377120"/>
-            <a:ext cx="1467068" cy="461665"/>
+            <a:off x="727591" y="1377120"/>
+            <a:ext cx="1688284" cy="461665"/>
           </a:xfrm>
           <a:prstGeom prst="rect">
             <a:avLst/>
@@ -12992,7 +12992,7 @@
                 <a:ea typeface="微軟正黑體" panose="020B0604030504040204" pitchFamily="34" charset="-120"/>
                 <a:cs typeface="Times New Roman" panose="02020603050405020304" pitchFamily="18" charset="0"/>
               </a:rPr>
-              <a:t>Dataform</a:t>
+              <a:t>DataFrame</a:t>
             </a:r>
             <a:endParaRPr lang="en-US" altLang="zh-TW" sz="2400" b="1" i="0" dirty="0">
               <a:solidFill>
@@ -15246,8 +15246,8 @@
         </p:nvSpPr>
         <p:spPr>
           <a:xfrm>
-            <a:off x="838199" y="1377120"/>
-            <a:ext cx="1467068" cy="461665"/>
+            <a:off x="727591" y="1377120"/>
+            <a:ext cx="1688284" cy="461665"/>
           </a:xfrm>
           <a:prstGeom prst="rect">
             <a:avLst/>
@@ -15269,7 +15269,7 @@
                 <a:ea typeface="微軟正黑體" panose="020B0604030504040204" pitchFamily="34" charset="-120"/>
                 <a:cs typeface="Times New Roman" panose="02020603050405020304" pitchFamily="18" charset="0"/>
               </a:rPr>
-              <a:t>Dataform</a:t>
+              <a:t>DataFrame</a:t>
             </a:r>
             <a:endParaRPr lang="en-US" altLang="zh-TW" sz="2400" b="1" i="0" dirty="0">
               <a:solidFill>
@@ -17051,8 +17051,8 @@
         </p:nvSpPr>
         <p:spPr>
           <a:xfrm>
-            <a:off x="838199" y="1377120"/>
-            <a:ext cx="1467068" cy="461665"/>
+            <a:off x="727591" y="1377120"/>
+            <a:ext cx="1688284" cy="461665"/>
           </a:xfrm>
           <a:prstGeom prst="rect">
             <a:avLst/>
@@ -17074,7 +17074,7 @@
                 <a:ea typeface="微軟正黑體" panose="020B0604030504040204" pitchFamily="34" charset="-120"/>
                 <a:cs typeface="Times New Roman" panose="02020603050405020304" pitchFamily="18" charset="0"/>
               </a:rPr>
-              <a:t>Dataform</a:t>
+              <a:t>DataFrame</a:t>
             </a:r>
             <a:endParaRPr lang="en-US" altLang="zh-TW" sz="2400" b="1" i="0" dirty="0">
               <a:solidFill>
@@ -17402,8 +17402,8 @@
         </p:nvSpPr>
         <p:spPr>
           <a:xfrm>
-            <a:off x="838199" y="1377120"/>
-            <a:ext cx="1467068" cy="461665"/>
+            <a:off x="727591" y="1377120"/>
+            <a:ext cx="1688284" cy="461665"/>
           </a:xfrm>
           <a:prstGeom prst="rect">
             <a:avLst/>
@@ -17425,7 +17425,7 @@
                 <a:ea typeface="微軟正黑體" panose="020B0604030504040204" pitchFamily="34" charset="-120"/>
                 <a:cs typeface="Times New Roman" panose="02020603050405020304" pitchFamily="18" charset="0"/>
               </a:rPr>
-              <a:t>Dataform</a:t>
+              <a:t>DataFrame</a:t>
             </a:r>
             <a:endParaRPr lang="en-US" altLang="zh-TW" sz="2400" b="1" i="0" dirty="0">
               <a:solidFill>
